--- a/ppt/8강.pptx
+++ b/ppt/8강.pptx
@@ -5,14 +5,20 @@
     <p:sldMasterId id="2147483648" r:id="rId1"/>
   </p:sldMasterIdLst>
   <p:notesMasterIdLst>
-    <p:notesMasterId r:id="rId7"/>
+    <p:notesMasterId r:id="rId13"/>
   </p:notesMasterIdLst>
   <p:sldIdLst>
     <p:sldId id="261" r:id="rId2"/>
     <p:sldId id="262" r:id="rId3"/>
     <p:sldId id="366" r:id="rId4"/>
-    <p:sldId id="367" r:id="rId5"/>
-    <p:sldId id="268" r:id="rId6"/>
+    <p:sldId id="368" r:id="rId5"/>
+    <p:sldId id="369" r:id="rId6"/>
+    <p:sldId id="370" r:id="rId7"/>
+    <p:sldId id="375" r:id="rId8"/>
+    <p:sldId id="376" r:id="rId9"/>
+    <p:sldId id="377" r:id="rId10"/>
+    <p:sldId id="367" r:id="rId11"/>
+    <p:sldId id="268" r:id="rId12"/>
   </p:sldIdLst>
   <p:sldSz cx="12192000" cy="6858000"/>
   <p:notesSz cx="6858000" cy="9144000"/>
@@ -3329,6 +3335,121 @@
 </p:sld>
 </file>
 
+<file path=ppt/slides/slide10.xml><?xml version="1.0" encoding="utf-8"?>
+<p:sld xmlns:a="http://schemas.openxmlformats.org/drawingml/2006/main" xmlns:r="http://schemas.openxmlformats.org/officeDocument/2006/relationships" xmlns:p="http://schemas.openxmlformats.org/presentationml/2006/main">
+  <p:cSld>
+    <p:spTree>
+      <p:nvGrpSpPr>
+        <p:cNvPr id="1" name=""/>
+        <p:cNvGrpSpPr/>
+        <p:nvPr/>
+      </p:nvGrpSpPr>
+      <p:grpSpPr>
+        <a:xfrm>
+          <a:off x="0" y="0"/>
+          <a:ext cx="0" cy="0"/>
+          <a:chOff x="0" y="0"/>
+          <a:chExt cx="0" cy="0"/>
+        </a:xfrm>
+      </p:grpSpPr>
+      <p:sp>
+        <p:nvSpPr>
+          <p:cNvPr id="4" name="제목 3"/>
+          <p:cNvSpPr>
+            <a:spLocks noGrp="1"/>
+          </p:cNvSpPr>
+          <p:nvPr>
+            <p:ph type="title"/>
+          </p:nvPr>
+        </p:nvSpPr>
+        <p:spPr>
+          <a:xfrm>
+            <a:off x="1561359" y="2925785"/>
+            <a:ext cx="9069280" cy="1006429"/>
+          </a:xfrm>
+        </p:spPr>
+        <p:txBody>
+          <a:bodyPr/>
+          <a:lstStyle/>
+          <a:p>
+            <a:r>
+              <a:rPr lang="en-US" altLang="ko-KR"/>
+              <a:t>GCC</a:t>
+            </a:r>
+            <a:endParaRPr lang="ko-KR" altLang="en-US" dirty="0"/>
+          </a:p>
+        </p:txBody>
+      </p:sp>
+    </p:spTree>
+    <p:extLst>
+      <p:ext uri="{BB962C8B-B14F-4D97-AF65-F5344CB8AC3E}">
+        <p14:creationId xmlns:p14="http://schemas.microsoft.com/office/powerpoint/2010/main" val="3573900366"/>
+      </p:ext>
+    </p:extLst>
+  </p:cSld>
+  <p:clrMapOvr>
+    <a:masterClrMapping/>
+  </p:clrMapOvr>
+</p:sld>
+</file>
+
+<file path=ppt/slides/slide11.xml><?xml version="1.0" encoding="utf-8"?>
+<p:sld xmlns:a="http://schemas.openxmlformats.org/drawingml/2006/main" xmlns:r="http://schemas.openxmlformats.org/officeDocument/2006/relationships" xmlns:p="http://schemas.openxmlformats.org/presentationml/2006/main">
+  <p:cSld>
+    <p:spTree>
+      <p:nvGrpSpPr>
+        <p:cNvPr id="1" name=""/>
+        <p:cNvGrpSpPr/>
+        <p:nvPr/>
+      </p:nvGrpSpPr>
+      <p:grpSpPr>
+        <a:xfrm>
+          <a:off x="0" y="0"/>
+          <a:ext cx="0" cy="0"/>
+          <a:chOff x="0" y="0"/>
+          <a:chExt cx="0" cy="0"/>
+        </a:xfrm>
+      </p:grpSpPr>
+      <p:sp>
+        <p:nvSpPr>
+          <p:cNvPr id="2" name="제목 1"/>
+          <p:cNvSpPr>
+            <a:spLocks noGrp="1"/>
+          </p:cNvSpPr>
+          <p:nvPr>
+            <p:ph type="title"/>
+          </p:nvPr>
+        </p:nvSpPr>
+        <p:spPr/>
+        <p:txBody>
+          <a:bodyPr/>
+          <a:lstStyle/>
+          <a:p>
+            <a:r>
+              <a:rPr lang="ko-KR" altLang="en-US" dirty="0"/>
+              <a:t>수고하셨습니다</a:t>
+            </a:r>
+            <a:r>
+              <a:rPr lang="en-US" altLang="ko-KR" dirty="0"/>
+              <a:t>!</a:t>
+            </a:r>
+            <a:endParaRPr lang="ko-KR" altLang="en-US" dirty="0"/>
+          </a:p>
+        </p:txBody>
+      </p:sp>
+    </p:spTree>
+    <p:extLst>
+      <p:ext uri="{BB962C8B-B14F-4D97-AF65-F5344CB8AC3E}">
+        <p14:creationId xmlns:p14="http://schemas.microsoft.com/office/powerpoint/2010/main" val="3464034812"/>
+      </p:ext>
+    </p:extLst>
+  </p:cSld>
+  <p:clrMapOvr>
+    <a:masterClrMapping/>
+  </p:clrMapOvr>
+</p:sld>
+</file>
+
 <file path=ppt/slides/slide2.xml><?xml version="1.0" encoding="utf-8"?>
 <p:sld xmlns:a="http://schemas.openxmlformats.org/drawingml/2006/main" xmlns:r="http://schemas.openxmlformats.org/officeDocument/2006/relationships" xmlns:p="http://schemas.openxmlformats.org/presentationml/2006/main">
   <p:cSld>
@@ -3404,7 +3525,7 @@
         </p:nvGrpSpPr>
         <p:grpSpPr>
           <a:xfrm>
-            <a:off x="4011725" y="1915048"/>
+            <a:off x="4367325" y="1915048"/>
             <a:ext cx="251251" cy="251251"/>
             <a:chOff x="3192036" y="3177749"/>
             <a:chExt cx="251251" cy="251251"/>
@@ -3529,8 +3650,8 @@
         </p:nvSpPr>
         <p:spPr>
           <a:xfrm>
-            <a:off x="3625032" y="2230370"/>
-            <a:ext cx="1024640" cy="646331"/>
+            <a:off x="2815250" y="2230370"/>
+            <a:ext cx="3355406" cy="646331"/>
           </a:xfrm>
           <a:prstGeom prst="rect">
             <a:avLst/>
@@ -3546,7 +3667,7 @@
             <a:pPr algn="ctr"/>
             <a:r>
               <a:rPr lang="ko-KR" altLang="en-US" sz="3600" dirty="0"/>
-              <a:t>좋은</a:t>
+              <a:t>좋은 코드 작성법</a:t>
             </a:r>
           </a:p>
         </p:txBody>
@@ -3601,7 +3722,7 @@
         </p:nvGrpSpPr>
         <p:grpSpPr>
           <a:xfrm>
-            <a:off x="7817287" y="1915048"/>
+            <a:off x="8172887" y="1915048"/>
             <a:ext cx="251251" cy="251251"/>
             <a:chOff x="3192036" y="3177749"/>
             <a:chExt cx="251251" cy="251251"/>
@@ -3726,7 +3847,7 @@
         </p:nvSpPr>
         <p:spPr>
           <a:xfrm>
-            <a:off x="7408964" y="2228453"/>
+            <a:off x="7764564" y="2228453"/>
             <a:ext cx="1067921" cy="646331"/>
           </a:xfrm>
           <a:prstGeom prst="rect">
@@ -3838,7 +3959,13 @@
       </p:grpSpPr>
       <p:sp>
         <p:nvSpPr>
-          <p:cNvPr id="4" name="제목 3"/>
+          <p:cNvPr id="3" name="제목 2">
+            <a:extLst>
+              <a:ext uri="{FF2B5EF4-FFF2-40B4-BE49-F238E27FC236}">
+                <a16:creationId xmlns:a16="http://schemas.microsoft.com/office/drawing/2014/main" id="{06D037A6-A520-484C-BFA7-1D1C7C3BEF26}"/>
+              </a:ext>
+            </a:extLst>
+          </p:cNvPr>
           <p:cNvSpPr>
             <a:spLocks noGrp="1"/>
           </p:cNvSpPr>
@@ -3846,28 +3973,62 @@
             <p:ph type="title"/>
           </p:nvPr>
         </p:nvSpPr>
-        <p:spPr>
-          <a:xfrm>
-            <a:off x="1561359" y="2925785"/>
-            <a:ext cx="9069280" cy="1006429"/>
-          </a:xfrm>
-        </p:spPr>
+        <p:spPr/>
         <p:txBody>
           <a:bodyPr/>
           <a:lstStyle/>
           <a:p>
             <a:r>
-              <a:rPr lang="en-US" altLang="ko-KR"/>
-              <a:t>GCC</a:t>
-            </a:r>
-            <a:endParaRPr lang="ko-KR" altLang="en-US" dirty="0"/>
+              <a:rPr lang="ko-KR" altLang="en-US" dirty="0" err="1"/>
+              <a:t>클린</a:t>
+            </a:r>
+            <a:r>
+              <a:rPr lang="ko-KR" altLang="en-US" dirty="0"/>
+              <a:t> 코드</a:t>
+            </a:r>
+            <a:r>
+              <a:rPr lang="en-US" altLang="ko-KR" dirty="0"/>
+              <a:t>(clean code)</a:t>
+            </a:r>
+            <a:r>
+              <a:rPr lang="ko-KR" altLang="en-US" dirty="0"/>
+              <a:t>의 필요성</a:t>
+            </a:r>
+          </a:p>
+        </p:txBody>
+      </p:sp>
+      <p:sp>
+        <p:nvSpPr>
+          <p:cNvPr id="4" name="텍스트 개체 틀 3">
+            <a:extLst>
+              <a:ext uri="{FF2B5EF4-FFF2-40B4-BE49-F238E27FC236}">
+                <a16:creationId xmlns:a16="http://schemas.microsoft.com/office/drawing/2014/main" id="{3B5DE16B-03AA-489E-B200-65DCA87F1659}"/>
+              </a:ext>
+            </a:extLst>
+          </p:cNvPr>
+          <p:cNvSpPr>
+            <a:spLocks noGrp="1"/>
+          </p:cNvSpPr>
+          <p:nvPr>
+            <p:ph type="body" sz="quarter" idx="10"/>
+          </p:nvPr>
+        </p:nvSpPr>
+        <p:spPr/>
+        <p:txBody>
+          <a:bodyPr/>
+          <a:lstStyle/>
+          <a:p>
+            <a:r>
+              <a:rPr lang="ko-KR" altLang="en-US" dirty="0"/>
+              <a:t>좋은 코드 작성법</a:t>
+            </a:r>
           </a:p>
         </p:txBody>
       </p:sp>
     </p:spTree>
     <p:extLst>
       <p:ext uri="{BB962C8B-B14F-4D97-AF65-F5344CB8AC3E}">
-        <p14:creationId xmlns:p14="http://schemas.microsoft.com/office/powerpoint/2010/main" val="3573900366"/>
+        <p14:creationId xmlns:p14="http://schemas.microsoft.com/office/powerpoint/2010/main" val="2193207742"/>
       </p:ext>
     </p:extLst>
   </p:cSld>
@@ -3896,7 +4057,13 @@
       </p:grpSpPr>
       <p:sp>
         <p:nvSpPr>
-          <p:cNvPr id="2" name="제목 1"/>
+          <p:cNvPr id="3" name="제목 2">
+            <a:extLst>
+              <a:ext uri="{FF2B5EF4-FFF2-40B4-BE49-F238E27FC236}">
+                <a16:creationId xmlns:a16="http://schemas.microsoft.com/office/drawing/2014/main" id="{06D037A6-A520-484C-BFA7-1D1C7C3BEF26}"/>
+              </a:ext>
+            </a:extLst>
+          </p:cNvPr>
           <p:cNvSpPr>
             <a:spLocks noGrp="1"/>
           </p:cNvSpPr>
@@ -3910,21 +4077,437 @@
           <a:lstStyle/>
           <a:p>
             <a:r>
+              <a:rPr lang="ko-KR" altLang="en-US" b="1" dirty="0"/>
+              <a:t>좋은 </a:t>
+            </a:r>
+            <a:r>
+              <a:rPr lang="ko-KR" altLang="en-US" b="1" dirty="0" err="1"/>
+              <a:t>코드란</a:t>
+            </a:r>
+            <a:r>
+              <a:rPr lang="ko-KR" altLang="en-US" b="1" dirty="0"/>
+              <a:t> 무엇인가</a:t>
+            </a:r>
+            <a:endParaRPr lang="ko-KR" altLang="en-US" dirty="0"/>
+          </a:p>
+        </p:txBody>
+      </p:sp>
+      <p:sp>
+        <p:nvSpPr>
+          <p:cNvPr id="4" name="텍스트 개체 틀 3">
+            <a:extLst>
+              <a:ext uri="{FF2B5EF4-FFF2-40B4-BE49-F238E27FC236}">
+                <a16:creationId xmlns:a16="http://schemas.microsoft.com/office/drawing/2014/main" id="{3B5DE16B-03AA-489E-B200-65DCA87F1659}"/>
+              </a:ext>
+            </a:extLst>
+          </p:cNvPr>
+          <p:cNvSpPr>
+            <a:spLocks noGrp="1"/>
+          </p:cNvSpPr>
+          <p:nvPr>
+            <p:ph type="body" sz="quarter" idx="10"/>
+          </p:nvPr>
+        </p:nvSpPr>
+        <p:spPr/>
+        <p:txBody>
+          <a:bodyPr/>
+          <a:lstStyle/>
+          <a:p>
+            <a:r>
               <a:rPr lang="ko-KR" altLang="en-US" dirty="0"/>
-              <a:t>수고하셨습니다</a:t>
-            </a:r>
-            <a:r>
-              <a:rPr lang="en-US" altLang="ko-KR" dirty="0"/>
-              <a:t>!</a:t>
-            </a:r>
-            <a:endParaRPr lang="ko-KR" altLang="en-US" dirty="0"/>
+              <a:t>좋은 코드 작성법</a:t>
+            </a:r>
           </a:p>
         </p:txBody>
       </p:sp>
     </p:spTree>
     <p:extLst>
       <p:ext uri="{BB962C8B-B14F-4D97-AF65-F5344CB8AC3E}">
-        <p14:creationId xmlns:p14="http://schemas.microsoft.com/office/powerpoint/2010/main" val="3464034812"/>
+        <p14:creationId xmlns:p14="http://schemas.microsoft.com/office/powerpoint/2010/main" val="2428806123"/>
+      </p:ext>
+    </p:extLst>
+  </p:cSld>
+  <p:clrMapOvr>
+    <a:masterClrMapping/>
+  </p:clrMapOvr>
+</p:sld>
+</file>
+
+<file path=ppt/slides/slide6.xml><?xml version="1.0" encoding="utf-8"?>
+<p:sld xmlns:a="http://schemas.openxmlformats.org/drawingml/2006/main" xmlns:r="http://schemas.openxmlformats.org/officeDocument/2006/relationships" xmlns:p="http://schemas.openxmlformats.org/presentationml/2006/main">
+  <p:cSld>
+    <p:spTree>
+      <p:nvGrpSpPr>
+        <p:cNvPr id="1" name=""/>
+        <p:cNvGrpSpPr/>
+        <p:nvPr/>
+      </p:nvGrpSpPr>
+      <p:grpSpPr>
+        <a:xfrm>
+          <a:off x="0" y="0"/>
+          <a:ext cx="0" cy="0"/>
+          <a:chOff x="0" y="0"/>
+          <a:chExt cx="0" cy="0"/>
+        </a:xfrm>
+      </p:grpSpPr>
+      <p:sp>
+        <p:nvSpPr>
+          <p:cNvPr id="3" name="제목 2">
+            <a:extLst>
+              <a:ext uri="{FF2B5EF4-FFF2-40B4-BE49-F238E27FC236}">
+                <a16:creationId xmlns:a16="http://schemas.microsoft.com/office/drawing/2014/main" id="{06D037A6-A520-484C-BFA7-1D1C7C3BEF26}"/>
+              </a:ext>
+            </a:extLst>
+          </p:cNvPr>
+          <p:cNvSpPr>
+            <a:spLocks noGrp="1"/>
+          </p:cNvSpPr>
+          <p:nvPr>
+            <p:ph type="title"/>
+          </p:nvPr>
+        </p:nvSpPr>
+        <p:spPr/>
+        <p:txBody>
+          <a:bodyPr/>
+          <a:lstStyle/>
+          <a:p>
+            <a:r>
+              <a:rPr lang="ko-KR" altLang="en-US" b="1" dirty="0" err="1"/>
+              <a:t>의미있는</a:t>
+            </a:r>
+            <a:r>
+              <a:rPr lang="ko-KR" altLang="en-US" b="1" dirty="0"/>
+              <a:t> 이름 </a:t>
+            </a:r>
+            <a:r>
+              <a:rPr lang="en-US" altLang="ko-KR" b="1" dirty="0"/>
+              <a:t>- </a:t>
+            </a:r>
+            <a:r>
+              <a:rPr lang="ko-KR" altLang="en-US" b="1" dirty="0"/>
+              <a:t>네이밍 방법</a:t>
+            </a:r>
+            <a:endParaRPr lang="ko-KR" altLang="en-US" dirty="0"/>
+          </a:p>
+        </p:txBody>
+      </p:sp>
+      <p:sp>
+        <p:nvSpPr>
+          <p:cNvPr id="4" name="텍스트 개체 틀 3">
+            <a:extLst>
+              <a:ext uri="{FF2B5EF4-FFF2-40B4-BE49-F238E27FC236}">
+                <a16:creationId xmlns:a16="http://schemas.microsoft.com/office/drawing/2014/main" id="{3B5DE16B-03AA-489E-B200-65DCA87F1659}"/>
+              </a:ext>
+            </a:extLst>
+          </p:cNvPr>
+          <p:cNvSpPr>
+            <a:spLocks noGrp="1"/>
+          </p:cNvSpPr>
+          <p:nvPr>
+            <p:ph type="body" sz="quarter" idx="10"/>
+          </p:nvPr>
+        </p:nvSpPr>
+        <p:spPr/>
+        <p:txBody>
+          <a:bodyPr/>
+          <a:lstStyle/>
+          <a:p>
+            <a:r>
+              <a:rPr lang="ko-KR" altLang="en-US" dirty="0"/>
+              <a:t>좋은 코드 작성법</a:t>
+            </a:r>
+          </a:p>
+        </p:txBody>
+      </p:sp>
+    </p:spTree>
+    <p:extLst>
+      <p:ext uri="{BB962C8B-B14F-4D97-AF65-F5344CB8AC3E}">
+        <p14:creationId xmlns:p14="http://schemas.microsoft.com/office/powerpoint/2010/main" val="1244625164"/>
+      </p:ext>
+    </p:extLst>
+  </p:cSld>
+  <p:clrMapOvr>
+    <a:masterClrMapping/>
+  </p:clrMapOvr>
+</p:sld>
+</file>
+
+<file path=ppt/slides/slide7.xml><?xml version="1.0" encoding="utf-8"?>
+<p:sld xmlns:a="http://schemas.openxmlformats.org/drawingml/2006/main" xmlns:r="http://schemas.openxmlformats.org/officeDocument/2006/relationships" xmlns:p="http://schemas.openxmlformats.org/presentationml/2006/main">
+  <p:cSld>
+    <p:spTree>
+      <p:nvGrpSpPr>
+        <p:cNvPr id="1" name=""/>
+        <p:cNvGrpSpPr/>
+        <p:nvPr/>
+      </p:nvGrpSpPr>
+      <p:grpSpPr>
+        <a:xfrm>
+          <a:off x="0" y="0"/>
+          <a:ext cx="0" cy="0"/>
+          <a:chOff x="0" y="0"/>
+          <a:chExt cx="0" cy="0"/>
+        </a:xfrm>
+      </p:grpSpPr>
+      <p:sp>
+        <p:nvSpPr>
+          <p:cNvPr id="3" name="제목 2">
+            <a:extLst>
+              <a:ext uri="{FF2B5EF4-FFF2-40B4-BE49-F238E27FC236}">
+                <a16:creationId xmlns:a16="http://schemas.microsoft.com/office/drawing/2014/main" id="{06D037A6-A520-484C-BFA7-1D1C7C3BEF26}"/>
+              </a:ext>
+            </a:extLst>
+          </p:cNvPr>
+          <p:cNvSpPr>
+            <a:spLocks noGrp="1"/>
+          </p:cNvSpPr>
+          <p:nvPr>
+            <p:ph type="title"/>
+          </p:nvPr>
+        </p:nvSpPr>
+        <p:spPr/>
+        <p:txBody>
+          <a:bodyPr/>
+          <a:lstStyle/>
+          <a:p>
+            <a:r>
+              <a:rPr lang="ko-KR" altLang="en-US" b="1" dirty="0" err="1"/>
+              <a:t>의미있는</a:t>
+            </a:r>
+            <a:r>
+              <a:rPr lang="ko-KR" altLang="en-US" b="1" dirty="0"/>
+              <a:t> 이름 </a:t>
+            </a:r>
+            <a:r>
+              <a:rPr lang="en-US" altLang="ko-KR" b="1" dirty="0"/>
+              <a:t>- </a:t>
+            </a:r>
+            <a:r>
+              <a:rPr lang="ko-KR" altLang="en-US" b="1" dirty="0"/>
+              <a:t>네이밍 방법</a:t>
+            </a:r>
+            <a:endParaRPr lang="ko-KR" altLang="en-US" dirty="0"/>
+          </a:p>
+        </p:txBody>
+      </p:sp>
+      <p:sp>
+        <p:nvSpPr>
+          <p:cNvPr id="4" name="텍스트 개체 틀 3">
+            <a:extLst>
+              <a:ext uri="{FF2B5EF4-FFF2-40B4-BE49-F238E27FC236}">
+                <a16:creationId xmlns:a16="http://schemas.microsoft.com/office/drawing/2014/main" id="{3B5DE16B-03AA-489E-B200-65DCA87F1659}"/>
+              </a:ext>
+            </a:extLst>
+          </p:cNvPr>
+          <p:cNvSpPr>
+            <a:spLocks noGrp="1"/>
+          </p:cNvSpPr>
+          <p:nvPr>
+            <p:ph type="body" sz="quarter" idx="10"/>
+          </p:nvPr>
+        </p:nvSpPr>
+        <p:spPr/>
+        <p:txBody>
+          <a:bodyPr/>
+          <a:lstStyle/>
+          <a:p>
+            <a:r>
+              <a:rPr lang="ko-KR" altLang="en-US" dirty="0"/>
+              <a:t>좋은 코드 작성법</a:t>
+            </a:r>
+          </a:p>
+        </p:txBody>
+      </p:sp>
+    </p:spTree>
+    <p:extLst>
+      <p:ext uri="{BB962C8B-B14F-4D97-AF65-F5344CB8AC3E}">
+        <p14:creationId xmlns:p14="http://schemas.microsoft.com/office/powerpoint/2010/main" val="1710417045"/>
+      </p:ext>
+    </p:extLst>
+  </p:cSld>
+  <p:clrMapOvr>
+    <a:masterClrMapping/>
+  </p:clrMapOvr>
+</p:sld>
+</file>
+
+<file path=ppt/slides/slide8.xml><?xml version="1.0" encoding="utf-8"?>
+<p:sld xmlns:a="http://schemas.openxmlformats.org/drawingml/2006/main" xmlns:r="http://schemas.openxmlformats.org/officeDocument/2006/relationships" xmlns:p="http://schemas.openxmlformats.org/presentationml/2006/main">
+  <p:cSld>
+    <p:spTree>
+      <p:nvGrpSpPr>
+        <p:cNvPr id="1" name=""/>
+        <p:cNvGrpSpPr/>
+        <p:nvPr/>
+      </p:nvGrpSpPr>
+      <p:grpSpPr>
+        <a:xfrm>
+          <a:off x="0" y="0"/>
+          <a:ext cx="0" cy="0"/>
+          <a:chOff x="0" y="0"/>
+          <a:chExt cx="0" cy="0"/>
+        </a:xfrm>
+      </p:grpSpPr>
+      <p:sp>
+        <p:nvSpPr>
+          <p:cNvPr id="3" name="제목 2">
+            <a:extLst>
+              <a:ext uri="{FF2B5EF4-FFF2-40B4-BE49-F238E27FC236}">
+                <a16:creationId xmlns:a16="http://schemas.microsoft.com/office/drawing/2014/main" id="{06D037A6-A520-484C-BFA7-1D1C7C3BEF26}"/>
+              </a:ext>
+            </a:extLst>
+          </p:cNvPr>
+          <p:cNvSpPr>
+            <a:spLocks noGrp="1"/>
+          </p:cNvSpPr>
+          <p:nvPr>
+            <p:ph type="title"/>
+          </p:nvPr>
+        </p:nvSpPr>
+        <p:spPr/>
+        <p:txBody>
+          <a:bodyPr/>
+          <a:lstStyle/>
+          <a:p>
+            <a:r>
+              <a:rPr lang="ko-KR" altLang="en-US" b="1" dirty="0" err="1"/>
+              <a:t>의미있는</a:t>
+            </a:r>
+            <a:r>
+              <a:rPr lang="ko-KR" altLang="en-US" b="1" dirty="0"/>
+              <a:t> 이름 </a:t>
+            </a:r>
+            <a:r>
+              <a:rPr lang="en-US" altLang="ko-KR" b="1" dirty="0"/>
+              <a:t>- </a:t>
+            </a:r>
+            <a:r>
+              <a:rPr lang="ko-KR" altLang="en-US" b="1" dirty="0"/>
+              <a:t>네이밍 방법</a:t>
+            </a:r>
+            <a:endParaRPr lang="ko-KR" altLang="en-US" dirty="0"/>
+          </a:p>
+        </p:txBody>
+      </p:sp>
+      <p:sp>
+        <p:nvSpPr>
+          <p:cNvPr id="4" name="텍스트 개체 틀 3">
+            <a:extLst>
+              <a:ext uri="{FF2B5EF4-FFF2-40B4-BE49-F238E27FC236}">
+                <a16:creationId xmlns:a16="http://schemas.microsoft.com/office/drawing/2014/main" id="{3B5DE16B-03AA-489E-B200-65DCA87F1659}"/>
+              </a:ext>
+            </a:extLst>
+          </p:cNvPr>
+          <p:cNvSpPr>
+            <a:spLocks noGrp="1"/>
+          </p:cNvSpPr>
+          <p:nvPr>
+            <p:ph type="body" sz="quarter" idx="10"/>
+          </p:nvPr>
+        </p:nvSpPr>
+        <p:spPr/>
+        <p:txBody>
+          <a:bodyPr/>
+          <a:lstStyle/>
+          <a:p>
+            <a:r>
+              <a:rPr lang="ko-KR" altLang="en-US" dirty="0"/>
+              <a:t>좋은 코드 작성법</a:t>
+            </a:r>
+          </a:p>
+        </p:txBody>
+      </p:sp>
+    </p:spTree>
+    <p:extLst>
+      <p:ext uri="{BB962C8B-B14F-4D97-AF65-F5344CB8AC3E}">
+        <p14:creationId xmlns:p14="http://schemas.microsoft.com/office/powerpoint/2010/main" val="1176795150"/>
+      </p:ext>
+    </p:extLst>
+  </p:cSld>
+  <p:clrMapOvr>
+    <a:masterClrMapping/>
+  </p:clrMapOvr>
+</p:sld>
+</file>
+
+<file path=ppt/slides/slide9.xml><?xml version="1.0" encoding="utf-8"?>
+<p:sld xmlns:a="http://schemas.openxmlformats.org/drawingml/2006/main" xmlns:r="http://schemas.openxmlformats.org/officeDocument/2006/relationships" xmlns:p="http://schemas.openxmlformats.org/presentationml/2006/main">
+  <p:cSld>
+    <p:spTree>
+      <p:nvGrpSpPr>
+        <p:cNvPr id="1" name=""/>
+        <p:cNvGrpSpPr/>
+        <p:nvPr/>
+      </p:nvGrpSpPr>
+      <p:grpSpPr>
+        <a:xfrm>
+          <a:off x="0" y="0"/>
+          <a:ext cx="0" cy="0"/>
+          <a:chOff x="0" y="0"/>
+          <a:chExt cx="0" cy="0"/>
+        </a:xfrm>
+      </p:grpSpPr>
+      <p:sp>
+        <p:nvSpPr>
+          <p:cNvPr id="3" name="제목 2">
+            <a:extLst>
+              <a:ext uri="{FF2B5EF4-FFF2-40B4-BE49-F238E27FC236}">
+                <a16:creationId xmlns:a16="http://schemas.microsoft.com/office/drawing/2014/main" id="{06D037A6-A520-484C-BFA7-1D1C7C3BEF26}"/>
+              </a:ext>
+            </a:extLst>
+          </p:cNvPr>
+          <p:cNvSpPr>
+            <a:spLocks noGrp="1"/>
+          </p:cNvSpPr>
+          <p:nvPr>
+            <p:ph type="title"/>
+          </p:nvPr>
+        </p:nvSpPr>
+        <p:spPr/>
+        <p:txBody>
+          <a:bodyPr/>
+          <a:lstStyle/>
+          <a:p>
+            <a:r>
+              <a:rPr lang="ko-KR" altLang="en-US" b="1"/>
+              <a:t>함수 작성법</a:t>
+            </a:r>
+            <a:endParaRPr lang="ko-KR" altLang="en-US" dirty="0"/>
+          </a:p>
+        </p:txBody>
+      </p:sp>
+      <p:sp>
+        <p:nvSpPr>
+          <p:cNvPr id="4" name="텍스트 개체 틀 3">
+            <a:extLst>
+              <a:ext uri="{FF2B5EF4-FFF2-40B4-BE49-F238E27FC236}">
+                <a16:creationId xmlns:a16="http://schemas.microsoft.com/office/drawing/2014/main" id="{3B5DE16B-03AA-489E-B200-65DCA87F1659}"/>
+              </a:ext>
+            </a:extLst>
+          </p:cNvPr>
+          <p:cNvSpPr>
+            <a:spLocks noGrp="1"/>
+          </p:cNvSpPr>
+          <p:nvPr>
+            <p:ph type="body" sz="quarter" idx="10"/>
+          </p:nvPr>
+        </p:nvSpPr>
+        <p:spPr/>
+        <p:txBody>
+          <a:bodyPr/>
+          <a:lstStyle/>
+          <a:p>
+            <a:r>
+              <a:rPr lang="ko-KR" altLang="en-US" dirty="0"/>
+              <a:t>좋은 코드 작성법</a:t>
+            </a:r>
+          </a:p>
+        </p:txBody>
+      </p:sp>
+    </p:spTree>
+    <p:extLst>
+      <p:ext uri="{BB962C8B-B14F-4D97-AF65-F5344CB8AC3E}">
+        <p14:creationId xmlns:p14="http://schemas.microsoft.com/office/powerpoint/2010/main" val="846696371"/>
       </p:ext>
     </p:extLst>
   </p:cSld>

--- a/ppt/8강.pptx
+++ b/ppt/8강.pptx
@@ -5,7 +5,7 @@
     <p:sldMasterId id="2147483648" r:id="rId1"/>
   </p:sldMasterIdLst>
   <p:notesMasterIdLst>
-    <p:notesMasterId r:id="rId13"/>
+    <p:notesMasterId r:id="rId14"/>
   </p:notesMasterIdLst>
   <p:sldIdLst>
     <p:sldId id="261" r:id="rId2"/>
@@ -13,12 +13,13 @@
     <p:sldId id="366" r:id="rId4"/>
     <p:sldId id="368" r:id="rId5"/>
     <p:sldId id="369" r:id="rId6"/>
-    <p:sldId id="370" r:id="rId7"/>
-    <p:sldId id="375" r:id="rId8"/>
-    <p:sldId id="376" r:id="rId9"/>
-    <p:sldId id="377" r:id="rId10"/>
-    <p:sldId id="367" r:id="rId11"/>
-    <p:sldId id="268" r:id="rId12"/>
+    <p:sldId id="378" r:id="rId7"/>
+    <p:sldId id="370" r:id="rId8"/>
+    <p:sldId id="375" r:id="rId9"/>
+    <p:sldId id="376" r:id="rId10"/>
+    <p:sldId id="377" r:id="rId11"/>
+    <p:sldId id="367" r:id="rId12"/>
+    <p:sldId id="268" r:id="rId13"/>
   </p:sldIdLst>
   <p:sldSz cx="12192000" cy="6858000"/>
   <p:notesSz cx="6858000" cy="9144000"/>
@@ -3354,6 +3355,168 @@
       </p:grpSpPr>
       <p:sp>
         <p:nvSpPr>
+          <p:cNvPr id="3" name="제목 2">
+            <a:extLst>
+              <a:ext uri="{FF2B5EF4-FFF2-40B4-BE49-F238E27FC236}">
+                <a16:creationId xmlns:a16="http://schemas.microsoft.com/office/drawing/2014/main" id="{06D037A6-A520-484C-BFA7-1D1C7C3BEF26}"/>
+              </a:ext>
+            </a:extLst>
+          </p:cNvPr>
+          <p:cNvSpPr>
+            <a:spLocks noGrp="1"/>
+          </p:cNvSpPr>
+          <p:nvPr>
+            <p:ph type="title"/>
+          </p:nvPr>
+        </p:nvSpPr>
+        <p:spPr/>
+        <p:txBody>
+          <a:bodyPr/>
+          <a:lstStyle/>
+          <a:p>
+            <a:r>
+              <a:rPr lang="ko-KR" altLang="en-US" b="1" dirty="0"/>
+              <a:t>함수 작성법</a:t>
+            </a:r>
+            <a:endParaRPr lang="ko-KR" altLang="en-US" dirty="0"/>
+          </a:p>
+        </p:txBody>
+      </p:sp>
+      <p:sp>
+        <p:nvSpPr>
+          <p:cNvPr id="4" name="텍스트 개체 틀 3">
+            <a:extLst>
+              <a:ext uri="{FF2B5EF4-FFF2-40B4-BE49-F238E27FC236}">
+                <a16:creationId xmlns:a16="http://schemas.microsoft.com/office/drawing/2014/main" id="{3B5DE16B-03AA-489E-B200-65DCA87F1659}"/>
+              </a:ext>
+            </a:extLst>
+          </p:cNvPr>
+          <p:cNvSpPr>
+            <a:spLocks noGrp="1"/>
+          </p:cNvSpPr>
+          <p:nvPr>
+            <p:ph type="body" sz="quarter" idx="10"/>
+          </p:nvPr>
+        </p:nvSpPr>
+        <p:spPr/>
+        <p:txBody>
+          <a:bodyPr/>
+          <a:lstStyle/>
+          <a:p>
+            <a:r>
+              <a:rPr lang="ko-KR" altLang="en-US" dirty="0"/>
+              <a:t>좋은 코드 작성법</a:t>
+            </a:r>
+          </a:p>
+        </p:txBody>
+      </p:sp>
+      <p:sp>
+        <p:nvSpPr>
+          <p:cNvPr id="2" name="TextBox 1">
+            <a:extLst>
+              <a:ext uri="{FF2B5EF4-FFF2-40B4-BE49-F238E27FC236}">
+                <a16:creationId xmlns:a16="http://schemas.microsoft.com/office/drawing/2014/main" id="{B6716334-7B57-446D-8236-76732731527C}"/>
+              </a:ext>
+            </a:extLst>
+          </p:cNvPr>
+          <p:cNvSpPr txBox="1"/>
+          <p:nvPr/>
+        </p:nvSpPr>
+        <p:spPr>
+          <a:xfrm>
+            <a:off x="4051006" y="1659458"/>
+            <a:ext cx="4089988" cy="2773516"/>
+          </a:xfrm>
+          <a:prstGeom prst="rect">
+            <a:avLst/>
+          </a:prstGeom>
+          <a:noFill/>
+        </p:spPr>
+        <p:txBody>
+          <a:bodyPr vert="horz" wrap="square" lIns="91440" tIns="45720" rIns="91440" bIns="45720" rtlCol="0" anchor="ctr">
+            <a:spAutoFit/>
+          </a:bodyPr>
+          <a:lstStyle/>
+          <a:p>
+            <a:pPr marL="342900" indent="-342900">
+              <a:lnSpc>
+                <a:spcPct val="150000"/>
+              </a:lnSpc>
+              <a:buFont typeface="+mj-lt"/>
+              <a:buAutoNum type="arabicPeriod"/>
+            </a:pPr>
+            <a:r>
+              <a:rPr lang="ko-KR" altLang="en-US" sz="4000" dirty="0"/>
+              <a:t>작게 만들어라</a:t>
+            </a:r>
+            <a:endParaRPr lang="en-US" altLang="ko-KR" sz="4000" dirty="0"/>
+          </a:p>
+          <a:p>
+            <a:pPr marL="342900" indent="-342900">
+              <a:lnSpc>
+                <a:spcPct val="150000"/>
+              </a:lnSpc>
+              <a:buFont typeface="+mj-lt"/>
+              <a:buAutoNum type="arabicPeriod"/>
+            </a:pPr>
+            <a:r>
+              <a:rPr lang="ko-KR" altLang="en-US" sz="4000" dirty="0"/>
+              <a:t>한가지만 해라</a:t>
+            </a:r>
+            <a:endParaRPr lang="en-US" altLang="ko-KR" sz="4000" dirty="0"/>
+          </a:p>
+          <a:p>
+            <a:pPr marL="342900" indent="-342900">
+              <a:lnSpc>
+                <a:spcPct val="150000"/>
+              </a:lnSpc>
+              <a:buFont typeface="+mj-lt"/>
+              <a:buAutoNum type="arabicPeriod"/>
+            </a:pPr>
+            <a:r>
+              <a:rPr lang="ko-KR" altLang="en-US" sz="4000" dirty="0"/>
+              <a:t>인수를 </a:t>
+            </a:r>
+            <a:r>
+              <a:rPr lang="ko-KR" altLang="en-US" sz="4000" dirty="0" err="1"/>
+              <a:t>적게하라</a:t>
+            </a:r>
+            <a:endParaRPr lang="en-US" altLang="ko-KR" sz="4000" dirty="0"/>
+          </a:p>
+        </p:txBody>
+      </p:sp>
+    </p:spTree>
+    <p:extLst>
+      <p:ext uri="{BB962C8B-B14F-4D97-AF65-F5344CB8AC3E}">
+        <p14:creationId xmlns:p14="http://schemas.microsoft.com/office/powerpoint/2010/main" val="846696371"/>
+      </p:ext>
+    </p:extLst>
+  </p:cSld>
+  <p:clrMapOvr>
+    <a:masterClrMapping/>
+  </p:clrMapOvr>
+</p:sld>
+</file>
+
+<file path=ppt/slides/slide11.xml><?xml version="1.0" encoding="utf-8"?>
+<p:sld xmlns:a="http://schemas.openxmlformats.org/drawingml/2006/main" xmlns:r="http://schemas.openxmlformats.org/officeDocument/2006/relationships" xmlns:p="http://schemas.openxmlformats.org/presentationml/2006/main">
+  <p:cSld>
+    <p:spTree>
+      <p:nvGrpSpPr>
+        <p:cNvPr id="1" name=""/>
+        <p:cNvGrpSpPr/>
+        <p:nvPr/>
+      </p:nvGrpSpPr>
+      <p:grpSpPr>
+        <a:xfrm>
+          <a:off x="0" y="0"/>
+          <a:ext cx="0" cy="0"/>
+          <a:chOff x="0" y="0"/>
+          <a:chExt cx="0" cy="0"/>
+        </a:xfrm>
+      </p:grpSpPr>
+      <p:sp>
+        <p:nvSpPr>
           <p:cNvPr id="4" name="제목 3"/>
           <p:cNvSpPr>
             <a:spLocks noGrp="1"/>
@@ -3393,7 +3556,7 @@
 </p:sld>
 </file>
 
-<file path=ppt/slides/slide11.xml><?xml version="1.0" encoding="utf-8"?>
+<file path=ppt/slides/slide12.xml><?xml version="1.0" encoding="utf-8"?>
 <p:sld xmlns:a="http://schemas.openxmlformats.org/drawingml/2006/main" xmlns:r="http://schemas.openxmlformats.org/officeDocument/2006/relationships" xmlns:p="http://schemas.openxmlformats.org/presentationml/2006/main">
   <p:cSld>
     <p:spTree>
@@ -4025,6 +4188,53 @@
           </a:p>
         </p:txBody>
       </p:sp>
+      <p:pic>
+        <p:nvPicPr>
+          <p:cNvPr id="1026" name="Picture 2" descr="http://www.gokorea.kr/news/photo/201608/5512_5057_1011.jpg">
+            <a:extLst>
+              <a:ext uri="{FF2B5EF4-FFF2-40B4-BE49-F238E27FC236}">
+                <a16:creationId xmlns:a16="http://schemas.microsoft.com/office/drawing/2014/main" id="{C5D0A3B7-A0D1-4065-A804-09BD41F312C9}"/>
+              </a:ext>
+            </a:extLst>
+          </p:cNvPr>
+          <p:cNvPicPr>
+            <a:picLocks noChangeAspect="1" noChangeArrowheads="1"/>
+          </p:cNvPicPr>
+          <p:nvPr/>
+        </p:nvPicPr>
+        <p:blipFill>
+          <a:blip r:embed="rId2">
+            <a:extLst>
+              <a:ext uri="{28A0092B-C50C-407E-A947-70E740481C1C}">
+                <a14:useLocalDpi xmlns:a14="http://schemas.microsoft.com/office/drawing/2010/main" val="0"/>
+              </a:ext>
+            </a:extLst>
+          </a:blip>
+          <a:srcRect/>
+          <a:stretch>
+            <a:fillRect/>
+          </a:stretch>
+        </p:blipFill>
+        <p:spPr bwMode="auto">
+          <a:xfrm>
+            <a:off x="2470828" y="742107"/>
+            <a:ext cx="7250344" cy="5373785"/>
+          </a:xfrm>
+          <a:prstGeom prst="rect">
+            <a:avLst/>
+          </a:prstGeom>
+          <a:noFill/>
+          <a:extLst>
+            <a:ext uri="{909E8E84-426E-40DD-AFC4-6F175D3DCCD1}">
+              <a14:hiddenFill xmlns:a14="http://schemas.microsoft.com/office/drawing/2010/main">
+                <a:solidFill>
+                  <a:srgbClr val="FFFFFF"/>
+                </a:solidFill>
+              </a14:hiddenFill>
+            </a:ext>
+          </a:extLst>
+        </p:spPr>
+      </p:pic>
     </p:spTree>
     <p:extLst>
       <p:ext uri="{BB962C8B-B14F-4D97-AF65-F5344CB8AC3E}">
@@ -4077,18 +4287,21 @@
           <a:lstStyle/>
           <a:p>
             <a:r>
-              <a:rPr lang="ko-KR" altLang="en-US" b="1" dirty="0"/>
-              <a:t>좋은 </a:t>
-            </a:r>
-            <a:r>
-              <a:rPr lang="ko-KR" altLang="en-US" b="1" dirty="0" err="1"/>
-              <a:t>코드란</a:t>
-            </a:r>
-            <a:r>
-              <a:rPr lang="ko-KR" altLang="en-US" b="1" dirty="0"/>
-              <a:t> 무엇인가</a:t>
-            </a:r>
-            <a:endParaRPr lang="ko-KR" altLang="en-US" dirty="0"/>
+              <a:rPr lang="ko-KR" altLang="en-US" dirty="0" err="1"/>
+              <a:t>클린</a:t>
+            </a:r>
+            <a:r>
+              <a:rPr lang="ko-KR" altLang="en-US" dirty="0"/>
+              <a:t> 코드</a:t>
+            </a:r>
+            <a:r>
+              <a:rPr lang="en-US" altLang="ko-KR" dirty="0"/>
+              <a:t>(clean code)</a:t>
+            </a:r>
+            <a:r>
+              <a:rPr lang="ko-KR" altLang="en-US" dirty="0"/>
+              <a:t>의 필요성</a:t>
+            </a:r>
           </a:p>
         </p:txBody>
       </p:sp>
@@ -4116,6 +4329,99 @@
             <a:r>
               <a:rPr lang="ko-KR" altLang="en-US" dirty="0"/>
               <a:t>좋은 코드 작성법</a:t>
+            </a:r>
+          </a:p>
+        </p:txBody>
+      </p:sp>
+      <p:sp>
+        <p:nvSpPr>
+          <p:cNvPr id="2" name="TextBox 1">
+            <a:extLst>
+              <a:ext uri="{FF2B5EF4-FFF2-40B4-BE49-F238E27FC236}">
+                <a16:creationId xmlns:a16="http://schemas.microsoft.com/office/drawing/2014/main" id="{1A674750-6289-41BD-ADB7-1936A5EA662B}"/>
+              </a:ext>
+            </a:extLst>
+          </p:cNvPr>
+          <p:cNvSpPr txBox="1"/>
+          <p:nvPr/>
+        </p:nvSpPr>
+        <p:spPr>
+          <a:xfrm>
+            <a:off x="3790542" y="1706003"/>
+            <a:ext cx="4610915" cy="769441"/>
+          </a:xfrm>
+          <a:prstGeom prst="rect">
+            <a:avLst/>
+          </a:prstGeom>
+          <a:noFill/>
+        </p:spPr>
+        <p:txBody>
+          <a:bodyPr vert="horz" wrap="square" lIns="91440" tIns="45720" rIns="91440" bIns="45720" rtlCol="0" anchor="ctr">
+            <a:spAutoFit/>
+          </a:bodyPr>
+          <a:lstStyle/>
+          <a:p>
+            <a:pPr algn="ctr"/>
+            <a:r>
+              <a:rPr lang="ko-KR" altLang="en-US" sz="4400" dirty="0">
+                <a:latin typeface="+mj-lt"/>
+              </a:rPr>
+              <a:t>보이 스카우트 규칙</a:t>
+            </a:r>
+          </a:p>
+        </p:txBody>
+      </p:sp>
+      <p:sp>
+        <p:nvSpPr>
+          <p:cNvPr id="5" name="TextBox 4">
+            <a:extLst>
+              <a:ext uri="{FF2B5EF4-FFF2-40B4-BE49-F238E27FC236}">
+                <a16:creationId xmlns:a16="http://schemas.microsoft.com/office/drawing/2014/main" id="{B02C9649-22BE-4CAE-8B86-DE788C8D2814}"/>
+              </a:ext>
+            </a:extLst>
+          </p:cNvPr>
+          <p:cNvSpPr txBox="1"/>
+          <p:nvPr/>
+        </p:nvSpPr>
+        <p:spPr>
+          <a:xfrm>
+            <a:off x="1452965" y="2767568"/>
+            <a:ext cx="9286068" cy="1322863"/>
+          </a:xfrm>
+          <a:prstGeom prst="rect">
+            <a:avLst/>
+          </a:prstGeom>
+          <a:noFill/>
+        </p:spPr>
+        <p:txBody>
+          <a:bodyPr vert="horz" wrap="none" lIns="91440" tIns="45720" rIns="91440" bIns="45720" rtlCol="0" anchor="ctr">
+            <a:spAutoFit/>
+          </a:bodyPr>
+          <a:lstStyle/>
+          <a:p>
+            <a:pPr algn="ctr">
+              <a:lnSpc>
+                <a:spcPct val="150000"/>
+              </a:lnSpc>
+            </a:pPr>
+            <a:r>
+              <a:rPr lang="en-US" altLang="ko-KR" sz="2800" dirty="0"/>
+              <a:t>Always leave the campground cleaner than you found it.</a:t>
+            </a:r>
+          </a:p>
+          <a:p>
+            <a:pPr algn="ctr">
+              <a:lnSpc>
+                <a:spcPct val="150000"/>
+              </a:lnSpc>
+            </a:pPr>
+            <a:r>
+              <a:rPr lang="ko-KR" altLang="en-US" sz="2800" dirty="0"/>
+              <a:t>언제나 처음 왔을 때보다 깨끗하게 해놓고 캠프장을 떠날 것</a:t>
+            </a:r>
+            <a:r>
+              <a:rPr lang="en-US" altLang="ko-KR" sz="2800" dirty="0"/>
+              <a:t>.</a:t>
             </a:r>
           </a:p>
         </p:txBody>
@@ -4172,20 +4478,16 @@
           <a:lstStyle/>
           <a:p>
             <a:r>
+              <a:rPr lang="ko-KR" altLang="en-US" b="1" dirty="0"/>
+              <a:t>좋은 </a:t>
+            </a:r>
+            <a:r>
               <a:rPr lang="ko-KR" altLang="en-US" b="1" dirty="0" err="1"/>
-              <a:t>의미있는</a:t>
+              <a:t>코드란</a:t>
             </a:r>
             <a:r>
               <a:rPr lang="ko-KR" altLang="en-US" b="1" dirty="0"/>
-              <a:t> 이름 </a:t>
-            </a:r>
-            <a:r>
-              <a:rPr lang="en-US" altLang="ko-KR" b="1" dirty="0"/>
-              <a:t>- </a:t>
-            </a:r>
-            <a:r>
-              <a:rPr lang="ko-KR" altLang="en-US" b="1" dirty="0"/>
-              <a:t>네이밍 방법</a:t>
+              <a:t> 무엇인가</a:t>
             </a:r>
             <a:endParaRPr lang="ko-KR" altLang="en-US" dirty="0"/>
           </a:p>
@@ -4219,10 +4521,87 @@
           </a:p>
         </p:txBody>
       </p:sp>
+      <p:sp>
+        <p:nvSpPr>
+          <p:cNvPr id="6" name="TextBox 5">
+            <a:extLst>
+              <a:ext uri="{FF2B5EF4-FFF2-40B4-BE49-F238E27FC236}">
+                <a16:creationId xmlns:a16="http://schemas.microsoft.com/office/drawing/2014/main" id="{BACB1C0D-ACB4-49FB-98B0-FA9E862CA5C4}"/>
+              </a:ext>
+            </a:extLst>
+          </p:cNvPr>
+          <p:cNvSpPr txBox="1"/>
+          <p:nvPr/>
+        </p:nvSpPr>
+        <p:spPr>
+          <a:xfrm>
+            <a:off x="2508720" y="1837830"/>
+            <a:ext cx="8241359" cy="2062103"/>
+          </a:xfrm>
+          <a:prstGeom prst="rect">
+            <a:avLst/>
+          </a:prstGeom>
+          <a:noFill/>
+        </p:spPr>
+        <p:txBody>
+          <a:bodyPr vert="horz" wrap="none" lIns="91440" tIns="45720" rIns="91440" bIns="45720" rtlCol="0" anchor="ctr">
+            <a:spAutoFit/>
+          </a:bodyPr>
+          <a:lstStyle/>
+          <a:p>
+            <a:pPr marL="342900" indent="-342900">
+              <a:buFont typeface="Arial" panose="020B0604020202020204" pitchFamily="34" charset="0"/>
+              <a:buChar char="•"/>
+            </a:pPr>
+            <a:r>
+              <a:rPr lang="ko-KR" altLang="en-US" sz="3200" dirty="0"/>
+              <a:t>논리적이며 헷갈리지 않고 잘 읽히는 코드 </a:t>
+            </a:r>
+          </a:p>
+          <a:p>
+            <a:pPr marL="342900" indent="-342900">
+              <a:buFont typeface="Arial" panose="020B0604020202020204" pitchFamily="34" charset="0"/>
+              <a:buChar char="•"/>
+            </a:pPr>
+            <a:r>
+              <a:rPr lang="ko-KR" altLang="en-US" sz="3200" dirty="0"/>
+              <a:t>단순하며 한번에 한가지의 작업에만 집중한다</a:t>
+            </a:r>
+            <a:r>
+              <a:rPr lang="en-US" altLang="ko-KR" sz="3200" dirty="0"/>
+              <a:t>. </a:t>
+            </a:r>
+          </a:p>
+          <a:p>
+            <a:pPr marL="342900" indent="-342900">
+              <a:buFont typeface="Arial" panose="020B0604020202020204" pitchFamily="34" charset="0"/>
+              <a:buChar char="•"/>
+            </a:pPr>
+            <a:r>
+              <a:rPr lang="ko-KR" altLang="en-US" sz="3200" dirty="0"/>
+              <a:t>중복이 적다</a:t>
+            </a:r>
+            <a:r>
+              <a:rPr lang="en-US" altLang="ko-KR" sz="3200" dirty="0"/>
+              <a:t>.</a:t>
+            </a:r>
+          </a:p>
+          <a:p>
+            <a:pPr marL="342900" indent="-342900">
+              <a:buFont typeface="Arial" panose="020B0604020202020204" pitchFamily="34" charset="0"/>
+              <a:buChar char="•"/>
+            </a:pPr>
+            <a:r>
+              <a:rPr lang="en-US" altLang="ko-KR" sz="3200" dirty="0"/>
+              <a:t>...</a:t>
+            </a:r>
+          </a:p>
+        </p:txBody>
+      </p:sp>
     </p:spTree>
     <p:extLst>
       <p:ext uri="{BB962C8B-B14F-4D97-AF65-F5344CB8AC3E}">
-        <p14:creationId xmlns:p14="http://schemas.microsoft.com/office/powerpoint/2010/main" val="1244625164"/>
+        <p14:creationId xmlns:p14="http://schemas.microsoft.com/office/powerpoint/2010/main" val="862448276"/>
       </p:ext>
     </p:extLst>
   </p:cSld>
@@ -4321,7 +4700,7 @@
     </p:spTree>
     <p:extLst>
       <p:ext uri="{BB962C8B-B14F-4D97-AF65-F5344CB8AC3E}">
-        <p14:creationId xmlns:p14="http://schemas.microsoft.com/office/powerpoint/2010/main" val="1710417045"/>
+        <p14:creationId xmlns:p14="http://schemas.microsoft.com/office/powerpoint/2010/main" val="1244625164"/>
       </p:ext>
     </p:extLst>
   </p:cSld>
@@ -4420,7 +4799,7 @@
     </p:spTree>
     <p:extLst>
       <p:ext uri="{BB962C8B-B14F-4D97-AF65-F5344CB8AC3E}">
-        <p14:creationId xmlns:p14="http://schemas.microsoft.com/office/powerpoint/2010/main" val="1176795150"/>
+        <p14:creationId xmlns:p14="http://schemas.microsoft.com/office/powerpoint/2010/main" val="1710417045"/>
       </p:ext>
     </p:extLst>
   </p:cSld>
@@ -4469,8 +4848,20 @@
           <a:lstStyle/>
           <a:p>
             <a:r>
-              <a:rPr lang="ko-KR" altLang="en-US" b="1"/>
-              <a:t>함수 작성법</a:t>
+              <a:rPr lang="ko-KR" altLang="en-US" b="1" dirty="0" err="1"/>
+              <a:t>의미있는</a:t>
+            </a:r>
+            <a:r>
+              <a:rPr lang="ko-KR" altLang="en-US" b="1" dirty="0"/>
+              <a:t> 이름 </a:t>
+            </a:r>
+            <a:r>
+              <a:rPr lang="en-US" altLang="ko-KR" b="1" dirty="0"/>
+              <a:t>- </a:t>
+            </a:r>
+            <a:r>
+              <a:rPr lang="ko-KR" altLang="en-US" b="1" dirty="0"/>
+              <a:t>네이밍 방법</a:t>
             </a:r>
             <a:endParaRPr lang="ko-KR" altLang="en-US" dirty="0"/>
           </a:p>
@@ -4507,7 +4898,7 @@
     </p:spTree>
     <p:extLst>
       <p:ext uri="{BB962C8B-B14F-4D97-AF65-F5344CB8AC3E}">
-        <p14:creationId xmlns:p14="http://schemas.microsoft.com/office/powerpoint/2010/main" val="846696371"/>
+        <p14:creationId xmlns:p14="http://schemas.microsoft.com/office/powerpoint/2010/main" val="1176795150"/>
       </p:ext>
     </p:extLst>
   </p:cSld>

--- a/ppt/8강.pptx
+++ b/ppt/8강.pptx
@@ -11,9 +11,9 @@
     <p:sldId id="261" r:id="rId2"/>
     <p:sldId id="262" r:id="rId3"/>
     <p:sldId id="366" r:id="rId4"/>
-    <p:sldId id="368" r:id="rId5"/>
-    <p:sldId id="369" r:id="rId6"/>
-    <p:sldId id="378" r:id="rId7"/>
+    <p:sldId id="378" r:id="rId5"/>
+    <p:sldId id="368" r:id="rId6"/>
+    <p:sldId id="369" r:id="rId7"/>
     <p:sldId id="370" r:id="rId8"/>
     <p:sldId id="375" r:id="rId9"/>
     <p:sldId id="376" r:id="rId10"/>
@@ -4188,6 +4188,186 @@
           </a:p>
         </p:txBody>
       </p:sp>
+      <p:sp>
+        <p:nvSpPr>
+          <p:cNvPr id="6" name="TextBox 5">
+            <a:extLst>
+              <a:ext uri="{FF2B5EF4-FFF2-40B4-BE49-F238E27FC236}">
+                <a16:creationId xmlns:a16="http://schemas.microsoft.com/office/drawing/2014/main" id="{BACB1C0D-ACB4-49FB-98B0-FA9E862CA5C4}"/>
+              </a:ext>
+            </a:extLst>
+          </p:cNvPr>
+          <p:cNvSpPr txBox="1"/>
+          <p:nvPr/>
+        </p:nvSpPr>
+        <p:spPr>
+          <a:xfrm>
+            <a:off x="2508720" y="1837830"/>
+            <a:ext cx="8241359" cy="2062103"/>
+          </a:xfrm>
+          <a:prstGeom prst="rect">
+            <a:avLst/>
+          </a:prstGeom>
+          <a:noFill/>
+        </p:spPr>
+        <p:txBody>
+          <a:bodyPr vert="horz" wrap="none" lIns="91440" tIns="45720" rIns="91440" bIns="45720" rtlCol="0" anchor="ctr">
+            <a:spAutoFit/>
+          </a:bodyPr>
+          <a:lstStyle/>
+          <a:p>
+            <a:pPr marL="342900" indent="-342900">
+              <a:buFont typeface="Arial" panose="020B0604020202020204" pitchFamily="34" charset="0"/>
+              <a:buChar char="•"/>
+            </a:pPr>
+            <a:r>
+              <a:rPr lang="ko-KR" altLang="en-US" sz="3200" dirty="0"/>
+              <a:t>논리적이며 헷갈리지 않고 잘 읽힌다</a:t>
+            </a:r>
+            <a:r>
+              <a:rPr lang="en-US" altLang="ko-KR" sz="3200" dirty="0"/>
+              <a:t>.</a:t>
+            </a:r>
+            <a:endParaRPr lang="ko-KR" altLang="en-US" sz="3200" dirty="0"/>
+          </a:p>
+          <a:p>
+            <a:pPr marL="342900" indent="-342900">
+              <a:buFont typeface="Arial" panose="020B0604020202020204" pitchFamily="34" charset="0"/>
+              <a:buChar char="•"/>
+            </a:pPr>
+            <a:r>
+              <a:rPr lang="ko-KR" altLang="en-US" sz="3200" dirty="0"/>
+              <a:t>단순하며 한번에 한가지의 작업에만 집중한다</a:t>
+            </a:r>
+            <a:r>
+              <a:rPr lang="en-US" altLang="ko-KR" sz="3200" dirty="0"/>
+              <a:t>. </a:t>
+            </a:r>
+          </a:p>
+          <a:p>
+            <a:pPr marL="342900" indent="-342900">
+              <a:buFont typeface="Arial" panose="020B0604020202020204" pitchFamily="34" charset="0"/>
+              <a:buChar char="•"/>
+            </a:pPr>
+            <a:r>
+              <a:rPr lang="ko-KR" altLang="en-US" sz="3200" dirty="0"/>
+              <a:t>중복이 적다</a:t>
+            </a:r>
+            <a:r>
+              <a:rPr lang="en-US" altLang="ko-KR" sz="3200" dirty="0"/>
+              <a:t>.</a:t>
+            </a:r>
+          </a:p>
+          <a:p>
+            <a:pPr marL="342900" indent="-342900">
+              <a:buFont typeface="Arial" panose="020B0604020202020204" pitchFamily="34" charset="0"/>
+              <a:buChar char="•"/>
+            </a:pPr>
+            <a:r>
+              <a:rPr lang="en-US" altLang="ko-KR" sz="3200" dirty="0"/>
+              <a:t>...</a:t>
+            </a:r>
+          </a:p>
+        </p:txBody>
+      </p:sp>
+    </p:spTree>
+    <p:extLst>
+      <p:ext uri="{BB962C8B-B14F-4D97-AF65-F5344CB8AC3E}">
+        <p14:creationId xmlns:p14="http://schemas.microsoft.com/office/powerpoint/2010/main" val="862448276"/>
+      </p:ext>
+    </p:extLst>
+  </p:cSld>
+  <p:clrMapOvr>
+    <a:masterClrMapping/>
+  </p:clrMapOvr>
+</p:sld>
+</file>
+
+<file path=ppt/slides/slide5.xml><?xml version="1.0" encoding="utf-8"?>
+<p:sld xmlns:a="http://schemas.openxmlformats.org/drawingml/2006/main" xmlns:r="http://schemas.openxmlformats.org/officeDocument/2006/relationships" xmlns:p="http://schemas.openxmlformats.org/presentationml/2006/main">
+  <p:cSld>
+    <p:spTree>
+      <p:nvGrpSpPr>
+        <p:cNvPr id="1" name=""/>
+        <p:cNvGrpSpPr/>
+        <p:nvPr/>
+      </p:nvGrpSpPr>
+      <p:grpSpPr>
+        <a:xfrm>
+          <a:off x="0" y="0"/>
+          <a:ext cx="0" cy="0"/>
+          <a:chOff x="0" y="0"/>
+          <a:chExt cx="0" cy="0"/>
+        </a:xfrm>
+      </p:grpSpPr>
+      <p:sp>
+        <p:nvSpPr>
+          <p:cNvPr id="3" name="제목 2">
+            <a:extLst>
+              <a:ext uri="{FF2B5EF4-FFF2-40B4-BE49-F238E27FC236}">
+                <a16:creationId xmlns:a16="http://schemas.microsoft.com/office/drawing/2014/main" id="{06D037A6-A520-484C-BFA7-1D1C7C3BEF26}"/>
+              </a:ext>
+            </a:extLst>
+          </p:cNvPr>
+          <p:cNvSpPr>
+            <a:spLocks noGrp="1"/>
+          </p:cNvSpPr>
+          <p:nvPr>
+            <p:ph type="title"/>
+          </p:nvPr>
+        </p:nvSpPr>
+        <p:spPr/>
+        <p:txBody>
+          <a:bodyPr/>
+          <a:lstStyle/>
+          <a:p>
+            <a:r>
+              <a:rPr lang="ko-KR" altLang="en-US" dirty="0" err="1"/>
+              <a:t>클린</a:t>
+            </a:r>
+            <a:r>
+              <a:rPr lang="ko-KR" altLang="en-US" dirty="0"/>
+              <a:t> 코드</a:t>
+            </a:r>
+            <a:r>
+              <a:rPr lang="en-US" altLang="ko-KR" dirty="0"/>
+              <a:t>(clean code)</a:t>
+            </a:r>
+            <a:r>
+              <a:rPr lang="ko-KR" altLang="en-US" dirty="0"/>
+              <a:t>의 필요성</a:t>
+            </a:r>
+          </a:p>
+        </p:txBody>
+      </p:sp>
+      <p:sp>
+        <p:nvSpPr>
+          <p:cNvPr id="4" name="텍스트 개체 틀 3">
+            <a:extLst>
+              <a:ext uri="{FF2B5EF4-FFF2-40B4-BE49-F238E27FC236}">
+                <a16:creationId xmlns:a16="http://schemas.microsoft.com/office/drawing/2014/main" id="{3B5DE16B-03AA-489E-B200-65DCA87F1659}"/>
+              </a:ext>
+            </a:extLst>
+          </p:cNvPr>
+          <p:cNvSpPr>
+            <a:spLocks noGrp="1"/>
+          </p:cNvSpPr>
+          <p:nvPr>
+            <p:ph type="body" sz="quarter" idx="10"/>
+          </p:nvPr>
+        </p:nvSpPr>
+        <p:spPr/>
+        <p:txBody>
+          <a:bodyPr/>
+          <a:lstStyle/>
+          <a:p>
+            <a:r>
+              <a:rPr lang="ko-KR" altLang="en-US" dirty="0"/>
+              <a:t>좋은 코드 작성법</a:t>
+            </a:r>
+          </a:p>
+        </p:txBody>
+      </p:sp>
       <p:pic>
         <p:nvPicPr>
           <p:cNvPr id="1026" name="Picture 2" descr="http://www.gokorea.kr/news/photo/201608/5512_5057_1011.jpg">
@@ -4248,197 +4428,6 @@
 </p:sld>
 </file>
 
-<file path=ppt/slides/slide5.xml><?xml version="1.0" encoding="utf-8"?>
-<p:sld xmlns:a="http://schemas.openxmlformats.org/drawingml/2006/main" xmlns:r="http://schemas.openxmlformats.org/officeDocument/2006/relationships" xmlns:p="http://schemas.openxmlformats.org/presentationml/2006/main">
-  <p:cSld>
-    <p:spTree>
-      <p:nvGrpSpPr>
-        <p:cNvPr id="1" name=""/>
-        <p:cNvGrpSpPr/>
-        <p:nvPr/>
-      </p:nvGrpSpPr>
-      <p:grpSpPr>
-        <a:xfrm>
-          <a:off x="0" y="0"/>
-          <a:ext cx="0" cy="0"/>
-          <a:chOff x="0" y="0"/>
-          <a:chExt cx="0" cy="0"/>
-        </a:xfrm>
-      </p:grpSpPr>
-      <p:sp>
-        <p:nvSpPr>
-          <p:cNvPr id="3" name="제목 2">
-            <a:extLst>
-              <a:ext uri="{FF2B5EF4-FFF2-40B4-BE49-F238E27FC236}">
-                <a16:creationId xmlns:a16="http://schemas.microsoft.com/office/drawing/2014/main" id="{06D037A6-A520-484C-BFA7-1D1C7C3BEF26}"/>
-              </a:ext>
-            </a:extLst>
-          </p:cNvPr>
-          <p:cNvSpPr>
-            <a:spLocks noGrp="1"/>
-          </p:cNvSpPr>
-          <p:nvPr>
-            <p:ph type="title"/>
-          </p:nvPr>
-        </p:nvSpPr>
-        <p:spPr/>
-        <p:txBody>
-          <a:bodyPr/>
-          <a:lstStyle/>
-          <a:p>
-            <a:r>
-              <a:rPr lang="ko-KR" altLang="en-US" dirty="0" err="1"/>
-              <a:t>클린</a:t>
-            </a:r>
-            <a:r>
-              <a:rPr lang="ko-KR" altLang="en-US" dirty="0"/>
-              <a:t> 코드</a:t>
-            </a:r>
-            <a:r>
-              <a:rPr lang="en-US" altLang="ko-KR" dirty="0"/>
-              <a:t>(clean code)</a:t>
-            </a:r>
-            <a:r>
-              <a:rPr lang="ko-KR" altLang="en-US" dirty="0"/>
-              <a:t>의 필요성</a:t>
-            </a:r>
-          </a:p>
-        </p:txBody>
-      </p:sp>
-      <p:sp>
-        <p:nvSpPr>
-          <p:cNvPr id="4" name="텍스트 개체 틀 3">
-            <a:extLst>
-              <a:ext uri="{FF2B5EF4-FFF2-40B4-BE49-F238E27FC236}">
-                <a16:creationId xmlns:a16="http://schemas.microsoft.com/office/drawing/2014/main" id="{3B5DE16B-03AA-489E-B200-65DCA87F1659}"/>
-              </a:ext>
-            </a:extLst>
-          </p:cNvPr>
-          <p:cNvSpPr>
-            <a:spLocks noGrp="1"/>
-          </p:cNvSpPr>
-          <p:nvPr>
-            <p:ph type="body" sz="quarter" idx="10"/>
-          </p:nvPr>
-        </p:nvSpPr>
-        <p:spPr/>
-        <p:txBody>
-          <a:bodyPr/>
-          <a:lstStyle/>
-          <a:p>
-            <a:r>
-              <a:rPr lang="ko-KR" altLang="en-US" dirty="0"/>
-              <a:t>좋은 코드 작성법</a:t>
-            </a:r>
-          </a:p>
-        </p:txBody>
-      </p:sp>
-      <p:sp>
-        <p:nvSpPr>
-          <p:cNvPr id="2" name="TextBox 1">
-            <a:extLst>
-              <a:ext uri="{FF2B5EF4-FFF2-40B4-BE49-F238E27FC236}">
-                <a16:creationId xmlns:a16="http://schemas.microsoft.com/office/drawing/2014/main" id="{1A674750-6289-41BD-ADB7-1936A5EA662B}"/>
-              </a:ext>
-            </a:extLst>
-          </p:cNvPr>
-          <p:cNvSpPr txBox="1"/>
-          <p:nvPr/>
-        </p:nvSpPr>
-        <p:spPr>
-          <a:xfrm>
-            <a:off x="3790542" y="1706003"/>
-            <a:ext cx="4610915" cy="769441"/>
-          </a:xfrm>
-          <a:prstGeom prst="rect">
-            <a:avLst/>
-          </a:prstGeom>
-          <a:noFill/>
-        </p:spPr>
-        <p:txBody>
-          <a:bodyPr vert="horz" wrap="square" lIns="91440" tIns="45720" rIns="91440" bIns="45720" rtlCol="0" anchor="ctr">
-            <a:spAutoFit/>
-          </a:bodyPr>
-          <a:lstStyle/>
-          <a:p>
-            <a:pPr algn="ctr"/>
-            <a:r>
-              <a:rPr lang="ko-KR" altLang="en-US" sz="4400" dirty="0">
-                <a:latin typeface="+mj-lt"/>
-              </a:rPr>
-              <a:t>보이 스카우트 규칙</a:t>
-            </a:r>
-          </a:p>
-        </p:txBody>
-      </p:sp>
-      <p:sp>
-        <p:nvSpPr>
-          <p:cNvPr id="5" name="TextBox 4">
-            <a:extLst>
-              <a:ext uri="{FF2B5EF4-FFF2-40B4-BE49-F238E27FC236}">
-                <a16:creationId xmlns:a16="http://schemas.microsoft.com/office/drawing/2014/main" id="{B02C9649-22BE-4CAE-8B86-DE788C8D2814}"/>
-              </a:ext>
-            </a:extLst>
-          </p:cNvPr>
-          <p:cNvSpPr txBox="1"/>
-          <p:nvPr/>
-        </p:nvSpPr>
-        <p:spPr>
-          <a:xfrm>
-            <a:off x="1452965" y="2767568"/>
-            <a:ext cx="9286068" cy="1322863"/>
-          </a:xfrm>
-          <a:prstGeom prst="rect">
-            <a:avLst/>
-          </a:prstGeom>
-          <a:noFill/>
-        </p:spPr>
-        <p:txBody>
-          <a:bodyPr vert="horz" wrap="none" lIns="91440" tIns="45720" rIns="91440" bIns="45720" rtlCol="0" anchor="ctr">
-            <a:spAutoFit/>
-          </a:bodyPr>
-          <a:lstStyle/>
-          <a:p>
-            <a:pPr algn="ctr">
-              <a:lnSpc>
-                <a:spcPct val="150000"/>
-              </a:lnSpc>
-            </a:pPr>
-            <a:r>
-              <a:rPr lang="en-US" altLang="ko-KR" sz="2800" dirty="0"/>
-              <a:t>Always leave the campground cleaner than you found it.</a:t>
-            </a:r>
-          </a:p>
-          <a:p>
-            <a:pPr algn="ctr">
-              <a:lnSpc>
-                <a:spcPct val="150000"/>
-              </a:lnSpc>
-            </a:pPr>
-            <a:r>
-              <a:rPr lang="ko-KR" altLang="en-US" sz="2800" dirty="0"/>
-              <a:t>언제나 처음 왔을 때보다 깨끗하게 해놓고 캠프장을 떠날 것</a:t>
-            </a:r>
-            <a:r>
-              <a:rPr lang="en-US" altLang="ko-KR" sz="2800" dirty="0"/>
-              <a:t>.</a:t>
-            </a:r>
-          </a:p>
-        </p:txBody>
-      </p:sp>
-    </p:spTree>
-    <p:extLst>
-      <p:ext uri="{BB962C8B-B14F-4D97-AF65-F5344CB8AC3E}">
-        <p14:creationId xmlns:p14="http://schemas.microsoft.com/office/powerpoint/2010/main" val="2428806123"/>
-      </p:ext>
-    </p:extLst>
-  </p:cSld>
-  <p:clrMapOvr>
-    <a:masterClrMapping/>
-  </p:clrMapOvr>
-</p:sld>
-</file>
-
 <file path=ppt/slides/slide6.xml><?xml version="1.0" encoding="utf-8"?>
 <p:sld xmlns:a="http://schemas.openxmlformats.org/drawingml/2006/main" xmlns:r="http://schemas.openxmlformats.org/officeDocument/2006/relationships" xmlns:p="http://schemas.openxmlformats.org/presentationml/2006/main">
   <p:cSld>
@@ -4478,18 +4467,21 @@
           <a:lstStyle/>
           <a:p>
             <a:r>
-              <a:rPr lang="ko-KR" altLang="en-US" b="1" dirty="0"/>
-              <a:t>좋은 </a:t>
-            </a:r>
-            <a:r>
-              <a:rPr lang="ko-KR" altLang="en-US" b="1" dirty="0" err="1"/>
-              <a:t>코드란</a:t>
-            </a:r>
-            <a:r>
-              <a:rPr lang="ko-KR" altLang="en-US" b="1" dirty="0"/>
-              <a:t> 무엇인가</a:t>
-            </a:r>
-            <a:endParaRPr lang="ko-KR" altLang="en-US" dirty="0"/>
+              <a:rPr lang="ko-KR" altLang="en-US" dirty="0" err="1"/>
+              <a:t>클린</a:t>
+            </a:r>
+            <a:r>
+              <a:rPr lang="ko-KR" altLang="en-US" dirty="0"/>
+              <a:t> 코드</a:t>
+            </a:r>
+            <a:r>
+              <a:rPr lang="en-US" altLang="ko-KR" dirty="0"/>
+              <a:t>(clean code)</a:t>
+            </a:r>
+            <a:r>
+              <a:rPr lang="ko-KR" altLang="en-US" dirty="0"/>
+              <a:t>의 필요성</a:t>
+            </a:r>
           </a:p>
         </p:txBody>
       </p:sp>
@@ -4523,10 +4515,10 @@
       </p:sp>
       <p:sp>
         <p:nvSpPr>
-          <p:cNvPr id="6" name="TextBox 5">
-            <a:extLst>
-              <a:ext uri="{FF2B5EF4-FFF2-40B4-BE49-F238E27FC236}">
-                <a16:creationId xmlns:a16="http://schemas.microsoft.com/office/drawing/2014/main" id="{BACB1C0D-ACB4-49FB-98B0-FA9E862CA5C4}"/>
+          <p:cNvPr id="2" name="TextBox 1">
+            <a:extLst>
+              <a:ext uri="{FF2B5EF4-FFF2-40B4-BE49-F238E27FC236}">
+                <a16:creationId xmlns:a16="http://schemas.microsoft.com/office/drawing/2014/main" id="{1A674750-6289-41BD-ADB7-1936A5EA662B}"/>
               </a:ext>
             </a:extLst>
           </p:cNvPr>
@@ -4535,8 +4527,8 @@
         </p:nvSpPr>
         <p:spPr>
           <a:xfrm>
-            <a:off x="2508720" y="1837830"/>
-            <a:ext cx="8241359" cy="2062103"/>
+            <a:off x="3790542" y="1706003"/>
+            <a:ext cx="4610915" cy="769441"/>
           </a:xfrm>
           <a:prstGeom prst="rect">
             <a:avLst/>
@@ -4544,56 +4536,72 @@
           <a:noFill/>
         </p:spPr>
         <p:txBody>
+          <a:bodyPr vert="horz" wrap="square" lIns="91440" tIns="45720" rIns="91440" bIns="45720" rtlCol="0" anchor="ctr">
+            <a:spAutoFit/>
+          </a:bodyPr>
+          <a:lstStyle/>
+          <a:p>
+            <a:pPr algn="ctr"/>
+            <a:r>
+              <a:rPr lang="ko-KR" altLang="en-US" sz="4400" dirty="0">
+                <a:latin typeface="+mj-lt"/>
+              </a:rPr>
+              <a:t>보이 스카우트 규칙</a:t>
+            </a:r>
+          </a:p>
+        </p:txBody>
+      </p:sp>
+      <p:sp>
+        <p:nvSpPr>
+          <p:cNvPr id="5" name="TextBox 4">
+            <a:extLst>
+              <a:ext uri="{FF2B5EF4-FFF2-40B4-BE49-F238E27FC236}">
+                <a16:creationId xmlns:a16="http://schemas.microsoft.com/office/drawing/2014/main" id="{B02C9649-22BE-4CAE-8B86-DE788C8D2814}"/>
+              </a:ext>
+            </a:extLst>
+          </p:cNvPr>
+          <p:cNvSpPr txBox="1"/>
+          <p:nvPr/>
+        </p:nvSpPr>
+        <p:spPr>
+          <a:xfrm>
+            <a:off x="1452965" y="2767568"/>
+            <a:ext cx="9286068" cy="1322863"/>
+          </a:xfrm>
+          <a:prstGeom prst="rect">
+            <a:avLst/>
+          </a:prstGeom>
+          <a:noFill/>
+        </p:spPr>
+        <p:txBody>
           <a:bodyPr vert="horz" wrap="none" lIns="91440" tIns="45720" rIns="91440" bIns="45720" rtlCol="0" anchor="ctr">
             <a:spAutoFit/>
           </a:bodyPr>
           <a:lstStyle/>
           <a:p>
-            <a:pPr marL="342900" indent="-342900">
-              <a:buFont typeface="Arial" panose="020B0604020202020204" pitchFamily="34" charset="0"/>
-              <a:buChar char="•"/>
+            <a:pPr algn="ctr">
+              <a:lnSpc>
+                <a:spcPct val="150000"/>
+              </a:lnSpc>
             </a:pPr>
             <a:r>
-              <a:rPr lang="ko-KR" altLang="en-US" sz="3200" dirty="0"/>
-              <a:t>논리적이며 헷갈리지 않고 잘 읽히는 코드 </a:t>
-            </a:r>
-          </a:p>
-          <a:p>
-            <a:pPr marL="342900" indent="-342900">
-              <a:buFont typeface="Arial" panose="020B0604020202020204" pitchFamily="34" charset="0"/>
-              <a:buChar char="•"/>
+              <a:rPr lang="en-US" altLang="ko-KR" sz="2800" dirty="0"/>
+              <a:t>Always leave the campground cleaner than you found it.</a:t>
+            </a:r>
+          </a:p>
+          <a:p>
+            <a:pPr algn="ctr">
+              <a:lnSpc>
+                <a:spcPct val="150000"/>
+              </a:lnSpc>
             </a:pPr>
             <a:r>
-              <a:rPr lang="ko-KR" altLang="en-US" sz="3200" dirty="0"/>
-              <a:t>단순하며 한번에 한가지의 작업에만 집중한다</a:t>
-            </a:r>
-            <a:r>
-              <a:rPr lang="en-US" altLang="ko-KR" sz="3200" dirty="0"/>
-              <a:t>. </a:t>
-            </a:r>
-          </a:p>
-          <a:p>
-            <a:pPr marL="342900" indent="-342900">
-              <a:buFont typeface="Arial" panose="020B0604020202020204" pitchFamily="34" charset="0"/>
-              <a:buChar char="•"/>
-            </a:pPr>
-            <a:r>
-              <a:rPr lang="ko-KR" altLang="en-US" sz="3200" dirty="0"/>
-              <a:t>중복이 적다</a:t>
-            </a:r>
-            <a:r>
-              <a:rPr lang="en-US" altLang="ko-KR" sz="3200" dirty="0"/>
+              <a:rPr lang="ko-KR" altLang="en-US" sz="2800" dirty="0"/>
+              <a:t>언제나 처음 왔을 때보다 깨끗하게 해놓고 캠프장을 떠날 것</a:t>
+            </a:r>
+            <a:r>
+              <a:rPr lang="en-US" altLang="ko-KR" sz="2800" dirty="0"/>
               <a:t>.</a:t>
-            </a:r>
-          </a:p>
-          <a:p>
-            <a:pPr marL="342900" indent="-342900">
-              <a:buFont typeface="Arial" panose="020B0604020202020204" pitchFamily="34" charset="0"/>
-              <a:buChar char="•"/>
-            </a:pPr>
-            <a:r>
-              <a:rPr lang="en-US" altLang="ko-KR" sz="3200" dirty="0"/>
-              <a:t>...</a:t>
             </a:r>
           </a:p>
         </p:txBody>
@@ -4601,7 +4609,7 @@
     </p:spTree>
     <p:extLst>
       <p:ext uri="{BB962C8B-B14F-4D97-AF65-F5344CB8AC3E}">
-        <p14:creationId xmlns:p14="http://schemas.microsoft.com/office/powerpoint/2010/main" val="862448276"/>
+        <p14:creationId xmlns:p14="http://schemas.microsoft.com/office/powerpoint/2010/main" val="2428806123"/>
       </p:ext>
     </p:extLst>
   </p:cSld>

--- a/ppt/8강.pptx
+++ b/ppt/8강.pptx
@@ -5,21 +5,25 @@
     <p:sldMasterId id="2147483648" r:id="rId1"/>
   </p:sldMasterIdLst>
   <p:notesMasterIdLst>
-    <p:notesMasterId r:id="rId14"/>
+    <p:notesMasterId r:id="rId18"/>
   </p:notesMasterIdLst>
   <p:sldIdLst>
     <p:sldId id="261" r:id="rId2"/>
     <p:sldId id="262" r:id="rId3"/>
     <p:sldId id="366" r:id="rId4"/>
     <p:sldId id="378" r:id="rId5"/>
-    <p:sldId id="368" r:id="rId6"/>
-    <p:sldId id="369" r:id="rId7"/>
-    <p:sldId id="370" r:id="rId8"/>
-    <p:sldId id="375" r:id="rId9"/>
-    <p:sldId id="376" r:id="rId10"/>
-    <p:sldId id="377" r:id="rId11"/>
-    <p:sldId id="367" r:id="rId12"/>
-    <p:sldId id="268" r:id="rId13"/>
+    <p:sldId id="379" r:id="rId6"/>
+    <p:sldId id="368" r:id="rId7"/>
+    <p:sldId id="369" r:id="rId8"/>
+    <p:sldId id="370" r:id="rId9"/>
+    <p:sldId id="375" r:id="rId10"/>
+    <p:sldId id="376" r:id="rId11"/>
+    <p:sldId id="380" r:id="rId12"/>
+    <p:sldId id="381" r:id="rId13"/>
+    <p:sldId id="382" r:id="rId14"/>
+    <p:sldId id="377" r:id="rId15"/>
+    <p:sldId id="367" r:id="rId16"/>
+    <p:sldId id="268" r:id="rId17"/>
   </p:sldIdLst>
   <p:sldSz cx="12192000" cy="6858000"/>
   <p:notesSz cx="6858000" cy="9144000"/>
@@ -3375,8 +3379,20 @@
           <a:lstStyle/>
           <a:p>
             <a:r>
+              <a:rPr lang="ko-KR" altLang="en-US" b="1" dirty="0" err="1"/>
+              <a:t>의미있는</a:t>
+            </a:r>
+            <a:r>
               <a:rPr lang="ko-KR" altLang="en-US" b="1" dirty="0"/>
-              <a:t>함수 작성법</a:t>
+              <a:t> 이름 </a:t>
+            </a:r>
+            <a:r>
+              <a:rPr lang="en-US" altLang="ko-KR" b="1" dirty="0"/>
+              <a:t>- </a:t>
+            </a:r>
+            <a:r>
+              <a:rPr lang="ko-KR" altLang="en-US" b="1" dirty="0"/>
+              <a:t>네이밍 방법</a:t>
             </a:r>
             <a:endParaRPr lang="ko-KR" altLang="en-US" dirty="0"/>
           </a:p>
@@ -3410,85 +3426,40 @@
           </a:p>
         </p:txBody>
       </p:sp>
-      <p:sp>
-        <p:nvSpPr>
-          <p:cNvPr id="2" name="TextBox 1">
-            <a:extLst>
-              <a:ext uri="{FF2B5EF4-FFF2-40B4-BE49-F238E27FC236}">
-                <a16:creationId xmlns:a16="http://schemas.microsoft.com/office/drawing/2014/main" id="{B6716334-7B57-446D-8236-76732731527C}"/>
-              </a:ext>
-            </a:extLst>
-          </p:cNvPr>
-          <p:cNvSpPr txBox="1"/>
+      <p:pic>
+        <p:nvPicPr>
+          <p:cNvPr id="2" name="그림 1">
+            <a:extLst>
+              <a:ext uri="{FF2B5EF4-FFF2-40B4-BE49-F238E27FC236}">
+                <a16:creationId xmlns:a16="http://schemas.microsoft.com/office/drawing/2014/main" id="{E738ED71-6BA3-4C0A-9B9E-38575F03537D}"/>
+              </a:ext>
+            </a:extLst>
+          </p:cNvPr>
+          <p:cNvPicPr>
+            <a:picLocks noChangeAspect="1"/>
+          </p:cNvPicPr>
           <p:nvPr/>
-        </p:nvSpPr>
+        </p:nvPicPr>
+        <p:blipFill>
+          <a:blip r:embed="rId2"/>
+          <a:stretch>
+            <a:fillRect/>
+          </a:stretch>
+        </p:blipFill>
         <p:spPr>
           <a:xfrm>
-            <a:off x="4051006" y="1659458"/>
-            <a:ext cx="4089988" cy="2773516"/>
+            <a:off x="4800600" y="3205162"/>
+            <a:ext cx="2590800" cy="447675"/>
           </a:xfrm>
           <a:prstGeom prst="rect">
             <a:avLst/>
           </a:prstGeom>
-          <a:noFill/>
         </p:spPr>
-        <p:txBody>
-          <a:bodyPr vert="horz" wrap="square" lIns="91440" tIns="45720" rIns="91440" bIns="45720" rtlCol="0" anchor="ctr">
-            <a:spAutoFit/>
-          </a:bodyPr>
-          <a:lstStyle/>
-          <a:p>
-            <a:pPr marL="342900" indent="-342900">
-              <a:lnSpc>
-                <a:spcPct val="150000"/>
-              </a:lnSpc>
-              <a:buFont typeface="+mj-lt"/>
-              <a:buAutoNum type="arabicPeriod"/>
-            </a:pPr>
-            <a:r>
-              <a:rPr lang="ko-KR" altLang="en-US" sz="4000" dirty="0"/>
-              <a:t>작게 만들어라</a:t>
-            </a:r>
-            <a:endParaRPr lang="en-US" altLang="ko-KR" sz="4000" dirty="0"/>
-          </a:p>
-          <a:p>
-            <a:pPr marL="342900" indent="-342900">
-              <a:lnSpc>
-                <a:spcPct val="150000"/>
-              </a:lnSpc>
-              <a:buFont typeface="+mj-lt"/>
-              <a:buAutoNum type="arabicPeriod"/>
-            </a:pPr>
-            <a:r>
-              <a:rPr lang="ko-KR" altLang="en-US" sz="4000" dirty="0"/>
-              <a:t>한가지만 해라</a:t>
-            </a:r>
-            <a:endParaRPr lang="en-US" altLang="ko-KR" sz="4000" dirty="0"/>
-          </a:p>
-          <a:p>
-            <a:pPr marL="342900" indent="-342900">
-              <a:lnSpc>
-                <a:spcPct val="150000"/>
-              </a:lnSpc>
-              <a:buFont typeface="+mj-lt"/>
-              <a:buAutoNum type="arabicPeriod"/>
-            </a:pPr>
-            <a:r>
-              <a:rPr lang="ko-KR" altLang="en-US" sz="4000" dirty="0"/>
-              <a:t>인수를 </a:t>
-            </a:r>
-            <a:r>
-              <a:rPr lang="ko-KR" altLang="en-US" sz="4000" dirty="0" err="1"/>
-              <a:t>적게하라</a:t>
-            </a:r>
-            <a:endParaRPr lang="en-US" altLang="ko-KR" sz="4000" dirty="0"/>
-          </a:p>
-        </p:txBody>
-      </p:sp>
+      </p:pic>
     </p:spTree>
     <p:extLst>
       <p:ext uri="{BB962C8B-B14F-4D97-AF65-F5344CB8AC3E}">
-        <p14:creationId xmlns:p14="http://schemas.microsoft.com/office/powerpoint/2010/main" val="846696371"/>
+        <p14:creationId xmlns:p14="http://schemas.microsoft.com/office/powerpoint/2010/main" val="1176795150"/>
       </p:ext>
     </p:extLst>
   </p:cSld>
@@ -3517,6 +3488,585 @@
       </p:grpSpPr>
       <p:sp>
         <p:nvSpPr>
+          <p:cNvPr id="3" name="제목 2">
+            <a:extLst>
+              <a:ext uri="{FF2B5EF4-FFF2-40B4-BE49-F238E27FC236}">
+                <a16:creationId xmlns:a16="http://schemas.microsoft.com/office/drawing/2014/main" id="{06D037A6-A520-484C-BFA7-1D1C7C3BEF26}"/>
+              </a:ext>
+            </a:extLst>
+          </p:cNvPr>
+          <p:cNvSpPr>
+            <a:spLocks noGrp="1"/>
+          </p:cNvSpPr>
+          <p:nvPr>
+            <p:ph type="title"/>
+          </p:nvPr>
+        </p:nvSpPr>
+        <p:spPr/>
+        <p:txBody>
+          <a:bodyPr/>
+          <a:lstStyle/>
+          <a:p>
+            <a:r>
+              <a:rPr lang="ko-KR" altLang="en-US" b="1" dirty="0" err="1"/>
+              <a:t>의미있는</a:t>
+            </a:r>
+            <a:r>
+              <a:rPr lang="ko-KR" altLang="en-US" b="1" dirty="0"/>
+              <a:t> 이름 </a:t>
+            </a:r>
+            <a:r>
+              <a:rPr lang="en-US" altLang="ko-KR" b="1" dirty="0"/>
+              <a:t>- </a:t>
+            </a:r>
+            <a:r>
+              <a:rPr lang="ko-KR" altLang="en-US" b="1" dirty="0"/>
+              <a:t>네이밍 방법</a:t>
+            </a:r>
+            <a:endParaRPr lang="ko-KR" altLang="en-US" dirty="0"/>
+          </a:p>
+        </p:txBody>
+      </p:sp>
+      <p:sp>
+        <p:nvSpPr>
+          <p:cNvPr id="4" name="텍스트 개체 틀 3">
+            <a:extLst>
+              <a:ext uri="{FF2B5EF4-FFF2-40B4-BE49-F238E27FC236}">
+                <a16:creationId xmlns:a16="http://schemas.microsoft.com/office/drawing/2014/main" id="{3B5DE16B-03AA-489E-B200-65DCA87F1659}"/>
+              </a:ext>
+            </a:extLst>
+          </p:cNvPr>
+          <p:cNvSpPr>
+            <a:spLocks noGrp="1"/>
+          </p:cNvSpPr>
+          <p:nvPr>
+            <p:ph type="body" sz="quarter" idx="10"/>
+          </p:nvPr>
+        </p:nvSpPr>
+        <p:spPr/>
+        <p:txBody>
+          <a:bodyPr/>
+          <a:lstStyle/>
+          <a:p>
+            <a:r>
+              <a:rPr lang="ko-KR" altLang="en-US" dirty="0"/>
+              <a:t>좋은 코드 작성법</a:t>
+            </a:r>
+          </a:p>
+        </p:txBody>
+      </p:sp>
+      <p:pic>
+        <p:nvPicPr>
+          <p:cNvPr id="5" name="그림 4">
+            <a:extLst>
+              <a:ext uri="{FF2B5EF4-FFF2-40B4-BE49-F238E27FC236}">
+                <a16:creationId xmlns:a16="http://schemas.microsoft.com/office/drawing/2014/main" id="{83A5535E-02BC-468D-8CCC-D050B58B6B5C}"/>
+              </a:ext>
+            </a:extLst>
+          </p:cNvPr>
+          <p:cNvPicPr>
+            <a:picLocks noChangeAspect="1"/>
+          </p:cNvPicPr>
+          <p:nvPr/>
+        </p:nvPicPr>
+        <p:blipFill>
+          <a:blip r:embed="rId2"/>
+          <a:stretch>
+            <a:fillRect/>
+          </a:stretch>
+        </p:blipFill>
+        <p:spPr>
+          <a:xfrm>
+            <a:off x="2916498" y="2288559"/>
+            <a:ext cx="1200150" cy="342900"/>
+          </a:xfrm>
+          <a:prstGeom prst="rect">
+            <a:avLst/>
+          </a:prstGeom>
+        </p:spPr>
+      </p:pic>
+      <p:pic>
+        <p:nvPicPr>
+          <p:cNvPr id="6" name="그림 5">
+            <a:extLst>
+              <a:ext uri="{FF2B5EF4-FFF2-40B4-BE49-F238E27FC236}">
+                <a16:creationId xmlns:a16="http://schemas.microsoft.com/office/drawing/2014/main" id="{565CE05C-B271-4A53-B744-0313AC349AC2}"/>
+              </a:ext>
+            </a:extLst>
+          </p:cNvPr>
+          <p:cNvPicPr>
+            <a:picLocks noChangeAspect="1"/>
+          </p:cNvPicPr>
+          <p:nvPr/>
+        </p:nvPicPr>
+        <p:blipFill>
+          <a:blip r:embed="rId3"/>
+          <a:stretch>
+            <a:fillRect/>
+          </a:stretch>
+        </p:blipFill>
+        <p:spPr>
+          <a:xfrm>
+            <a:off x="7091860" y="2648519"/>
+            <a:ext cx="628650" cy="304800"/>
+          </a:xfrm>
+          <a:prstGeom prst="rect">
+            <a:avLst/>
+          </a:prstGeom>
+        </p:spPr>
+      </p:pic>
+    </p:spTree>
+    <p:extLst>
+      <p:ext uri="{BB962C8B-B14F-4D97-AF65-F5344CB8AC3E}">
+        <p14:creationId xmlns:p14="http://schemas.microsoft.com/office/powerpoint/2010/main" val="3089939717"/>
+      </p:ext>
+    </p:extLst>
+  </p:cSld>
+  <p:clrMapOvr>
+    <a:masterClrMapping/>
+  </p:clrMapOvr>
+</p:sld>
+</file>
+
+<file path=ppt/slides/slide12.xml><?xml version="1.0" encoding="utf-8"?>
+<p:sld xmlns:a="http://schemas.openxmlformats.org/drawingml/2006/main" xmlns:r="http://schemas.openxmlformats.org/officeDocument/2006/relationships" xmlns:p="http://schemas.openxmlformats.org/presentationml/2006/main">
+  <p:cSld>
+    <p:spTree>
+      <p:nvGrpSpPr>
+        <p:cNvPr id="1" name=""/>
+        <p:cNvGrpSpPr/>
+        <p:nvPr/>
+      </p:nvGrpSpPr>
+      <p:grpSpPr>
+        <a:xfrm>
+          <a:off x="0" y="0"/>
+          <a:ext cx="0" cy="0"/>
+          <a:chOff x="0" y="0"/>
+          <a:chExt cx="0" cy="0"/>
+        </a:xfrm>
+      </p:grpSpPr>
+      <p:sp>
+        <p:nvSpPr>
+          <p:cNvPr id="3" name="제목 2">
+            <a:extLst>
+              <a:ext uri="{FF2B5EF4-FFF2-40B4-BE49-F238E27FC236}">
+                <a16:creationId xmlns:a16="http://schemas.microsoft.com/office/drawing/2014/main" id="{06D037A6-A520-484C-BFA7-1D1C7C3BEF26}"/>
+              </a:ext>
+            </a:extLst>
+          </p:cNvPr>
+          <p:cNvSpPr>
+            <a:spLocks noGrp="1"/>
+          </p:cNvSpPr>
+          <p:nvPr>
+            <p:ph type="title"/>
+          </p:nvPr>
+        </p:nvSpPr>
+        <p:spPr/>
+        <p:txBody>
+          <a:bodyPr/>
+          <a:lstStyle/>
+          <a:p>
+            <a:r>
+              <a:rPr lang="ko-KR" altLang="en-US" b="1" dirty="0" err="1"/>
+              <a:t>의미있는</a:t>
+            </a:r>
+            <a:r>
+              <a:rPr lang="ko-KR" altLang="en-US" b="1" dirty="0"/>
+              <a:t> 이름 </a:t>
+            </a:r>
+            <a:r>
+              <a:rPr lang="en-US" altLang="ko-KR" b="1" dirty="0"/>
+              <a:t>- </a:t>
+            </a:r>
+            <a:r>
+              <a:rPr lang="ko-KR" altLang="en-US" b="1" dirty="0"/>
+              <a:t>네이밍 방법</a:t>
+            </a:r>
+            <a:endParaRPr lang="ko-KR" altLang="en-US" dirty="0"/>
+          </a:p>
+        </p:txBody>
+      </p:sp>
+      <p:sp>
+        <p:nvSpPr>
+          <p:cNvPr id="4" name="텍스트 개체 틀 3">
+            <a:extLst>
+              <a:ext uri="{FF2B5EF4-FFF2-40B4-BE49-F238E27FC236}">
+                <a16:creationId xmlns:a16="http://schemas.microsoft.com/office/drawing/2014/main" id="{3B5DE16B-03AA-489E-B200-65DCA87F1659}"/>
+              </a:ext>
+            </a:extLst>
+          </p:cNvPr>
+          <p:cNvSpPr>
+            <a:spLocks noGrp="1"/>
+          </p:cNvSpPr>
+          <p:nvPr>
+            <p:ph type="body" sz="quarter" idx="10"/>
+          </p:nvPr>
+        </p:nvSpPr>
+        <p:spPr/>
+        <p:txBody>
+          <a:bodyPr/>
+          <a:lstStyle/>
+          <a:p>
+            <a:r>
+              <a:rPr lang="ko-KR" altLang="en-US" dirty="0"/>
+              <a:t>좋은 코드 작성법</a:t>
+            </a:r>
+          </a:p>
+        </p:txBody>
+      </p:sp>
+      <p:pic>
+        <p:nvPicPr>
+          <p:cNvPr id="2" name="그림 1">
+            <a:extLst>
+              <a:ext uri="{FF2B5EF4-FFF2-40B4-BE49-F238E27FC236}">
+                <a16:creationId xmlns:a16="http://schemas.microsoft.com/office/drawing/2014/main" id="{792BCDB4-DD3B-4C07-A7EB-DA45C892D65C}"/>
+              </a:ext>
+            </a:extLst>
+          </p:cNvPr>
+          <p:cNvPicPr>
+            <a:picLocks noChangeAspect="1"/>
+          </p:cNvPicPr>
+          <p:nvPr/>
+        </p:nvPicPr>
+        <p:blipFill>
+          <a:blip r:embed="rId2"/>
+          <a:stretch>
+            <a:fillRect/>
+          </a:stretch>
+        </p:blipFill>
+        <p:spPr>
+          <a:xfrm>
+            <a:off x="2439412" y="528105"/>
+            <a:ext cx="7313175" cy="5911777"/>
+          </a:xfrm>
+          <a:prstGeom prst="rect">
+            <a:avLst/>
+          </a:prstGeom>
+        </p:spPr>
+      </p:pic>
+    </p:spTree>
+    <p:extLst>
+      <p:ext uri="{BB962C8B-B14F-4D97-AF65-F5344CB8AC3E}">
+        <p14:creationId xmlns:p14="http://schemas.microsoft.com/office/powerpoint/2010/main" val="1319379706"/>
+      </p:ext>
+    </p:extLst>
+  </p:cSld>
+  <p:clrMapOvr>
+    <a:masterClrMapping/>
+  </p:clrMapOvr>
+</p:sld>
+</file>
+
+<file path=ppt/slides/slide13.xml><?xml version="1.0" encoding="utf-8"?>
+<p:sld xmlns:a="http://schemas.openxmlformats.org/drawingml/2006/main" xmlns:r="http://schemas.openxmlformats.org/officeDocument/2006/relationships" xmlns:p="http://schemas.openxmlformats.org/presentationml/2006/main">
+  <p:cSld>
+    <p:spTree>
+      <p:nvGrpSpPr>
+        <p:cNvPr id="1" name=""/>
+        <p:cNvGrpSpPr/>
+        <p:nvPr/>
+      </p:nvGrpSpPr>
+      <p:grpSpPr>
+        <a:xfrm>
+          <a:off x="0" y="0"/>
+          <a:ext cx="0" cy="0"/>
+          <a:chOff x="0" y="0"/>
+          <a:chExt cx="0" cy="0"/>
+        </a:xfrm>
+      </p:grpSpPr>
+      <p:sp>
+        <p:nvSpPr>
+          <p:cNvPr id="3" name="제목 2">
+            <a:extLst>
+              <a:ext uri="{FF2B5EF4-FFF2-40B4-BE49-F238E27FC236}">
+                <a16:creationId xmlns:a16="http://schemas.microsoft.com/office/drawing/2014/main" id="{06D037A6-A520-484C-BFA7-1D1C7C3BEF26}"/>
+              </a:ext>
+            </a:extLst>
+          </p:cNvPr>
+          <p:cNvSpPr>
+            <a:spLocks noGrp="1"/>
+          </p:cNvSpPr>
+          <p:nvPr>
+            <p:ph type="title"/>
+          </p:nvPr>
+        </p:nvSpPr>
+        <p:spPr/>
+        <p:txBody>
+          <a:bodyPr/>
+          <a:lstStyle/>
+          <a:p>
+            <a:r>
+              <a:rPr lang="ko-KR" altLang="en-US" b="1" dirty="0" err="1"/>
+              <a:t>의미있는</a:t>
+            </a:r>
+            <a:r>
+              <a:rPr lang="ko-KR" altLang="en-US" b="1" dirty="0"/>
+              <a:t> 이름 </a:t>
+            </a:r>
+            <a:r>
+              <a:rPr lang="en-US" altLang="ko-KR" b="1" dirty="0"/>
+              <a:t>- </a:t>
+            </a:r>
+            <a:r>
+              <a:rPr lang="ko-KR" altLang="en-US" b="1" dirty="0"/>
+              <a:t>네이밍 방법</a:t>
+            </a:r>
+            <a:endParaRPr lang="ko-KR" altLang="en-US" dirty="0"/>
+          </a:p>
+        </p:txBody>
+      </p:sp>
+      <p:sp>
+        <p:nvSpPr>
+          <p:cNvPr id="4" name="텍스트 개체 틀 3">
+            <a:extLst>
+              <a:ext uri="{FF2B5EF4-FFF2-40B4-BE49-F238E27FC236}">
+                <a16:creationId xmlns:a16="http://schemas.microsoft.com/office/drawing/2014/main" id="{3B5DE16B-03AA-489E-B200-65DCA87F1659}"/>
+              </a:ext>
+            </a:extLst>
+          </p:cNvPr>
+          <p:cNvSpPr>
+            <a:spLocks noGrp="1"/>
+          </p:cNvSpPr>
+          <p:nvPr>
+            <p:ph type="body" sz="quarter" idx="10"/>
+          </p:nvPr>
+        </p:nvSpPr>
+        <p:spPr/>
+        <p:txBody>
+          <a:bodyPr/>
+          <a:lstStyle/>
+          <a:p>
+            <a:r>
+              <a:rPr lang="ko-KR" altLang="en-US" dirty="0"/>
+              <a:t>좋은 코드 작성법</a:t>
+            </a:r>
+          </a:p>
+        </p:txBody>
+      </p:sp>
+      <p:pic>
+        <p:nvPicPr>
+          <p:cNvPr id="5" name="그림 4">
+            <a:extLst>
+              <a:ext uri="{FF2B5EF4-FFF2-40B4-BE49-F238E27FC236}">
+                <a16:creationId xmlns:a16="http://schemas.microsoft.com/office/drawing/2014/main" id="{8DDBF701-2561-494C-B0B2-364B0B22F295}"/>
+              </a:ext>
+            </a:extLst>
+          </p:cNvPr>
+          <p:cNvPicPr>
+            <a:picLocks noChangeAspect="1"/>
+          </p:cNvPicPr>
+          <p:nvPr/>
+        </p:nvPicPr>
+        <p:blipFill>
+          <a:blip r:embed="rId2"/>
+          <a:stretch>
+            <a:fillRect/>
+          </a:stretch>
+        </p:blipFill>
+        <p:spPr>
+          <a:xfrm>
+            <a:off x="2276333" y="528105"/>
+            <a:ext cx="7639333" cy="5968229"/>
+          </a:xfrm>
+          <a:prstGeom prst="rect">
+            <a:avLst/>
+          </a:prstGeom>
+        </p:spPr>
+      </p:pic>
+    </p:spTree>
+    <p:extLst>
+      <p:ext uri="{BB962C8B-B14F-4D97-AF65-F5344CB8AC3E}">
+        <p14:creationId xmlns:p14="http://schemas.microsoft.com/office/powerpoint/2010/main" val="2565576234"/>
+      </p:ext>
+    </p:extLst>
+  </p:cSld>
+  <p:clrMapOvr>
+    <a:masterClrMapping/>
+  </p:clrMapOvr>
+</p:sld>
+</file>
+
+<file path=ppt/slides/slide14.xml><?xml version="1.0" encoding="utf-8"?>
+<p:sld xmlns:a="http://schemas.openxmlformats.org/drawingml/2006/main" xmlns:r="http://schemas.openxmlformats.org/officeDocument/2006/relationships" xmlns:p="http://schemas.openxmlformats.org/presentationml/2006/main">
+  <p:cSld>
+    <p:spTree>
+      <p:nvGrpSpPr>
+        <p:cNvPr id="1" name=""/>
+        <p:cNvGrpSpPr/>
+        <p:nvPr/>
+      </p:nvGrpSpPr>
+      <p:grpSpPr>
+        <a:xfrm>
+          <a:off x="0" y="0"/>
+          <a:ext cx="0" cy="0"/>
+          <a:chOff x="0" y="0"/>
+          <a:chExt cx="0" cy="0"/>
+        </a:xfrm>
+      </p:grpSpPr>
+      <p:sp>
+        <p:nvSpPr>
+          <p:cNvPr id="3" name="제목 2">
+            <a:extLst>
+              <a:ext uri="{FF2B5EF4-FFF2-40B4-BE49-F238E27FC236}">
+                <a16:creationId xmlns:a16="http://schemas.microsoft.com/office/drawing/2014/main" id="{06D037A6-A520-484C-BFA7-1D1C7C3BEF26}"/>
+              </a:ext>
+            </a:extLst>
+          </p:cNvPr>
+          <p:cNvSpPr>
+            <a:spLocks noGrp="1"/>
+          </p:cNvSpPr>
+          <p:nvPr>
+            <p:ph type="title"/>
+          </p:nvPr>
+        </p:nvSpPr>
+        <p:spPr/>
+        <p:txBody>
+          <a:bodyPr/>
+          <a:lstStyle/>
+          <a:p>
+            <a:r>
+              <a:rPr lang="ko-KR" altLang="en-US" b="1" dirty="0"/>
+              <a:t>함수 작성법</a:t>
+            </a:r>
+            <a:endParaRPr lang="ko-KR" altLang="en-US" dirty="0"/>
+          </a:p>
+        </p:txBody>
+      </p:sp>
+      <p:sp>
+        <p:nvSpPr>
+          <p:cNvPr id="4" name="텍스트 개체 틀 3">
+            <a:extLst>
+              <a:ext uri="{FF2B5EF4-FFF2-40B4-BE49-F238E27FC236}">
+                <a16:creationId xmlns:a16="http://schemas.microsoft.com/office/drawing/2014/main" id="{3B5DE16B-03AA-489E-B200-65DCA87F1659}"/>
+              </a:ext>
+            </a:extLst>
+          </p:cNvPr>
+          <p:cNvSpPr>
+            <a:spLocks noGrp="1"/>
+          </p:cNvSpPr>
+          <p:nvPr>
+            <p:ph type="body" sz="quarter" idx="10"/>
+          </p:nvPr>
+        </p:nvSpPr>
+        <p:spPr/>
+        <p:txBody>
+          <a:bodyPr/>
+          <a:lstStyle/>
+          <a:p>
+            <a:r>
+              <a:rPr lang="ko-KR" altLang="en-US" dirty="0"/>
+              <a:t>좋은 코드 작성법</a:t>
+            </a:r>
+          </a:p>
+        </p:txBody>
+      </p:sp>
+      <p:sp>
+        <p:nvSpPr>
+          <p:cNvPr id="2" name="TextBox 1">
+            <a:extLst>
+              <a:ext uri="{FF2B5EF4-FFF2-40B4-BE49-F238E27FC236}">
+                <a16:creationId xmlns:a16="http://schemas.microsoft.com/office/drawing/2014/main" id="{B6716334-7B57-446D-8236-76732731527C}"/>
+              </a:ext>
+            </a:extLst>
+          </p:cNvPr>
+          <p:cNvSpPr txBox="1"/>
+          <p:nvPr/>
+        </p:nvSpPr>
+        <p:spPr>
+          <a:xfrm>
+            <a:off x="4051006" y="1659458"/>
+            <a:ext cx="4089988" cy="2773516"/>
+          </a:xfrm>
+          <a:prstGeom prst="rect">
+            <a:avLst/>
+          </a:prstGeom>
+          <a:noFill/>
+        </p:spPr>
+        <p:txBody>
+          <a:bodyPr vert="horz" wrap="square" lIns="91440" tIns="45720" rIns="91440" bIns="45720" rtlCol="0" anchor="ctr">
+            <a:spAutoFit/>
+          </a:bodyPr>
+          <a:lstStyle/>
+          <a:p>
+            <a:pPr marL="342900" indent="-342900">
+              <a:lnSpc>
+                <a:spcPct val="150000"/>
+              </a:lnSpc>
+              <a:buFont typeface="+mj-lt"/>
+              <a:buAutoNum type="arabicPeriod"/>
+            </a:pPr>
+            <a:r>
+              <a:rPr lang="ko-KR" altLang="en-US" sz="4000" dirty="0"/>
+              <a:t>작게 만들어라</a:t>
+            </a:r>
+            <a:endParaRPr lang="en-US" altLang="ko-KR" sz="4000" dirty="0"/>
+          </a:p>
+          <a:p>
+            <a:pPr marL="342900" indent="-342900">
+              <a:lnSpc>
+                <a:spcPct val="150000"/>
+              </a:lnSpc>
+              <a:buFont typeface="+mj-lt"/>
+              <a:buAutoNum type="arabicPeriod"/>
+            </a:pPr>
+            <a:r>
+              <a:rPr lang="ko-KR" altLang="en-US" sz="4000" dirty="0"/>
+              <a:t>한가지만 해라</a:t>
+            </a:r>
+            <a:endParaRPr lang="en-US" altLang="ko-KR" sz="4000" dirty="0"/>
+          </a:p>
+          <a:p>
+            <a:pPr marL="342900" indent="-342900">
+              <a:lnSpc>
+                <a:spcPct val="150000"/>
+              </a:lnSpc>
+              <a:buFont typeface="+mj-lt"/>
+              <a:buAutoNum type="arabicPeriod"/>
+            </a:pPr>
+            <a:r>
+              <a:rPr lang="ko-KR" altLang="en-US" sz="4000" dirty="0"/>
+              <a:t>인수를 </a:t>
+            </a:r>
+            <a:r>
+              <a:rPr lang="ko-KR" altLang="en-US" sz="4000" dirty="0" err="1"/>
+              <a:t>적게하라</a:t>
+            </a:r>
+            <a:endParaRPr lang="en-US" altLang="ko-KR" sz="4000" dirty="0"/>
+          </a:p>
+        </p:txBody>
+      </p:sp>
+    </p:spTree>
+    <p:extLst>
+      <p:ext uri="{BB962C8B-B14F-4D97-AF65-F5344CB8AC3E}">
+        <p14:creationId xmlns:p14="http://schemas.microsoft.com/office/powerpoint/2010/main" val="846696371"/>
+      </p:ext>
+    </p:extLst>
+  </p:cSld>
+  <p:clrMapOvr>
+    <a:masterClrMapping/>
+  </p:clrMapOvr>
+</p:sld>
+</file>
+
+<file path=ppt/slides/slide15.xml><?xml version="1.0" encoding="utf-8"?>
+<p:sld xmlns:a="http://schemas.openxmlformats.org/drawingml/2006/main" xmlns:r="http://schemas.openxmlformats.org/officeDocument/2006/relationships" xmlns:p="http://schemas.openxmlformats.org/presentationml/2006/main">
+  <p:cSld>
+    <p:spTree>
+      <p:nvGrpSpPr>
+        <p:cNvPr id="1" name=""/>
+        <p:cNvGrpSpPr/>
+        <p:nvPr/>
+      </p:nvGrpSpPr>
+      <p:grpSpPr>
+        <a:xfrm>
+          <a:off x="0" y="0"/>
+          <a:ext cx="0" cy="0"/>
+          <a:chOff x="0" y="0"/>
+          <a:chExt cx="0" cy="0"/>
+        </a:xfrm>
+      </p:grpSpPr>
+      <p:sp>
+        <p:nvSpPr>
           <p:cNvPr id="4" name="제목 3"/>
           <p:cNvSpPr>
             <a:spLocks noGrp="1"/>
@@ -3556,7 +4106,7 @@
 </p:sld>
 </file>
 
-<file path=ppt/slides/slide12.xml><?xml version="1.0" encoding="utf-8"?>
+<file path=ppt/slides/slide16.xml><?xml version="1.0" encoding="utf-8"?>
 <p:sld xmlns:a="http://schemas.openxmlformats.org/drawingml/2006/main" xmlns:r="http://schemas.openxmlformats.org/officeDocument/2006/relationships" xmlns:p="http://schemas.openxmlformats.org/presentationml/2006/main">
   <p:cSld>
     <p:spTree>
@@ -4202,8 +4752,8 @@
         </p:nvSpPr>
         <p:spPr>
           <a:xfrm>
-            <a:off x="2508720" y="1837830"/>
-            <a:ext cx="8241359" cy="2062103"/>
+            <a:off x="2508720" y="1299221"/>
+            <a:ext cx="8241359" cy="3139321"/>
           </a:xfrm>
           <a:prstGeom prst="rect">
             <a:avLst/>
@@ -4216,7 +4766,41 @@
           </a:bodyPr>
           <a:lstStyle/>
           <a:p>
+            <a:pPr algn="ctr">
+              <a:lnSpc>
+                <a:spcPct val="150000"/>
+              </a:lnSpc>
+            </a:pPr>
+            <a:r>
+              <a:rPr lang="ko-KR" altLang="en-US" sz="3600" dirty="0">
+                <a:latin typeface="+mj-lt"/>
+              </a:rPr>
+              <a:t>좋은 </a:t>
+            </a:r>
+            <a:r>
+              <a:rPr lang="ko-KR" altLang="en-US" sz="3600" dirty="0" err="1">
+                <a:latin typeface="+mj-lt"/>
+              </a:rPr>
+              <a:t>코드란</a:t>
+            </a:r>
+            <a:r>
+              <a:rPr lang="ko-KR" altLang="en-US" sz="3600" dirty="0">
+                <a:latin typeface="+mj-lt"/>
+              </a:rPr>
+              <a:t> 무엇인가</a:t>
+            </a:r>
+            <a:r>
+              <a:rPr lang="en-US" altLang="ko-KR" sz="3600" dirty="0">
+                <a:latin typeface="+mj-lt"/>
+              </a:rPr>
+              <a:t>?  </a:t>
+            </a:r>
+          </a:p>
+          <a:p>
             <a:pPr marL="342900" indent="-342900">
+              <a:lnSpc>
+                <a:spcPct val="150000"/>
+              </a:lnSpc>
               <a:buFont typeface="Arial" panose="020B0604020202020204" pitchFamily="34" charset="0"/>
               <a:buChar char="•"/>
             </a:pPr>
@@ -4370,6 +4954,498 @@
       </p:sp>
       <p:pic>
         <p:nvPicPr>
+          <p:cNvPr id="5" name="그림 4">
+            <a:extLst>
+              <a:ext uri="{FF2B5EF4-FFF2-40B4-BE49-F238E27FC236}">
+                <a16:creationId xmlns:a16="http://schemas.microsoft.com/office/drawing/2014/main" id="{68538838-EB53-4106-AF38-5759350C0976}"/>
+              </a:ext>
+            </a:extLst>
+          </p:cNvPr>
+          <p:cNvPicPr>
+            <a:picLocks noChangeAspect="1"/>
+          </p:cNvPicPr>
+          <p:nvPr/>
+        </p:nvPicPr>
+        <p:blipFill rotWithShape="1">
+          <a:blip r:embed="rId2">
+            <a:extLst>
+              <a:ext uri="{28A0092B-C50C-407E-A947-70E740481C1C}">
+                <a14:useLocalDpi xmlns:a14="http://schemas.microsoft.com/office/drawing/2010/main" val="0"/>
+              </a:ext>
+            </a:extLst>
+          </a:blip>
+          <a:srcRect l="4297" t="9890" r="4965" b="22664"/>
+          <a:stretch/>
+        </p:blipFill>
+        <p:spPr>
+          <a:xfrm>
+            <a:off x="5755558" y="1104310"/>
+            <a:ext cx="1800000" cy="1337948"/>
+          </a:xfrm>
+          <a:prstGeom prst="rect">
+            <a:avLst/>
+          </a:prstGeom>
+        </p:spPr>
+      </p:pic>
+      <p:pic>
+        <p:nvPicPr>
+          <p:cNvPr id="7" name="그림 6">
+            <a:extLst>
+              <a:ext uri="{FF2B5EF4-FFF2-40B4-BE49-F238E27FC236}">
+                <a16:creationId xmlns:a16="http://schemas.microsoft.com/office/drawing/2014/main" id="{65100F8F-2C21-4A0E-8E44-10ED2F299E6C}"/>
+              </a:ext>
+            </a:extLst>
+          </p:cNvPr>
+          <p:cNvPicPr>
+            <a:picLocks noChangeAspect="1"/>
+          </p:cNvPicPr>
+          <p:nvPr/>
+        </p:nvPicPr>
+        <p:blipFill rotWithShape="1">
+          <a:blip r:embed="rId3">
+            <a:extLst>
+              <a:ext uri="{28A0092B-C50C-407E-A947-70E740481C1C}">
+                <a14:useLocalDpi xmlns:a14="http://schemas.microsoft.com/office/drawing/2010/main" val="0"/>
+              </a:ext>
+            </a:extLst>
+          </a:blip>
+          <a:srcRect l="21073" t="4517" r="20176" b="18725"/>
+          <a:stretch/>
+        </p:blipFill>
+        <p:spPr>
+          <a:xfrm>
+            <a:off x="5481698" y="2553741"/>
+            <a:ext cx="547720" cy="715590"/>
+          </a:xfrm>
+          <a:prstGeom prst="rect">
+            <a:avLst/>
+          </a:prstGeom>
+        </p:spPr>
+      </p:pic>
+      <p:pic>
+        <p:nvPicPr>
+          <p:cNvPr id="8" name="그림 7">
+            <a:extLst>
+              <a:ext uri="{FF2B5EF4-FFF2-40B4-BE49-F238E27FC236}">
+                <a16:creationId xmlns:a16="http://schemas.microsoft.com/office/drawing/2014/main" id="{43CDFC20-DCDB-4149-BAD9-0A396EC6AF7B}"/>
+              </a:ext>
+            </a:extLst>
+          </p:cNvPr>
+          <p:cNvPicPr>
+            <a:picLocks noChangeAspect="1"/>
+          </p:cNvPicPr>
+          <p:nvPr/>
+        </p:nvPicPr>
+        <p:blipFill>
+          <a:blip r:embed="rId4">
+            <a:extLst>
+              <a:ext uri="{28A0092B-C50C-407E-A947-70E740481C1C}">
+                <a14:useLocalDpi xmlns:a14="http://schemas.microsoft.com/office/drawing/2010/main" val="0"/>
+              </a:ext>
+            </a:extLst>
+          </a:blip>
+          <a:stretch>
+            <a:fillRect/>
+          </a:stretch>
+        </p:blipFill>
+        <p:spPr>
+          <a:xfrm>
+            <a:off x="4284655" y="3935393"/>
+            <a:ext cx="966696" cy="966696"/>
+          </a:xfrm>
+          <a:prstGeom prst="rect">
+            <a:avLst/>
+          </a:prstGeom>
+        </p:spPr>
+      </p:pic>
+      <p:pic>
+        <p:nvPicPr>
+          <p:cNvPr id="9" name="그림 8">
+            <a:extLst>
+              <a:ext uri="{FF2B5EF4-FFF2-40B4-BE49-F238E27FC236}">
+                <a16:creationId xmlns:a16="http://schemas.microsoft.com/office/drawing/2014/main" id="{63B4F3EA-327D-4566-8393-629842BE2FC0}"/>
+              </a:ext>
+            </a:extLst>
+          </p:cNvPr>
+          <p:cNvPicPr>
+            <a:picLocks noChangeAspect="1"/>
+          </p:cNvPicPr>
+          <p:nvPr/>
+        </p:nvPicPr>
+        <p:blipFill>
+          <a:blip r:embed="rId4">
+            <a:extLst>
+              <a:ext uri="{28A0092B-C50C-407E-A947-70E740481C1C}">
+                <a14:useLocalDpi xmlns:a14="http://schemas.microsoft.com/office/drawing/2010/main" val="0"/>
+              </a:ext>
+            </a:extLst>
+          </a:blip>
+          <a:stretch>
+            <a:fillRect/>
+          </a:stretch>
+        </p:blipFill>
+        <p:spPr>
+          <a:xfrm>
+            <a:off x="8059767" y="3935393"/>
+            <a:ext cx="966696" cy="966696"/>
+          </a:xfrm>
+          <a:prstGeom prst="rect">
+            <a:avLst/>
+          </a:prstGeom>
+        </p:spPr>
+      </p:pic>
+      <p:cxnSp>
+        <p:nvCxnSpPr>
+          <p:cNvPr id="10" name="직선 화살표 연결선 9">
+            <a:extLst>
+              <a:ext uri="{FF2B5EF4-FFF2-40B4-BE49-F238E27FC236}">
+                <a16:creationId xmlns:a16="http://schemas.microsoft.com/office/drawing/2014/main" id="{338CE7C3-F978-4748-A87B-C91B0FF533D2}"/>
+              </a:ext>
+            </a:extLst>
+          </p:cNvPr>
+          <p:cNvCxnSpPr>
+            <a:cxnSpLocks/>
+          </p:cNvCxnSpPr>
+          <p:nvPr/>
+        </p:nvCxnSpPr>
+        <p:spPr>
+          <a:xfrm flipV="1">
+            <a:off x="5076967" y="3269331"/>
+            <a:ext cx="404731" cy="666062"/>
+          </a:xfrm>
+          <a:prstGeom prst="straightConnector1">
+            <a:avLst/>
+          </a:prstGeom>
+          <a:ln w="28575">
+            <a:solidFill>
+              <a:schemeClr val="tx1"/>
+            </a:solidFill>
+            <a:tailEnd type="triangle"/>
+          </a:ln>
+        </p:spPr>
+        <p:style>
+          <a:lnRef idx="1">
+            <a:schemeClr val="accent1"/>
+          </a:lnRef>
+          <a:fillRef idx="0">
+            <a:schemeClr val="accent1"/>
+          </a:fillRef>
+          <a:effectRef idx="0">
+            <a:schemeClr val="accent1"/>
+          </a:effectRef>
+          <a:fontRef idx="minor">
+            <a:schemeClr val="tx1"/>
+          </a:fontRef>
+        </p:style>
+      </p:cxnSp>
+      <p:pic>
+        <p:nvPicPr>
+          <p:cNvPr id="12" name="그림 11">
+            <a:extLst>
+              <a:ext uri="{FF2B5EF4-FFF2-40B4-BE49-F238E27FC236}">
+                <a16:creationId xmlns:a16="http://schemas.microsoft.com/office/drawing/2014/main" id="{8B75EC86-F5AA-4241-9C2E-9153DC39FE17}"/>
+              </a:ext>
+            </a:extLst>
+          </p:cNvPr>
+          <p:cNvPicPr>
+            <a:picLocks noChangeAspect="1"/>
+          </p:cNvPicPr>
+          <p:nvPr/>
+        </p:nvPicPr>
+        <p:blipFill rotWithShape="1">
+          <a:blip r:embed="rId3">
+            <a:extLst>
+              <a:ext uri="{28A0092B-C50C-407E-A947-70E740481C1C}">
+                <a14:useLocalDpi xmlns:a14="http://schemas.microsoft.com/office/drawing/2010/main" val="0"/>
+              </a:ext>
+            </a:extLst>
+          </a:blip>
+          <a:srcRect l="21073" t="4517" r="20176" b="18725"/>
+          <a:stretch/>
+        </p:blipFill>
+        <p:spPr>
+          <a:xfrm>
+            <a:off x="7298723" y="4060946"/>
+            <a:ext cx="547720" cy="715590"/>
+          </a:xfrm>
+          <a:prstGeom prst="rect">
+            <a:avLst/>
+          </a:prstGeom>
+        </p:spPr>
+      </p:pic>
+      <p:cxnSp>
+        <p:nvCxnSpPr>
+          <p:cNvPr id="13" name="직선 화살표 연결선 12">
+            <a:extLst>
+              <a:ext uri="{FF2B5EF4-FFF2-40B4-BE49-F238E27FC236}">
+                <a16:creationId xmlns:a16="http://schemas.microsoft.com/office/drawing/2014/main" id="{6E6E060E-F446-4491-9F4E-75FF5BD66D9D}"/>
+              </a:ext>
+            </a:extLst>
+          </p:cNvPr>
+          <p:cNvCxnSpPr>
+            <a:cxnSpLocks/>
+            <a:endCxn id="12" idx="1"/>
+          </p:cNvCxnSpPr>
+          <p:nvPr/>
+        </p:nvCxnSpPr>
+        <p:spPr>
+          <a:xfrm>
+            <a:off x="5467939" y="4418741"/>
+            <a:ext cx="1830784" cy="0"/>
+          </a:xfrm>
+          <a:prstGeom prst="straightConnector1">
+            <a:avLst/>
+          </a:prstGeom>
+          <a:ln w="28575">
+            <a:solidFill>
+              <a:schemeClr val="tx1"/>
+            </a:solidFill>
+            <a:tailEnd type="triangle"/>
+          </a:ln>
+        </p:spPr>
+        <p:style>
+          <a:lnRef idx="1">
+            <a:schemeClr val="accent1"/>
+          </a:lnRef>
+          <a:fillRef idx="0">
+            <a:schemeClr val="accent1"/>
+          </a:fillRef>
+          <a:effectRef idx="0">
+            <a:schemeClr val="accent1"/>
+          </a:effectRef>
+          <a:fontRef idx="minor">
+            <a:schemeClr val="tx1"/>
+          </a:fontRef>
+        </p:style>
+      </p:cxnSp>
+      <p:cxnSp>
+        <p:nvCxnSpPr>
+          <p:cNvPr id="16" name="연결선: 구부러짐 15">
+            <a:extLst>
+              <a:ext uri="{FF2B5EF4-FFF2-40B4-BE49-F238E27FC236}">
+                <a16:creationId xmlns:a16="http://schemas.microsoft.com/office/drawing/2014/main" id="{E6AFCC33-F261-4CD6-B041-1FB92D22561D}"/>
+              </a:ext>
+            </a:extLst>
+          </p:cNvPr>
+          <p:cNvCxnSpPr>
+            <a:cxnSpLocks/>
+            <a:stCxn id="8" idx="0"/>
+            <a:endCxn id="20" idx="0"/>
+          </p:cNvCxnSpPr>
+          <p:nvPr/>
+        </p:nvCxnSpPr>
+        <p:spPr>
+          <a:xfrm rot="16200000" flipV="1">
+            <a:off x="3780148" y="2947538"/>
+            <a:ext cx="590037" cy="1385674"/>
+          </a:xfrm>
+          <a:prstGeom prst="curvedConnector3">
+            <a:avLst>
+              <a:gd name="adj1" fmla="val 138743"/>
+            </a:avLst>
+          </a:prstGeom>
+          <a:ln w="28575">
+            <a:solidFill>
+              <a:schemeClr val="tx1"/>
+            </a:solidFill>
+            <a:tailEnd type="triangle"/>
+          </a:ln>
+        </p:spPr>
+        <p:style>
+          <a:lnRef idx="1">
+            <a:schemeClr val="accent1"/>
+          </a:lnRef>
+          <a:fillRef idx="0">
+            <a:schemeClr val="accent1"/>
+          </a:fillRef>
+          <a:effectRef idx="0">
+            <a:schemeClr val="accent1"/>
+          </a:effectRef>
+          <a:fontRef idx="minor">
+            <a:schemeClr val="tx1"/>
+          </a:fontRef>
+        </p:style>
+      </p:cxnSp>
+      <p:pic>
+        <p:nvPicPr>
+          <p:cNvPr id="20" name="그림 19">
+            <a:extLst>
+              <a:ext uri="{FF2B5EF4-FFF2-40B4-BE49-F238E27FC236}">
+                <a16:creationId xmlns:a16="http://schemas.microsoft.com/office/drawing/2014/main" id="{C79A4DD2-BF58-4B4D-9D62-FD15B213F99C}"/>
+              </a:ext>
+            </a:extLst>
+          </p:cNvPr>
+          <p:cNvPicPr>
+            <a:picLocks noChangeAspect="1"/>
+          </p:cNvPicPr>
+          <p:nvPr/>
+        </p:nvPicPr>
+        <p:blipFill rotWithShape="1">
+          <a:blip r:embed="rId3">
+            <a:extLst>
+              <a:ext uri="{28A0092B-C50C-407E-A947-70E740481C1C}">
+                <a14:useLocalDpi xmlns:a14="http://schemas.microsoft.com/office/drawing/2010/main" val="0"/>
+              </a:ext>
+            </a:extLst>
+          </a:blip>
+          <a:srcRect l="21073" t="4517" r="20176" b="18725"/>
+          <a:stretch/>
+        </p:blipFill>
+        <p:spPr>
+          <a:xfrm>
+            <a:off x="3108469" y="3345356"/>
+            <a:ext cx="547720" cy="715590"/>
+          </a:xfrm>
+          <a:prstGeom prst="rect">
+            <a:avLst/>
+          </a:prstGeom>
+        </p:spPr>
+      </p:pic>
+      <p:cxnSp>
+        <p:nvCxnSpPr>
+          <p:cNvPr id="29" name="연결선: 구부러짐 28">
+            <a:extLst>
+              <a:ext uri="{FF2B5EF4-FFF2-40B4-BE49-F238E27FC236}">
+                <a16:creationId xmlns:a16="http://schemas.microsoft.com/office/drawing/2014/main" id="{358F99EA-A845-4BF3-AF46-8DBCA8FABFAE}"/>
+              </a:ext>
+            </a:extLst>
+          </p:cNvPr>
+          <p:cNvCxnSpPr>
+            <a:stCxn id="20" idx="2"/>
+            <a:endCxn id="8" idx="1"/>
+          </p:cNvCxnSpPr>
+          <p:nvPr/>
+        </p:nvCxnSpPr>
+        <p:spPr>
+          <a:xfrm rot="16200000" flipH="1">
+            <a:off x="3654595" y="3788680"/>
+            <a:ext cx="357795" cy="902326"/>
+          </a:xfrm>
+          <a:prstGeom prst="curvedConnector2">
+            <a:avLst/>
+          </a:prstGeom>
+          <a:ln w="28575">
+            <a:solidFill>
+              <a:schemeClr val="tx1"/>
+            </a:solidFill>
+            <a:tailEnd type="triangle"/>
+          </a:ln>
+        </p:spPr>
+        <p:style>
+          <a:lnRef idx="1">
+            <a:schemeClr val="accent1"/>
+          </a:lnRef>
+          <a:fillRef idx="0">
+            <a:schemeClr val="accent1"/>
+          </a:fillRef>
+          <a:effectRef idx="0">
+            <a:schemeClr val="accent1"/>
+          </a:effectRef>
+          <a:fontRef idx="minor">
+            <a:schemeClr val="tx1"/>
+          </a:fontRef>
+        </p:style>
+      </p:cxnSp>
+    </p:spTree>
+    <p:extLst>
+      <p:ext uri="{BB962C8B-B14F-4D97-AF65-F5344CB8AC3E}">
+        <p14:creationId xmlns:p14="http://schemas.microsoft.com/office/powerpoint/2010/main" val="3927645951"/>
+      </p:ext>
+    </p:extLst>
+  </p:cSld>
+  <p:clrMapOvr>
+    <a:masterClrMapping/>
+  </p:clrMapOvr>
+</p:sld>
+</file>
+
+<file path=ppt/slides/slide6.xml><?xml version="1.0" encoding="utf-8"?>
+<p:sld xmlns:a="http://schemas.openxmlformats.org/drawingml/2006/main" xmlns:r="http://schemas.openxmlformats.org/officeDocument/2006/relationships" xmlns:p="http://schemas.openxmlformats.org/presentationml/2006/main">
+  <p:cSld>
+    <p:spTree>
+      <p:nvGrpSpPr>
+        <p:cNvPr id="1" name=""/>
+        <p:cNvGrpSpPr/>
+        <p:nvPr/>
+      </p:nvGrpSpPr>
+      <p:grpSpPr>
+        <a:xfrm>
+          <a:off x="0" y="0"/>
+          <a:ext cx="0" cy="0"/>
+          <a:chOff x="0" y="0"/>
+          <a:chExt cx="0" cy="0"/>
+        </a:xfrm>
+      </p:grpSpPr>
+      <p:sp>
+        <p:nvSpPr>
+          <p:cNvPr id="3" name="제목 2">
+            <a:extLst>
+              <a:ext uri="{FF2B5EF4-FFF2-40B4-BE49-F238E27FC236}">
+                <a16:creationId xmlns:a16="http://schemas.microsoft.com/office/drawing/2014/main" id="{06D037A6-A520-484C-BFA7-1D1C7C3BEF26}"/>
+              </a:ext>
+            </a:extLst>
+          </p:cNvPr>
+          <p:cNvSpPr>
+            <a:spLocks noGrp="1"/>
+          </p:cNvSpPr>
+          <p:nvPr>
+            <p:ph type="title"/>
+          </p:nvPr>
+        </p:nvSpPr>
+        <p:spPr/>
+        <p:txBody>
+          <a:bodyPr/>
+          <a:lstStyle/>
+          <a:p>
+            <a:r>
+              <a:rPr lang="ko-KR" altLang="en-US" dirty="0" err="1"/>
+              <a:t>클린</a:t>
+            </a:r>
+            <a:r>
+              <a:rPr lang="ko-KR" altLang="en-US" dirty="0"/>
+              <a:t> 코드</a:t>
+            </a:r>
+            <a:r>
+              <a:rPr lang="en-US" altLang="ko-KR" dirty="0"/>
+              <a:t>(clean code)</a:t>
+            </a:r>
+            <a:r>
+              <a:rPr lang="ko-KR" altLang="en-US" dirty="0"/>
+              <a:t>의 필요성</a:t>
+            </a:r>
+          </a:p>
+        </p:txBody>
+      </p:sp>
+      <p:sp>
+        <p:nvSpPr>
+          <p:cNvPr id="4" name="텍스트 개체 틀 3">
+            <a:extLst>
+              <a:ext uri="{FF2B5EF4-FFF2-40B4-BE49-F238E27FC236}">
+                <a16:creationId xmlns:a16="http://schemas.microsoft.com/office/drawing/2014/main" id="{3B5DE16B-03AA-489E-B200-65DCA87F1659}"/>
+              </a:ext>
+            </a:extLst>
+          </p:cNvPr>
+          <p:cNvSpPr>
+            <a:spLocks noGrp="1"/>
+          </p:cNvSpPr>
+          <p:nvPr>
+            <p:ph type="body" sz="quarter" idx="10"/>
+          </p:nvPr>
+        </p:nvSpPr>
+        <p:spPr/>
+        <p:txBody>
+          <a:bodyPr/>
+          <a:lstStyle/>
+          <a:p>
+            <a:r>
+              <a:rPr lang="ko-KR" altLang="en-US" dirty="0"/>
+              <a:t>좋은 코드 작성법</a:t>
+            </a:r>
+          </a:p>
+        </p:txBody>
+      </p:sp>
+      <p:pic>
+        <p:nvPicPr>
           <p:cNvPr id="1026" name="Picture 2" descr="http://www.gokorea.kr/news/photo/201608/5512_5057_1011.jpg">
             <a:extLst>
               <a:ext uri="{FF2B5EF4-FFF2-40B4-BE49-F238E27FC236}">
@@ -4428,197 +5504,6 @@
 </p:sld>
 </file>
 
-<file path=ppt/slides/slide6.xml><?xml version="1.0" encoding="utf-8"?>
-<p:sld xmlns:a="http://schemas.openxmlformats.org/drawingml/2006/main" xmlns:r="http://schemas.openxmlformats.org/officeDocument/2006/relationships" xmlns:p="http://schemas.openxmlformats.org/presentationml/2006/main">
-  <p:cSld>
-    <p:spTree>
-      <p:nvGrpSpPr>
-        <p:cNvPr id="1" name=""/>
-        <p:cNvGrpSpPr/>
-        <p:nvPr/>
-      </p:nvGrpSpPr>
-      <p:grpSpPr>
-        <a:xfrm>
-          <a:off x="0" y="0"/>
-          <a:ext cx="0" cy="0"/>
-          <a:chOff x="0" y="0"/>
-          <a:chExt cx="0" cy="0"/>
-        </a:xfrm>
-      </p:grpSpPr>
-      <p:sp>
-        <p:nvSpPr>
-          <p:cNvPr id="3" name="제목 2">
-            <a:extLst>
-              <a:ext uri="{FF2B5EF4-FFF2-40B4-BE49-F238E27FC236}">
-                <a16:creationId xmlns:a16="http://schemas.microsoft.com/office/drawing/2014/main" id="{06D037A6-A520-484C-BFA7-1D1C7C3BEF26}"/>
-              </a:ext>
-            </a:extLst>
-          </p:cNvPr>
-          <p:cNvSpPr>
-            <a:spLocks noGrp="1"/>
-          </p:cNvSpPr>
-          <p:nvPr>
-            <p:ph type="title"/>
-          </p:nvPr>
-        </p:nvSpPr>
-        <p:spPr/>
-        <p:txBody>
-          <a:bodyPr/>
-          <a:lstStyle/>
-          <a:p>
-            <a:r>
-              <a:rPr lang="ko-KR" altLang="en-US" dirty="0" err="1"/>
-              <a:t>클린</a:t>
-            </a:r>
-            <a:r>
-              <a:rPr lang="ko-KR" altLang="en-US" dirty="0"/>
-              <a:t> 코드</a:t>
-            </a:r>
-            <a:r>
-              <a:rPr lang="en-US" altLang="ko-KR" dirty="0"/>
-              <a:t>(clean code)</a:t>
-            </a:r>
-            <a:r>
-              <a:rPr lang="ko-KR" altLang="en-US" dirty="0"/>
-              <a:t>의 필요성</a:t>
-            </a:r>
-          </a:p>
-        </p:txBody>
-      </p:sp>
-      <p:sp>
-        <p:nvSpPr>
-          <p:cNvPr id="4" name="텍스트 개체 틀 3">
-            <a:extLst>
-              <a:ext uri="{FF2B5EF4-FFF2-40B4-BE49-F238E27FC236}">
-                <a16:creationId xmlns:a16="http://schemas.microsoft.com/office/drawing/2014/main" id="{3B5DE16B-03AA-489E-B200-65DCA87F1659}"/>
-              </a:ext>
-            </a:extLst>
-          </p:cNvPr>
-          <p:cNvSpPr>
-            <a:spLocks noGrp="1"/>
-          </p:cNvSpPr>
-          <p:nvPr>
-            <p:ph type="body" sz="quarter" idx="10"/>
-          </p:nvPr>
-        </p:nvSpPr>
-        <p:spPr/>
-        <p:txBody>
-          <a:bodyPr/>
-          <a:lstStyle/>
-          <a:p>
-            <a:r>
-              <a:rPr lang="ko-KR" altLang="en-US" dirty="0"/>
-              <a:t>좋은 코드 작성법</a:t>
-            </a:r>
-          </a:p>
-        </p:txBody>
-      </p:sp>
-      <p:sp>
-        <p:nvSpPr>
-          <p:cNvPr id="2" name="TextBox 1">
-            <a:extLst>
-              <a:ext uri="{FF2B5EF4-FFF2-40B4-BE49-F238E27FC236}">
-                <a16:creationId xmlns:a16="http://schemas.microsoft.com/office/drawing/2014/main" id="{1A674750-6289-41BD-ADB7-1936A5EA662B}"/>
-              </a:ext>
-            </a:extLst>
-          </p:cNvPr>
-          <p:cNvSpPr txBox="1"/>
-          <p:nvPr/>
-        </p:nvSpPr>
-        <p:spPr>
-          <a:xfrm>
-            <a:off x="3790542" y="1706003"/>
-            <a:ext cx="4610915" cy="769441"/>
-          </a:xfrm>
-          <a:prstGeom prst="rect">
-            <a:avLst/>
-          </a:prstGeom>
-          <a:noFill/>
-        </p:spPr>
-        <p:txBody>
-          <a:bodyPr vert="horz" wrap="square" lIns="91440" tIns="45720" rIns="91440" bIns="45720" rtlCol="0" anchor="ctr">
-            <a:spAutoFit/>
-          </a:bodyPr>
-          <a:lstStyle/>
-          <a:p>
-            <a:pPr algn="ctr"/>
-            <a:r>
-              <a:rPr lang="ko-KR" altLang="en-US" sz="4400" dirty="0">
-                <a:latin typeface="+mj-lt"/>
-              </a:rPr>
-              <a:t>보이 스카우트 규칙</a:t>
-            </a:r>
-          </a:p>
-        </p:txBody>
-      </p:sp>
-      <p:sp>
-        <p:nvSpPr>
-          <p:cNvPr id="5" name="TextBox 4">
-            <a:extLst>
-              <a:ext uri="{FF2B5EF4-FFF2-40B4-BE49-F238E27FC236}">
-                <a16:creationId xmlns:a16="http://schemas.microsoft.com/office/drawing/2014/main" id="{B02C9649-22BE-4CAE-8B86-DE788C8D2814}"/>
-              </a:ext>
-            </a:extLst>
-          </p:cNvPr>
-          <p:cNvSpPr txBox="1"/>
-          <p:nvPr/>
-        </p:nvSpPr>
-        <p:spPr>
-          <a:xfrm>
-            <a:off x="1452965" y="2767568"/>
-            <a:ext cx="9286068" cy="1322863"/>
-          </a:xfrm>
-          <a:prstGeom prst="rect">
-            <a:avLst/>
-          </a:prstGeom>
-          <a:noFill/>
-        </p:spPr>
-        <p:txBody>
-          <a:bodyPr vert="horz" wrap="none" lIns="91440" tIns="45720" rIns="91440" bIns="45720" rtlCol="0" anchor="ctr">
-            <a:spAutoFit/>
-          </a:bodyPr>
-          <a:lstStyle/>
-          <a:p>
-            <a:pPr algn="ctr">
-              <a:lnSpc>
-                <a:spcPct val="150000"/>
-              </a:lnSpc>
-            </a:pPr>
-            <a:r>
-              <a:rPr lang="en-US" altLang="ko-KR" sz="2800" dirty="0"/>
-              <a:t>Always leave the campground cleaner than you found it.</a:t>
-            </a:r>
-          </a:p>
-          <a:p>
-            <a:pPr algn="ctr">
-              <a:lnSpc>
-                <a:spcPct val="150000"/>
-              </a:lnSpc>
-            </a:pPr>
-            <a:r>
-              <a:rPr lang="ko-KR" altLang="en-US" sz="2800" dirty="0"/>
-              <a:t>언제나 처음 왔을 때보다 깨끗하게 해놓고 캠프장을 떠날 것</a:t>
-            </a:r>
-            <a:r>
-              <a:rPr lang="en-US" altLang="ko-KR" sz="2800" dirty="0"/>
-              <a:t>.</a:t>
-            </a:r>
-          </a:p>
-        </p:txBody>
-      </p:sp>
-    </p:spTree>
-    <p:extLst>
-      <p:ext uri="{BB962C8B-B14F-4D97-AF65-F5344CB8AC3E}">
-        <p14:creationId xmlns:p14="http://schemas.microsoft.com/office/powerpoint/2010/main" val="2428806123"/>
-      </p:ext>
-    </p:extLst>
-  </p:cSld>
-  <p:clrMapOvr>
-    <a:masterClrMapping/>
-  </p:clrMapOvr>
-</p:sld>
-</file>
-
 <file path=ppt/slides/slide7.xml><?xml version="1.0" encoding="utf-8"?>
 <p:sld xmlns:a="http://schemas.openxmlformats.org/drawingml/2006/main" xmlns:r="http://schemas.openxmlformats.org/officeDocument/2006/relationships" xmlns:p="http://schemas.openxmlformats.org/presentationml/2006/main">
   <p:cSld>
@@ -4658,22 +5543,21 @@
           <a:lstStyle/>
           <a:p>
             <a:r>
-              <a:rPr lang="ko-KR" altLang="en-US" b="1" dirty="0" err="1"/>
-              <a:t>의미있는</a:t>
-            </a:r>
-            <a:r>
-              <a:rPr lang="ko-KR" altLang="en-US" b="1" dirty="0"/>
-              <a:t> 이름 </a:t>
-            </a:r>
-            <a:r>
-              <a:rPr lang="en-US" altLang="ko-KR" b="1" dirty="0"/>
-              <a:t>- </a:t>
-            </a:r>
-            <a:r>
-              <a:rPr lang="ko-KR" altLang="en-US" b="1" dirty="0"/>
-              <a:t>네이밍 방법</a:t>
-            </a:r>
-            <a:endParaRPr lang="ko-KR" altLang="en-US" dirty="0"/>
+              <a:rPr lang="ko-KR" altLang="en-US" dirty="0" err="1"/>
+              <a:t>클린</a:t>
+            </a:r>
+            <a:r>
+              <a:rPr lang="ko-KR" altLang="en-US" dirty="0"/>
+              <a:t> 코드</a:t>
+            </a:r>
+            <a:r>
+              <a:rPr lang="en-US" altLang="ko-KR" dirty="0"/>
+              <a:t>(clean code)</a:t>
+            </a:r>
+            <a:r>
+              <a:rPr lang="ko-KR" altLang="en-US" dirty="0"/>
+              <a:t>의 필요성</a:t>
+            </a:r>
           </a:p>
         </p:txBody>
       </p:sp>
@@ -4705,10 +5589,103 @@
           </a:p>
         </p:txBody>
       </p:sp>
+      <p:sp>
+        <p:nvSpPr>
+          <p:cNvPr id="2" name="TextBox 1">
+            <a:extLst>
+              <a:ext uri="{FF2B5EF4-FFF2-40B4-BE49-F238E27FC236}">
+                <a16:creationId xmlns:a16="http://schemas.microsoft.com/office/drawing/2014/main" id="{1A674750-6289-41BD-ADB7-1936A5EA662B}"/>
+              </a:ext>
+            </a:extLst>
+          </p:cNvPr>
+          <p:cNvSpPr txBox="1"/>
+          <p:nvPr/>
+        </p:nvSpPr>
+        <p:spPr>
+          <a:xfrm>
+            <a:off x="3790542" y="1706003"/>
+            <a:ext cx="4610915" cy="769441"/>
+          </a:xfrm>
+          <a:prstGeom prst="rect">
+            <a:avLst/>
+          </a:prstGeom>
+          <a:noFill/>
+        </p:spPr>
+        <p:txBody>
+          <a:bodyPr vert="horz" wrap="square" lIns="91440" tIns="45720" rIns="91440" bIns="45720" rtlCol="0" anchor="ctr">
+            <a:spAutoFit/>
+          </a:bodyPr>
+          <a:lstStyle/>
+          <a:p>
+            <a:pPr algn="ctr"/>
+            <a:r>
+              <a:rPr lang="ko-KR" altLang="en-US" sz="4400" dirty="0">
+                <a:latin typeface="+mj-lt"/>
+              </a:rPr>
+              <a:t>보이 스카우트 규칙</a:t>
+            </a:r>
+          </a:p>
+        </p:txBody>
+      </p:sp>
+      <p:sp>
+        <p:nvSpPr>
+          <p:cNvPr id="5" name="TextBox 4">
+            <a:extLst>
+              <a:ext uri="{FF2B5EF4-FFF2-40B4-BE49-F238E27FC236}">
+                <a16:creationId xmlns:a16="http://schemas.microsoft.com/office/drawing/2014/main" id="{B02C9649-22BE-4CAE-8B86-DE788C8D2814}"/>
+              </a:ext>
+            </a:extLst>
+          </p:cNvPr>
+          <p:cNvSpPr txBox="1"/>
+          <p:nvPr/>
+        </p:nvSpPr>
+        <p:spPr>
+          <a:xfrm>
+            <a:off x="1452965" y="2767568"/>
+            <a:ext cx="9286068" cy="1322863"/>
+          </a:xfrm>
+          <a:prstGeom prst="rect">
+            <a:avLst/>
+          </a:prstGeom>
+          <a:noFill/>
+        </p:spPr>
+        <p:txBody>
+          <a:bodyPr vert="horz" wrap="none" lIns="91440" tIns="45720" rIns="91440" bIns="45720" rtlCol="0" anchor="ctr">
+            <a:spAutoFit/>
+          </a:bodyPr>
+          <a:lstStyle/>
+          <a:p>
+            <a:pPr algn="ctr">
+              <a:lnSpc>
+                <a:spcPct val="150000"/>
+              </a:lnSpc>
+            </a:pPr>
+            <a:r>
+              <a:rPr lang="en-US" altLang="ko-KR" sz="2800" dirty="0"/>
+              <a:t>Always leave the campground cleaner than you found it.</a:t>
+            </a:r>
+          </a:p>
+          <a:p>
+            <a:pPr algn="ctr">
+              <a:lnSpc>
+                <a:spcPct val="150000"/>
+              </a:lnSpc>
+            </a:pPr>
+            <a:r>
+              <a:rPr lang="ko-KR" altLang="en-US" sz="2800" dirty="0"/>
+              <a:t>언제나 처음 왔을 때보다 깨끗하게 해놓고 캠프장을 떠날 것</a:t>
+            </a:r>
+            <a:r>
+              <a:rPr lang="en-US" altLang="ko-KR" sz="2800" dirty="0"/>
+              <a:t>.</a:t>
+            </a:r>
+          </a:p>
+        </p:txBody>
+      </p:sp>
     </p:spTree>
     <p:extLst>
       <p:ext uri="{BB962C8B-B14F-4D97-AF65-F5344CB8AC3E}">
-        <p14:creationId xmlns:p14="http://schemas.microsoft.com/office/powerpoint/2010/main" val="1244625164"/>
+        <p14:creationId xmlns:p14="http://schemas.microsoft.com/office/powerpoint/2010/main" val="2428806123"/>
       </p:ext>
     </p:extLst>
   </p:cSld>
@@ -4804,10 +5781,68 @@
           </a:p>
         </p:txBody>
       </p:sp>
+      <p:pic>
+        <p:nvPicPr>
+          <p:cNvPr id="2" name="그림 1">
+            <a:extLst>
+              <a:ext uri="{FF2B5EF4-FFF2-40B4-BE49-F238E27FC236}">
+                <a16:creationId xmlns:a16="http://schemas.microsoft.com/office/drawing/2014/main" id="{0DD69E92-8647-4E42-A2A7-05E2B4BD9CC0}"/>
+              </a:ext>
+            </a:extLst>
+          </p:cNvPr>
+          <p:cNvPicPr>
+            <a:picLocks noChangeAspect="1"/>
+          </p:cNvPicPr>
+          <p:nvPr/>
+        </p:nvPicPr>
+        <p:blipFill rotWithShape="1">
+          <a:blip r:embed="rId2"/>
+          <a:srcRect t="3933"/>
+          <a:stretch/>
+        </p:blipFill>
+        <p:spPr>
+          <a:xfrm>
+            <a:off x="2282615" y="528105"/>
+            <a:ext cx="3419862" cy="6329895"/>
+          </a:xfrm>
+          <a:prstGeom prst="rect">
+            <a:avLst/>
+          </a:prstGeom>
+        </p:spPr>
+      </p:pic>
+      <p:pic>
+        <p:nvPicPr>
+          <p:cNvPr id="5" name="그림 4">
+            <a:extLst>
+              <a:ext uri="{FF2B5EF4-FFF2-40B4-BE49-F238E27FC236}">
+                <a16:creationId xmlns:a16="http://schemas.microsoft.com/office/drawing/2014/main" id="{D7DE8B06-20FA-49ED-84CB-A4797592B113}"/>
+              </a:ext>
+            </a:extLst>
+          </p:cNvPr>
+          <p:cNvPicPr>
+            <a:picLocks noChangeAspect="1"/>
+          </p:cNvPicPr>
+          <p:nvPr/>
+        </p:nvPicPr>
+        <p:blipFill rotWithShape="1">
+          <a:blip r:embed="rId3"/>
+          <a:srcRect t="4369"/>
+          <a:stretch/>
+        </p:blipFill>
+        <p:spPr>
+          <a:xfrm>
+            <a:off x="6489525" y="528105"/>
+            <a:ext cx="3590353" cy="6329895"/>
+          </a:xfrm>
+          <a:prstGeom prst="rect">
+            <a:avLst/>
+          </a:prstGeom>
+        </p:spPr>
+      </p:pic>
     </p:spTree>
     <p:extLst>
       <p:ext uri="{BB962C8B-B14F-4D97-AF65-F5344CB8AC3E}">
-        <p14:creationId xmlns:p14="http://schemas.microsoft.com/office/powerpoint/2010/main" val="1710417045"/>
+        <p14:creationId xmlns:p14="http://schemas.microsoft.com/office/powerpoint/2010/main" val="1244625164"/>
       </p:ext>
     </p:extLst>
   </p:cSld>
@@ -4903,10 +5938,70 @@
           </a:p>
         </p:txBody>
       </p:sp>
+      <p:pic>
+        <p:nvPicPr>
+          <p:cNvPr id="2" name="그림 1">
+            <a:extLst>
+              <a:ext uri="{FF2B5EF4-FFF2-40B4-BE49-F238E27FC236}">
+                <a16:creationId xmlns:a16="http://schemas.microsoft.com/office/drawing/2014/main" id="{479F1F9D-72A6-4B65-A9CB-E1BFDB94D6EE}"/>
+              </a:ext>
+            </a:extLst>
+          </p:cNvPr>
+          <p:cNvPicPr>
+            <a:picLocks noChangeAspect="1"/>
+          </p:cNvPicPr>
+          <p:nvPr/>
+        </p:nvPicPr>
+        <p:blipFill>
+          <a:blip r:embed="rId2"/>
+          <a:stretch>
+            <a:fillRect/>
+          </a:stretch>
+        </p:blipFill>
+        <p:spPr>
+          <a:xfrm>
+            <a:off x="1865905" y="2177187"/>
+            <a:ext cx="4357474" cy="2596577"/>
+          </a:xfrm>
+          <a:prstGeom prst="rect">
+            <a:avLst/>
+          </a:prstGeom>
+        </p:spPr>
+      </p:pic>
+      <p:pic>
+        <p:nvPicPr>
+          <p:cNvPr id="5" name="그림 4">
+            <a:extLst>
+              <a:ext uri="{FF2B5EF4-FFF2-40B4-BE49-F238E27FC236}">
+                <a16:creationId xmlns:a16="http://schemas.microsoft.com/office/drawing/2014/main" id="{F111F617-859B-4438-86EC-6DE6415EC444}"/>
+              </a:ext>
+            </a:extLst>
+          </p:cNvPr>
+          <p:cNvPicPr>
+            <a:picLocks noChangeAspect="1"/>
+          </p:cNvPicPr>
+          <p:nvPr/>
+        </p:nvPicPr>
+        <p:blipFill>
+          <a:blip r:embed="rId3"/>
+          <a:stretch>
+            <a:fillRect/>
+          </a:stretch>
+        </p:blipFill>
+        <p:spPr>
+          <a:xfrm>
+            <a:off x="6628796" y="2177187"/>
+            <a:ext cx="3953879" cy="2596577"/>
+          </a:xfrm>
+          <a:prstGeom prst="rect">
+            <a:avLst/>
+          </a:prstGeom>
+        </p:spPr>
+      </p:pic>
     </p:spTree>
     <p:extLst>
       <p:ext uri="{BB962C8B-B14F-4D97-AF65-F5344CB8AC3E}">
-        <p14:creationId xmlns:p14="http://schemas.microsoft.com/office/powerpoint/2010/main" val="1176795150"/>
+        <p14:creationId xmlns:p14="http://schemas.microsoft.com/office/powerpoint/2010/main" val="1710417045"/>
       </p:ext>
     </p:extLst>
   </p:cSld>

--- a/ppt/8강.pptx
+++ b/ppt/8강.pptx
@@ -215,7 +215,7 @@
           <a:p>
             <a:fld id="{43F25190-ED08-4FB6-9615-C10C6A31669A}" type="datetimeFigureOut">
               <a:rPr lang="ko-KR" altLang="en-US" smtClean="0"/>
-              <a:t>2019-05-26</a:t>
+              <a:t>2019-05-27</a:t>
             </a:fld>
             <a:endParaRPr lang="ko-KR" altLang="en-US"/>
           </a:p>
@@ -672,7 +672,7 @@
           <p:cNvPr id="7" name="그림 6">
             <a:extLst>
               <a:ext uri="{FF2B5EF4-FFF2-40B4-BE49-F238E27FC236}">
-                <a16:creationId xmlns:a16="http://schemas.microsoft.com/office/drawing/2014/main" id="{8A6F16AE-5C7F-4C39-9131-E235C6B6A612}"/>
+                <a16:creationId xmlns:a16="http://schemas.microsoft.com/office/drawing/2014/main" xmlns="" id="{8A6F16AE-5C7F-4C39-9131-E235C6B6A612}"/>
               </a:ext>
             </a:extLst>
           </p:cNvPr>
@@ -708,7 +708,7 @@
           <p:cNvPr id="8" name="TextBox 7">
             <a:extLst>
               <a:ext uri="{FF2B5EF4-FFF2-40B4-BE49-F238E27FC236}">
-                <a16:creationId xmlns:a16="http://schemas.microsoft.com/office/drawing/2014/main" id="{37D4568A-0455-46F9-8977-B1D6ECDCF84B}"/>
+                <a16:creationId xmlns:a16="http://schemas.microsoft.com/office/drawing/2014/main" xmlns="" id="{37D4568A-0455-46F9-8977-B1D6ECDCF84B}"/>
               </a:ext>
             </a:extLst>
           </p:cNvPr>
@@ -757,7 +757,7 @@
           <p:cNvPr id="10" name="Прямоугольный треугольник 11">
             <a:extLst>
               <a:ext uri="{FF2B5EF4-FFF2-40B4-BE49-F238E27FC236}">
-                <a16:creationId xmlns:a16="http://schemas.microsoft.com/office/drawing/2014/main" id="{A5B22DEB-55F9-4001-80EC-A4674BC4F5F6}"/>
+                <a16:creationId xmlns:a16="http://schemas.microsoft.com/office/drawing/2014/main" xmlns="" id="{A5B22DEB-55F9-4001-80EC-A4674BC4F5F6}"/>
               </a:ext>
             </a:extLst>
           </p:cNvPr>
@@ -879,7 +879,7 @@
           <p:cNvPr id="11" name="Параллелограмм 17">
             <a:extLst>
               <a:ext uri="{FF2B5EF4-FFF2-40B4-BE49-F238E27FC236}">
-                <a16:creationId xmlns:a16="http://schemas.microsoft.com/office/drawing/2014/main" id="{BA54AB6F-CC53-4E00-97E6-AA9FC3DC0C25}"/>
+                <a16:creationId xmlns:a16="http://schemas.microsoft.com/office/drawing/2014/main" xmlns="" id="{BA54AB6F-CC53-4E00-97E6-AA9FC3DC0C25}"/>
               </a:ext>
             </a:extLst>
           </p:cNvPr>
@@ -1031,7 +1031,7 @@
           <p:cNvPr id="3" name="텍스트 개체 틀 2">
             <a:extLst>
               <a:ext uri="{FF2B5EF4-FFF2-40B4-BE49-F238E27FC236}">
-                <a16:creationId xmlns:a16="http://schemas.microsoft.com/office/drawing/2014/main" id="{672B4F0C-5658-4C76-A143-36A8205CC3D5}"/>
+                <a16:creationId xmlns:a16="http://schemas.microsoft.com/office/drawing/2014/main" xmlns="" id="{672B4F0C-5658-4C76-A143-36A8205CC3D5}"/>
               </a:ext>
             </a:extLst>
           </p:cNvPr>
@@ -1115,7 +1115,7 @@
           <p:cNvPr id="6" name="그림 5">
             <a:extLst>
               <a:ext uri="{FF2B5EF4-FFF2-40B4-BE49-F238E27FC236}">
-                <a16:creationId xmlns:a16="http://schemas.microsoft.com/office/drawing/2014/main" id="{69C9B086-C952-4F64-9A38-C55597E5C3BD}"/>
+                <a16:creationId xmlns:a16="http://schemas.microsoft.com/office/drawing/2014/main" xmlns="" id="{69C9B086-C952-4F64-9A38-C55597E5C3BD}"/>
               </a:ext>
             </a:extLst>
           </p:cNvPr>
@@ -1151,7 +1151,7 @@
           <p:cNvPr id="7" name="TextBox 6">
             <a:extLst>
               <a:ext uri="{FF2B5EF4-FFF2-40B4-BE49-F238E27FC236}">
-                <a16:creationId xmlns:a16="http://schemas.microsoft.com/office/drawing/2014/main" id="{19262303-712C-41FF-A0C2-3F725CFB6182}"/>
+                <a16:creationId xmlns:a16="http://schemas.microsoft.com/office/drawing/2014/main" xmlns="" id="{19262303-712C-41FF-A0C2-3F725CFB6182}"/>
               </a:ext>
             </a:extLst>
           </p:cNvPr>
@@ -1200,7 +1200,7 @@
           <p:cNvPr id="8" name="TextBox 7">
             <a:extLst>
               <a:ext uri="{FF2B5EF4-FFF2-40B4-BE49-F238E27FC236}">
-                <a16:creationId xmlns:a16="http://schemas.microsoft.com/office/drawing/2014/main" id="{83E402CD-9736-4CC2-9239-B6EC7D2EB1D0}"/>
+                <a16:creationId xmlns:a16="http://schemas.microsoft.com/office/drawing/2014/main" xmlns="" id="{83E402CD-9736-4CC2-9239-B6EC7D2EB1D0}"/>
               </a:ext>
             </a:extLst>
           </p:cNvPr>
@@ -1252,7 +1252,7 @@
           <p:cNvPr id="9" name="타원 8">
             <a:extLst>
               <a:ext uri="{FF2B5EF4-FFF2-40B4-BE49-F238E27FC236}">
-                <a16:creationId xmlns:a16="http://schemas.microsoft.com/office/drawing/2014/main" id="{AD2D6173-E840-4B8D-A217-96F478E0D0CF}"/>
+                <a16:creationId xmlns:a16="http://schemas.microsoft.com/office/drawing/2014/main" xmlns="" id="{AD2D6173-E840-4B8D-A217-96F478E0D0CF}"/>
               </a:ext>
             </a:extLst>
           </p:cNvPr>
@@ -1306,7 +1306,7 @@
           <p:cNvPr id="10" name="타원 9">
             <a:extLst>
               <a:ext uri="{FF2B5EF4-FFF2-40B4-BE49-F238E27FC236}">
-                <a16:creationId xmlns:a16="http://schemas.microsoft.com/office/drawing/2014/main" id="{5F92BDB5-11F1-4EEB-B8C2-B943E3BC2BF9}"/>
+                <a16:creationId xmlns:a16="http://schemas.microsoft.com/office/drawing/2014/main" xmlns="" id="{5F92BDB5-11F1-4EEB-B8C2-B943E3BC2BF9}"/>
               </a:ext>
             </a:extLst>
           </p:cNvPr>
@@ -1360,7 +1360,7 @@
           <p:cNvPr id="11" name="타원 10">
             <a:extLst>
               <a:ext uri="{FF2B5EF4-FFF2-40B4-BE49-F238E27FC236}">
-                <a16:creationId xmlns:a16="http://schemas.microsoft.com/office/drawing/2014/main" id="{B8E3E5EC-F37F-42B7-924D-3CD1250D640B}"/>
+                <a16:creationId xmlns:a16="http://schemas.microsoft.com/office/drawing/2014/main" xmlns="" id="{B8E3E5EC-F37F-42B7-924D-3CD1250D640B}"/>
               </a:ext>
             </a:extLst>
           </p:cNvPr>
@@ -1414,7 +1414,7 @@
           <p:cNvPr id="12" name="타원 11">
             <a:extLst>
               <a:ext uri="{FF2B5EF4-FFF2-40B4-BE49-F238E27FC236}">
-                <a16:creationId xmlns:a16="http://schemas.microsoft.com/office/drawing/2014/main" id="{49051129-6F14-4F8D-983B-11673C882BBC}"/>
+                <a16:creationId xmlns:a16="http://schemas.microsoft.com/office/drawing/2014/main" xmlns="" id="{49051129-6F14-4F8D-983B-11673C882BBC}"/>
               </a:ext>
             </a:extLst>
           </p:cNvPr>
@@ -1468,7 +1468,7 @@
           <p:cNvPr id="13" name="타원 12">
             <a:extLst>
               <a:ext uri="{FF2B5EF4-FFF2-40B4-BE49-F238E27FC236}">
-                <a16:creationId xmlns:a16="http://schemas.microsoft.com/office/drawing/2014/main" id="{52B681B3-A5BA-479F-8955-FEAB9E161528}"/>
+                <a16:creationId xmlns:a16="http://schemas.microsoft.com/office/drawing/2014/main" xmlns="" id="{52B681B3-A5BA-479F-8955-FEAB9E161528}"/>
               </a:ext>
             </a:extLst>
           </p:cNvPr>
@@ -1522,7 +1522,7 @@
           <p:cNvPr id="14" name="타원 13">
             <a:extLst>
               <a:ext uri="{FF2B5EF4-FFF2-40B4-BE49-F238E27FC236}">
-                <a16:creationId xmlns:a16="http://schemas.microsoft.com/office/drawing/2014/main" id="{E9F80810-2286-4A4B-B1F0-EECA6688297C}"/>
+                <a16:creationId xmlns:a16="http://schemas.microsoft.com/office/drawing/2014/main" xmlns="" id="{E9F80810-2286-4A4B-B1F0-EECA6688297C}"/>
               </a:ext>
             </a:extLst>
           </p:cNvPr>
@@ -1576,7 +1576,7 @@
           <p:cNvPr id="15" name="타원 14">
             <a:extLst>
               <a:ext uri="{FF2B5EF4-FFF2-40B4-BE49-F238E27FC236}">
-                <a16:creationId xmlns:a16="http://schemas.microsoft.com/office/drawing/2014/main" id="{CE659B26-A61C-4883-9ECA-0FCC836F5835}"/>
+                <a16:creationId xmlns:a16="http://schemas.microsoft.com/office/drawing/2014/main" xmlns="" id="{CE659B26-A61C-4883-9ECA-0FCC836F5835}"/>
               </a:ext>
             </a:extLst>
           </p:cNvPr>
@@ -1630,7 +1630,7 @@
           <p:cNvPr id="16" name="타원 15">
             <a:extLst>
               <a:ext uri="{FF2B5EF4-FFF2-40B4-BE49-F238E27FC236}">
-                <a16:creationId xmlns:a16="http://schemas.microsoft.com/office/drawing/2014/main" id="{56E80CD1-4DF1-4D36-B353-A99447BF0F02}"/>
+                <a16:creationId xmlns:a16="http://schemas.microsoft.com/office/drawing/2014/main" xmlns="" id="{56E80CD1-4DF1-4D36-B353-A99447BF0F02}"/>
               </a:ext>
             </a:extLst>
           </p:cNvPr>
@@ -1714,7 +1714,7 @@
           <p:cNvPr id="2" name="제목 1">
             <a:extLst>
               <a:ext uri="{FF2B5EF4-FFF2-40B4-BE49-F238E27FC236}">
-                <a16:creationId xmlns:a16="http://schemas.microsoft.com/office/drawing/2014/main" id="{1E8C42BD-1DE5-46FB-8385-C6571A996E9D}"/>
+                <a16:creationId xmlns:a16="http://schemas.microsoft.com/office/drawing/2014/main" xmlns="" id="{1E8C42BD-1DE5-46FB-8385-C6571A996E9D}"/>
               </a:ext>
             </a:extLst>
           </p:cNvPr>
@@ -1742,7 +1742,7 @@
           <p:cNvPr id="3" name="날짜 개체 틀 2">
             <a:extLst>
               <a:ext uri="{FF2B5EF4-FFF2-40B4-BE49-F238E27FC236}">
-                <a16:creationId xmlns:a16="http://schemas.microsoft.com/office/drawing/2014/main" id="{EB75D8F0-D82F-477E-9A70-61628ECA000B}"/>
+                <a16:creationId xmlns:a16="http://schemas.microsoft.com/office/drawing/2014/main" xmlns="" id="{EB75D8F0-D82F-477E-9A70-61628ECA000B}"/>
               </a:ext>
             </a:extLst>
           </p:cNvPr>
@@ -1760,7 +1760,7 @@
           <a:p>
             <a:fld id="{EC28EC2B-DE22-4D97-9FBE-8D0A9719F4AC}" type="datetimeFigureOut">
               <a:rPr lang="ko-KR" altLang="en-US" smtClean="0"/>
-              <a:t>2019-05-26</a:t>
+              <a:t>2019-05-27</a:t>
             </a:fld>
             <a:endParaRPr lang="ko-KR" altLang="en-US"/>
           </a:p>
@@ -1771,7 +1771,7 @@
           <p:cNvPr id="4" name="바닥글 개체 틀 3">
             <a:extLst>
               <a:ext uri="{FF2B5EF4-FFF2-40B4-BE49-F238E27FC236}">
-                <a16:creationId xmlns:a16="http://schemas.microsoft.com/office/drawing/2014/main" id="{4643D524-2CC2-4046-B8B0-B949299D7A6D}"/>
+                <a16:creationId xmlns:a16="http://schemas.microsoft.com/office/drawing/2014/main" xmlns="" id="{4643D524-2CC2-4046-B8B0-B949299D7A6D}"/>
               </a:ext>
             </a:extLst>
           </p:cNvPr>
@@ -1796,7 +1796,7 @@
           <p:cNvPr id="5" name="슬라이드 번호 개체 틀 4">
             <a:extLst>
               <a:ext uri="{FF2B5EF4-FFF2-40B4-BE49-F238E27FC236}">
-                <a16:creationId xmlns:a16="http://schemas.microsoft.com/office/drawing/2014/main" id="{EDA66E7F-4E40-4454-9B08-E431B6744AA6}"/>
+                <a16:creationId xmlns:a16="http://schemas.microsoft.com/office/drawing/2014/main" xmlns="" id="{EDA66E7F-4E40-4454-9B08-E431B6744AA6}"/>
               </a:ext>
             </a:extLst>
           </p:cNvPr>
@@ -1855,7 +1855,7 @@
           <p:cNvPr id="39" name="그룹 38">
             <a:extLst>
               <a:ext uri="{FF2B5EF4-FFF2-40B4-BE49-F238E27FC236}">
-                <a16:creationId xmlns:a16="http://schemas.microsoft.com/office/drawing/2014/main" id="{A45DDDA3-32F6-48CB-A8D8-14D816ED84AF}"/>
+                <a16:creationId xmlns:a16="http://schemas.microsoft.com/office/drawing/2014/main" xmlns="" id="{A45DDDA3-32F6-48CB-A8D8-14D816ED84AF}"/>
               </a:ext>
             </a:extLst>
           </p:cNvPr>
@@ -1875,7 +1875,7 @@
             <p:cNvPr id="25" name="육각형 24">
               <a:extLst>
                 <a:ext uri="{FF2B5EF4-FFF2-40B4-BE49-F238E27FC236}">
-                  <a16:creationId xmlns:a16="http://schemas.microsoft.com/office/drawing/2014/main" id="{D36904B0-63FE-4B75-BF68-EBB371053D5F}"/>
+                  <a16:creationId xmlns:a16="http://schemas.microsoft.com/office/drawing/2014/main" xmlns="" id="{D36904B0-63FE-4B75-BF68-EBB371053D5F}"/>
                 </a:ext>
               </a:extLst>
             </p:cNvPr>
@@ -1936,7 +1936,7 @@
             <p:cNvPr id="36" name="육각형 35">
               <a:extLst>
                 <a:ext uri="{FF2B5EF4-FFF2-40B4-BE49-F238E27FC236}">
-                  <a16:creationId xmlns:a16="http://schemas.microsoft.com/office/drawing/2014/main" id="{C029E3B1-0616-4643-8752-E35949571A63}"/>
+                  <a16:creationId xmlns:a16="http://schemas.microsoft.com/office/drawing/2014/main" xmlns="" id="{C029E3B1-0616-4643-8752-E35949571A63}"/>
                 </a:ext>
               </a:extLst>
             </p:cNvPr>
@@ -1996,7 +1996,7 @@
             <p:cNvPr id="37" name="육각형 36">
               <a:extLst>
                 <a:ext uri="{FF2B5EF4-FFF2-40B4-BE49-F238E27FC236}">
-                  <a16:creationId xmlns:a16="http://schemas.microsoft.com/office/drawing/2014/main" id="{29359650-2544-41D5-88DE-5CA02F6EE256}"/>
+                  <a16:creationId xmlns:a16="http://schemas.microsoft.com/office/drawing/2014/main" xmlns="" id="{29359650-2544-41D5-88DE-5CA02F6EE256}"/>
                 </a:ext>
               </a:extLst>
             </p:cNvPr>
@@ -2056,7 +2056,7 @@
             <p:cNvPr id="26" name="육각형 25">
               <a:extLst>
                 <a:ext uri="{FF2B5EF4-FFF2-40B4-BE49-F238E27FC236}">
-                  <a16:creationId xmlns:a16="http://schemas.microsoft.com/office/drawing/2014/main" id="{9EBF47D0-68BF-4B7F-B7CE-BA95BE25BD6A}"/>
+                  <a16:creationId xmlns:a16="http://schemas.microsoft.com/office/drawing/2014/main" xmlns="" id="{9EBF47D0-68BF-4B7F-B7CE-BA95BE25BD6A}"/>
                 </a:ext>
               </a:extLst>
             </p:cNvPr>
@@ -2184,7 +2184,7 @@
           <p:cNvPr id="5" name="직사각형 4">
             <a:extLst>
               <a:ext uri="{FF2B5EF4-FFF2-40B4-BE49-F238E27FC236}">
-                <a16:creationId xmlns:a16="http://schemas.microsoft.com/office/drawing/2014/main" id="{BA1686E7-6701-4F2A-8F3B-E3B4F13B0EB2}"/>
+                <a16:creationId xmlns:a16="http://schemas.microsoft.com/office/drawing/2014/main" xmlns="" id="{BA1686E7-6701-4F2A-8F3B-E3B4F13B0EB2}"/>
               </a:ext>
             </a:extLst>
           </p:cNvPr>
@@ -2287,7 +2287,7 @@
           <p:cNvPr id="6" name="텍스트 개체 틀 5">
             <a:extLst>
               <a:ext uri="{FF2B5EF4-FFF2-40B4-BE49-F238E27FC236}">
-                <a16:creationId xmlns:a16="http://schemas.microsoft.com/office/drawing/2014/main" id="{E9DA90DA-E9B9-4F9D-8BAC-03C70C743C78}"/>
+                <a16:creationId xmlns:a16="http://schemas.microsoft.com/office/drawing/2014/main" xmlns="" id="{E9DA90DA-E9B9-4F9D-8BAC-03C70C743C78}"/>
               </a:ext>
             </a:extLst>
           </p:cNvPr>
@@ -2374,7 +2374,7 @@
           <p:cNvPr id="2" name="제목 개체 틀 1">
             <a:extLst>
               <a:ext uri="{FF2B5EF4-FFF2-40B4-BE49-F238E27FC236}">
-                <a16:creationId xmlns:a16="http://schemas.microsoft.com/office/drawing/2014/main" id="{1DBD9734-F9A0-4801-B250-7F50BD816D67}"/>
+                <a16:creationId xmlns:a16="http://schemas.microsoft.com/office/drawing/2014/main" xmlns="" id="{1DBD9734-F9A0-4801-B250-7F50BD816D67}"/>
               </a:ext>
             </a:extLst>
           </p:cNvPr>
@@ -2412,7 +2412,7 @@
           <p:cNvPr id="3" name="텍스트 개체 틀 2">
             <a:extLst>
               <a:ext uri="{FF2B5EF4-FFF2-40B4-BE49-F238E27FC236}">
-                <a16:creationId xmlns:a16="http://schemas.microsoft.com/office/drawing/2014/main" id="{E5AA3AC4-683B-4781-B4AD-05D7DBF8A918}"/>
+                <a16:creationId xmlns:a16="http://schemas.microsoft.com/office/drawing/2014/main" xmlns="" id="{E5AA3AC4-683B-4781-B4AD-05D7DBF8A918}"/>
               </a:ext>
             </a:extLst>
           </p:cNvPr>
@@ -2479,7 +2479,7 @@
           <p:cNvPr id="4" name="날짜 개체 틀 3">
             <a:extLst>
               <a:ext uri="{FF2B5EF4-FFF2-40B4-BE49-F238E27FC236}">
-                <a16:creationId xmlns:a16="http://schemas.microsoft.com/office/drawing/2014/main" id="{A9248EE6-9337-4B92-8B00-C40E2A4CBB58}"/>
+                <a16:creationId xmlns:a16="http://schemas.microsoft.com/office/drawing/2014/main" xmlns="" id="{A9248EE6-9337-4B92-8B00-C40E2A4CBB58}"/>
               </a:ext>
             </a:extLst>
           </p:cNvPr>
@@ -2515,7 +2515,7 @@
           <a:p>
             <a:fld id="{EC28EC2B-DE22-4D97-9FBE-8D0A9719F4AC}" type="datetimeFigureOut">
               <a:rPr lang="ko-KR" altLang="en-US" smtClean="0"/>
-              <a:t>2019-05-26</a:t>
+              <a:t>2019-05-27</a:t>
             </a:fld>
             <a:endParaRPr lang="ko-KR" altLang="en-US"/>
           </a:p>
@@ -2526,7 +2526,7 @@
           <p:cNvPr id="5" name="바닥글 개체 틀 4">
             <a:extLst>
               <a:ext uri="{FF2B5EF4-FFF2-40B4-BE49-F238E27FC236}">
-                <a16:creationId xmlns:a16="http://schemas.microsoft.com/office/drawing/2014/main" id="{397CA54D-216F-4975-9A5D-9484C12271F0}"/>
+                <a16:creationId xmlns:a16="http://schemas.microsoft.com/office/drawing/2014/main" xmlns="" id="{397CA54D-216F-4975-9A5D-9484C12271F0}"/>
               </a:ext>
             </a:extLst>
           </p:cNvPr>
@@ -2569,7 +2569,7 @@
           <p:cNvPr id="6" name="슬라이드 번호 개체 틀 5">
             <a:extLst>
               <a:ext uri="{FF2B5EF4-FFF2-40B4-BE49-F238E27FC236}">
-                <a16:creationId xmlns:a16="http://schemas.microsoft.com/office/drawing/2014/main" id="{CB3B54B8-E1B4-480C-B0F3-E6B18BE78457}"/>
+                <a16:creationId xmlns:a16="http://schemas.microsoft.com/office/drawing/2014/main" xmlns="" id="{CB3B54B8-E1B4-480C-B0F3-E6B18BE78457}"/>
               </a:ext>
             </a:extLst>
           </p:cNvPr>
@@ -2931,7 +2931,7 @@
           <p:cNvPr id="3" name="그림 2">
             <a:extLst>
               <a:ext uri="{FF2B5EF4-FFF2-40B4-BE49-F238E27FC236}">
-                <a16:creationId xmlns:a16="http://schemas.microsoft.com/office/drawing/2014/main" id="{0269E28C-4D66-40F8-836D-93E7D76CA827}"/>
+                <a16:creationId xmlns:a16="http://schemas.microsoft.com/office/drawing/2014/main" xmlns="" id="{0269E28C-4D66-40F8-836D-93E7D76CA827}"/>
               </a:ext>
             </a:extLst>
           </p:cNvPr>
@@ -2967,7 +2967,7 @@
           <p:cNvPr id="4" name="TextBox 3">
             <a:extLst>
               <a:ext uri="{FF2B5EF4-FFF2-40B4-BE49-F238E27FC236}">
-                <a16:creationId xmlns:a16="http://schemas.microsoft.com/office/drawing/2014/main" id="{6FFCB628-D48F-4844-8FDF-08B1AE9F3268}"/>
+                <a16:creationId xmlns:a16="http://schemas.microsoft.com/office/drawing/2014/main" xmlns="" id="{6FFCB628-D48F-4844-8FDF-08B1AE9F3268}"/>
               </a:ext>
             </a:extLst>
           </p:cNvPr>
@@ -3016,7 +3016,7 @@
           <p:cNvPr id="17" name="Прямоугольный треугольник 11">
             <a:extLst>
               <a:ext uri="{FF2B5EF4-FFF2-40B4-BE49-F238E27FC236}">
-                <a16:creationId xmlns:a16="http://schemas.microsoft.com/office/drawing/2014/main" id="{F60FFECF-3036-4068-992B-01C855544268}"/>
+                <a16:creationId xmlns:a16="http://schemas.microsoft.com/office/drawing/2014/main" xmlns="" id="{F60FFECF-3036-4068-992B-01C855544268}"/>
               </a:ext>
             </a:extLst>
           </p:cNvPr>
@@ -3138,7 +3138,7 @@
           <p:cNvPr id="18" name="Параллелограмм 17">
             <a:extLst>
               <a:ext uri="{FF2B5EF4-FFF2-40B4-BE49-F238E27FC236}">
-                <a16:creationId xmlns:a16="http://schemas.microsoft.com/office/drawing/2014/main" id="{93C980C2-41A9-43F6-85B6-25BFD495EDD3}"/>
+                <a16:creationId xmlns:a16="http://schemas.microsoft.com/office/drawing/2014/main" xmlns="" id="{93C980C2-41A9-43F6-85B6-25BFD495EDD3}"/>
               </a:ext>
             </a:extLst>
           </p:cNvPr>
@@ -3290,7 +3290,7 @@
           <p:cNvPr id="6" name="텍스트 개체 틀 5">
             <a:extLst>
               <a:ext uri="{FF2B5EF4-FFF2-40B4-BE49-F238E27FC236}">
-                <a16:creationId xmlns:a16="http://schemas.microsoft.com/office/drawing/2014/main" id="{AE0D723B-0B46-44D8-8C89-33BE92BD21F9}"/>
+                <a16:creationId xmlns:a16="http://schemas.microsoft.com/office/drawing/2014/main" xmlns="" id="{AE0D723B-0B46-44D8-8C89-33BE92BD21F9}"/>
               </a:ext>
             </a:extLst>
           </p:cNvPr>
@@ -3362,7 +3362,7 @@
           <p:cNvPr id="3" name="제목 2">
             <a:extLst>
               <a:ext uri="{FF2B5EF4-FFF2-40B4-BE49-F238E27FC236}">
-                <a16:creationId xmlns:a16="http://schemas.microsoft.com/office/drawing/2014/main" id="{06D037A6-A520-484C-BFA7-1D1C7C3BEF26}"/>
+                <a16:creationId xmlns:a16="http://schemas.microsoft.com/office/drawing/2014/main" xmlns="" id="{06D037A6-A520-484C-BFA7-1D1C7C3BEF26}"/>
               </a:ext>
             </a:extLst>
           </p:cNvPr>
@@ -3403,7 +3403,7 @@
           <p:cNvPr id="4" name="텍스트 개체 틀 3">
             <a:extLst>
               <a:ext uri="{FF2B5EF4-FFF2-40B4-BE49-F238E27FC236}">
-                <a16:creationId xmlns:a16="http://schemas.microsoft.com/office/drawing/2014/main" id="{3B5DE16B-03AA-489E-B200-65DCA87F1659}"/>
+                <a16:creationId xmlns:a16="http://schemas.microsoft.com/office/drawing/2014/main" xmlns="" id="{3B5DE16B-03AA-489E-B200-65DCA87F1659}"/>
               </a:ext>
             </a:extLst>
           </p:cNvPr>
@@ -3431,7 +3431,7 @@
           <p:cNvPr id="2" name="그림 1">
             <a:extLst>
               <a:ext uri="{FF2B5EF4-FFF2-40B4-BE49-F238E27FC236}">
-                <a16:creationId xmlns:a16="http://schemas.microsoft.com/office/drawing/2014/main" id="{E738ED71-6BA3-4C0A-9B9E-38575F03537D}"/>
+                <a16:creationId xmlns:a16="http://schemas.microsoft.com/office/drawing/2014/main" xmlns="" id="{E738ED71-6BA3-4C0A-9B9E-38575F03537D}"/>
               </a:ext>
             </a:extLst>
           </p:cNvPr>
@@ -3448,8 +3448,8 @@
         </p:blipFill>
         <p:spPr>
           <a:xfrm>
-            <a:off x="4800600" y="3205162"/>
-            <a:ext cx="2590800" cy="447675"/>
+            <a:off x="948043" y="2447590"/>
+            <a:ext cx="10306520" cy="1780906"/>
           </a:xfrm>
           <a:prstGeom prst="rect">
             <a:avLst/>
@@ -3491,7 +3491,7 @@
           <p:cNvPr id="3" name="제목 2">
             <a:extLst>
               <a:ext uri="{FF2B5EF4-FFF2-40B4-BE49-F238E27FC236}">
-                <a16:creationId xmlns:a16="http://schemas.microsoft.com/office/drawing/2014/main" id="{06D037A6-A520-484C-BFA7-1D1C7C3BEF26}"/>
+                <a16:creationId xmlns:a16="http://schemas.microsoft.com/office/drawing/2014/main" xmlns="" id="{06D037A6-A520-484C-BFA7-1D1C7C3BEF26}"/>
               </a:ext>
             </a:extLst>
           </p:cNvPr>
@@ -3532,7 +3532,7 @@
           <p:cNvPr id="4" name="텍스트 개체 틀 3">
             <a:extLst>
               <a:ext uri="{FF2B5EF4-FFF2-40B4-BE49-F238E27FC236}">
-                <a16:creationId xmlns:a16="http://schemas.microsoft.com/office/drawing/2014/main" id="{3B5DE16B-03AA-489E-B200-65DCA87F1659}"/>
+                <a16:creationId xmlns:a16="http://schemas.microsoft.com/office/drawing/2014/main" xmlns="" id="{3B5DE16B-03AA-489E-B200-65DCA87F1659}"/>
               </a:ext>
             </a:extLst>
           </p:cNvPr>
@@ -3560,7 +3560,7 @@
           <p:cNvPr id="5" name="그림 4">
             <a:extLst>
               <a:ext uri="{FF2B5EF4-FFF2-40B4-BE49-F238E27FC236}">
-                <a16:creationId xmlns:a16="http://schemas.microsoft.com/office/drawing/2014/main" id="{83A5535E-02BC-468D-8CCC-D050B58B6B5C}"/>
+                <a16:creationId xmlns:a16="http://schemas.microsoft.com/office/drawing/2014/main" xmlns="" id="{83A5535E-02BC-468D-8CCC-D050B58B6B5C}"/>
               </a:ext>
             </a:extLst>
           </p:cNvPr>
@@ -3577,8 +3577,8 @@
         </p:blipFill>
         <p:spPr>
           <a:xfrm>
-            <a:off x="2916498" y="2288559"/>
-            <a:ext cx="1200150" cy="342900"/>
+            <a:off x="3904047" y="1879531"/>
+            <a:ext cx="4235169" cy="1210048"/>
           </a:xfrm>
           <a:prstGeom prst="rect">
             <a:avLst/>
@@ -3590,7 +3590,7 @@
           <p:cNvPr id="6" name="그림 5">
             <a:extLst>
               <a:ext uri="{FF2B5EF4-FFF2-40B4-BE49-F238E27FC236}">
-                <a16:creationId xmlns:a16="http://schemas.microsoft.com/office/drawing/2014/main" id="{565CE05C-B271-4A53-B744-0313AC349AC2}"/>
+                <a16:creationId xmlns:a16="http://schemas.microsoft.com/office/drawing/2014/main" xmlns="" id="{565CE05C-B271-4A53-B744-0313AC349AC2}"/>
               </a:ext>
             </a:extLst>
           </p:cNvPr>
@@ -3607,8 +3607,8 @@
         </p:blipFill>
         <p:spPr>
           <a:xfrm>
-            <a:off x="7091860" y="2648519"/>
-            <a:ext cx="628650" cy="304800"/>
+            <a:off x="4814415" y="3288759"/>
+            <a:ext cx="2414435" cy="1170635"/>
           </a:xfrm>
           <a:prstGeom prst="rect">
             <a:avLst/>
@@ -3650,7 +3650,7 @@
           <p:cNvPr id="3" name="제목 2">
             <a:extLst>
               <a:ext uri="{FF2B5EF4-FFF2-40B4-BE49-F238E27FC236}">
-                <a16:creationId xmlns:a16="http://schemas.microsoft.com/office/drawing/2014/main" id="{06D037A6-A520-484C-BFA7-1D1C7C3BEF26}"/>
+                <a16:creationId xmlns:a16="http://schemas.microsoft.com/office/drawing/2014/main" xmlns="" id="{06D037A6-A520-484C-BFA7-1D1C7C3BEF26}"/>
               </a:ext>
             </a:extLst>
           </p:cNvPr>
@@ -3691,7 +3691,7 @@
           <p:cNvPr id="4" name="텍스트 개체 틀 3">
             <a:extLst>
               <a:ext uri="{FF2B5EF4-FFF2-40B4-BE49-F238E27FC236}">
-                <a16:creationId xmlns:a16="http://schemas.microsoft.com/office/drawing/2014/main" id="{3B5DE16B-03AA-489E-B200-65DCA87F1659}"/>
+                <a16:creationId xmlns:a16="http://schemas.microsoft.com/office/drawing/2014/main" xmlns="" id="{3B5DE16B-03AA-489E-B200-65DCA87F1659}"/>
               </a:ext>
             </a:extLst>
           </p:cNvPr>
@@ -3719,7 +3719,7 @@
           <p:cNvPr id="2" name="그림 1">
             <a:extLst>
               <a:ext uri="{FF2B5EF4-FFF2-40B4-BE49-F238E27FC236}">
-                <a16:creationId xmlns:a16="http://schemas.microsoft.com/office/drawing/2014/main" id="{792BCDB4-DD3B-4C07-A7EB-DA45C892D65C}"/>
+                <a16:creationId xmlns:a16="http://schemas.microsoft.com/office/drawing/2014/main" xmlns="" id="{792BCDB4-DD3B-4C07-A7EB-DA45C892D65C}"/>
               </a:ext>
             </a:extLst>
           </p:cNvPr>
@@ -3779,7 +3779,7 @@
           <p:cNvPr id="3" name="제목 2">
             <a:extLst>
               <a:ext uri="{FF2B5EF4-FFF2-40B4-BE49-F238E27FC236}">
-                <a16:creationId xmlns:a16="http://schemas.microsoft.com/office/drawing/2014/main" id="{06D037A6-A520-484C-BFA7-1D1C7C3BEF26}"/>
+                <a16:creationId xmlns:a16="http://schemas.microsoft.com/office/drawing/2014/main" xmlns="" id="{06D037A6-A520-484C-BFA7-1D1C7C3BEF26}"/>
               </a:ext>
             </a:extLst>
           </p:cNvPr>
@@ -3820,7 +3820,7 @@
           <p:cNvPr id="4" name="텍스트 개체 틀 3">
             <a:extLst>
               <a:ext uri="{FF2B5EF4-FFF2-40B4-BE49-F238E27FC236}">
-                <a16:creationId xmlns:a16="http://schemas.microsoft.com/office/drawing/2014/main" id="{3B5DE16B-03AA-489E-B200-65DCA87F1659}"/>
+                <a16:creationId xmlns:a16="http://schemas.microsoft.com/office/drawing/2014/main" xmlns="" id="{3B5DE16B-03AA-489E-B200-65DCA87F1659}"/>
               </a:ext>
             </a:extLst>
           </p:cNvPr>
@@ -3848,7 +3848,7 @@
           <p:cNvPr id="5" name="그림 4">
             <a:extLst>
               <a:ext uri="{FF2B5EF4-FFF2-40B4-BE49-F238E27FC236}">
-                <a16:creationId xmlns:a16="http://schemas.microsoft.com/office/drawing/2014/main" id="{8DDBF701-2561-494C-B0B2-364B0B22F295}"/>
+                <a16:creationId xmlns:a16="http://schemas.microsoft.com/office/drawing/2014/main" xmlns="" id="{8DDBF701-2561-494C-B0B2-364B0B22F295}"/>
               </a:ext>
             </a:extLst>
           </p:cNvPr>
@@ -3908,7 +3908,7 @@
           <p:cNvPr id="3" name="제목 2">
             <a:extLst>
               <a:ext uri="{FF2B5EF4-FFF2-40B4-BE49-F238E27FC236}">
-                <a16:creationId xmlns:a16="http://schemas.microsoft.com/office/drawing/2014/main" id="{06D037A6-A520-484C-BFA7-1D1C7C3BEF26}"/>
+                <a16:creationId xmlns:a16="http://schemas.microsoft.com/office/drawing/2014/main" xmlns="" id="{06D037A6-A520-484C-BFA7-1D1C7C3BEF26}"/>
               </a:ext>
             </a:extLst>
           </p:cNvPr>
@@ -3937,7 +3937,7 @@
           <p:cNvPr id="4" name="텍스트 개체 틀 3">
             <a:extLst>
               <a:ext uri="{FF2B5EF4-FFF2-40B4-BE49-F238E27FC236}">
-                <a16:creationId xmlns:a16="http://schemas.microsoft.com/office/drawing/2014/main" id="{3B5DE16B-03AA-489E-B200-65DCA87F1659}"/>
+                <a16:creationId xmlns:a16="http://schemas.microsoft.com/office/drawing/2014/main" xmlns="" id="{3B5DE16B-03AA-489E-B200-65DCA87F1659}"/>
               </a:ext>
             </a:extLst>
           </p:cNvPr>
@@ -3965,7 +3965,7 @@
           <p:cNvPr id="2" name="TextBox 1">
             <a:extLst>
               <a:ext uri="{FF2B5EF4-FFF2-40B4-BE49-F238E27FC236}">
-                <a16:creationId xmlns:a16="http://schemas.microsoft.com/office/drawing/2014/main" id="{B6716334-7B57-446D-8236-76732731527C}"/>
+                <a16:creationId xmlns:a16="http://schemas.microsoft.com/office/drawing/2014/main" xmlns="" id="{B6716334-7B57-446D-8236-76732731527C}"/>
               </a:ext>
             </a:extLst>
           </p:cNvPr>
@@ -4185,7 +4185,7 @@
           <p:cNvPr id="3" name="직선 연결선 2">
             <a:extLst>
               <a:ext uri="{FF2B5EF4-FFF2-40B4-BE49-F238E27FC236}">
-                <a16:creationId xmlns:a16="http://schemas.microsoft.com/office/drawing/2014/main" id="{28440DBE-91E6-47C8-8CD2-52AFFFC36225}"/>
+                <a16:creationId xmlns:a16="http://schemas.microsoft.com/office/drawing/2014/main" xmlns="" id="{28440DBE-91E6-47C8-8CD2-52AFFFC36225}"/>
               </a:ext>
             </a:extLst>
           </p:cNvPr>
@@ -4229,7 +4229,7 @@
           <p:cNvPr id="29" name="그룹 28">
             <a:extLst>
               <a:ext uri="{FF2B5EF4-FFF2-40B4-BE49-F238E27FC236}">
-                <a16:creationId xmlns:a16="http://schemas.microsoft.com/office/drawing/2014/main" id="{592A907A-7634-49F1-82E6-E0C8D5A51C86}"/>
+                <a16:creationId xmlns:a16="http://schemas.microsoft.com/office/drawing/2014/main" xmlns="" id="{592A907A-7634-49F1-82E6-E0C8D5A51C86}"/>
               </a:ext>
             </a:extLst>
           </p:cNvPr>
@@ -4249,7 +4249,7 @@
             <p:cNvPr id="30" name="타원 29">
               <a:extLst>
                 <a:ext uri="{FF2B5EF4-FFF2-40B4-BE49-F238E27FC236}">
-                  <a16:creationId xmlns:a16="http://schemas.microsoft.com/office/drawing/2014/main" id="{95857358-815F-4B21-A0CC-B2922F639D70}"/>
+                  <a16:creationId xmlns:a16="http://schemas.microsoft.com/office/drawing/2014/main" xmlns="" id="{95857358-815F-4B21-A0CC-B2922F639D70}"/>
                 </a:ext>
               </a:extLst>
             </p:cNvPr>
@@ -4301,7 +4301,7 @@
             <p:cNvPr id="31" name="타원 30">
               <a:extLst>
                 <a:ext uri="{FF2B5EF4-FFF2-40B4-BE49-F238E27FC236}">
-                  <a16:creationId xmlns:a16="http://schemas.microsoft.com/office/drawing/2014/main" id="{B599B735-87B5-4A92-A967-A2394B3735DF}"/>
+                  <a16:creationId xmlns:a16="http://schemas.microsoft.com/office/drawing/2014/main" xmlns="" id="{B599B735-87B5-4A92-A967-A2394B3735DF}"/>
                 </a:ext>
               </a:extLst>
             </p:cNvPr>
@@ -4354,7 +4354,7 @@
           <p:cNvPr id="32" name="TextBox 31">
             <a:extLst>
               <a:ext uri="{FF2B5EF4-FFF2-40B4-BE49-F238E27FC236}">
-                <a16:creationId xmlns:a16="http://schemas.microsoft.com/office/drawing/2014/main" id="{531E1C71-53D2-48F9-A6BF-9C2F4F61CFAE}"/>
+                <a16:creationId xmlns:a16="http://schemas.microsoft.com/office/drawing/2014/main" xmlns="" id="{531E1C71-53D2-48F9-A6BF-9C2F4F61CFAE}"/>
               </a:ext>
             </a:extLst>
           </p:cNvPr>
@@ -4390,7 +4390,7 @@
           <p:cNvPr id="45" name="그림 44">
             <a:extLst>
               <a:ext uri="{FF2B5EF4-FFF2-40B4-BE49-F238E27FC236}">
-                <a16:creationId xmlns:a16="http://schemas.microsoft.com/office/drawing/2014/main" id="{279EE1AF-7AB0-4B32-AC1A-1FA0064EC74A}"/>
+                <a16:creationId xmlns:a16="http://schemas.microsoft.com/office/drawing/2014/main" xmlns="" id="{279EE1AF-7AB0-4B32-AC1A-1FA0064EC74A}"/>
               </a:ext>
             </a:extLst>
           </p:cNvPr>
@@ -4426,7 +4426,7 @@
           <p:cNvPr id="28" name="그룹 27">
             <a:extLst>
               <a:ext uri="{FF2B5EF4-FFF2-40B4-BE49-F238E27FC236}">
-                <a16:creationId xmlns:a16="http://schemas.microsoft.com/office/drawing/2014/main" id="{C3C2CB45-848D-48E1-BD87-585E9F7EA30C}"/>
+                <a16:creationId xmlns:a16="http://schemas.microsoft.com/office/drawing/2014/main" xmlns="" id="{C3C2CB45-848D-48E1-BD87-585E9F7EA30C}"/>
               </a:ext>
             </a:extLst>
           </p:cNvPr>
@@ -4446,7 +4446,7 @@
             <p:cNvPr id="46" name="타원 45">
               <a:extLst>
                 <a:ext uri="{FF2B5EF4-FFF2-40B4-BE49-F238E27FC236}">
-                  <a16:creationId xmlns:a16="http://schemas.microsoft.com/office/drawing/2014/main" id="{EF2B87D4-AC87-4EFB-BD85-41574590A490}"/>
+                  <a16:creationId xmlns:a16="http://schemas.microsoft.com/office/drawing/2014/main" xmlns="" id="{EF2B87D4-AC87-4EFB-BD85-41574590A490}"/>
                 </a:ext>
               </a:extLst>
             </p:cNvPr>
@@ -4498,7 +4498,7 @@
             <p:cNvPr id="47" name="타원 46">
               <a:extLst>
                 <a:ext uri="{FF2B5EF4-FFF2-40B4-BE49-F238E27FC236}">
-                  <a16:creationId xmlns:a16="http://schemas.microsoft.com/office/drawing/2014/main" id="{2C0FC914-4752-4EFD-95A2-7E0AABF120B4}"/>
+                  <a16:creationId xmlns:a16="http://schemas.microsoft.com/office/drawing/2014/main" xmlns="" id="{2C0FC914-4752-4EFD-95A2-7E0AABF120B4}"/>
                 </a:ext>
               </a:extLst>
             </p:cNvPr>
@@ -4551,7 +4551,7 @@
           <p:cNvPr id="48" name="TextBox 47">
             <a:extLst>
               <a:ext uri="{FF2B5EF4-FFF2-40B4-BE49-F238E27FC236}">
-                <a16:creationId xmlns:a16="http://schemas.microsoft.com/office/drawing/2014/main" id="{63F7D6E8-D260-4E88-874C-D848FE40599B}"/>
+                <a16:creationId xmlns:a16="http://schemas.microsoft.com/office/drawing/2014/main" xmlns="" id="{63F7D6E8-D260-4E88-874C-D848FE40599B}"/>
               </a:ext>
             </a:extLst>
           </p:cNvPr>
@@ -4675,7 +4675,7 @@
           <p:cNvPr id="3" name="제목 2">
             <a:extLst>
               <a:ext uri="{FF2B5EF4-FFF2-40B4-BE49-F238E27FC236}">
-                <a16:creationId xmlns:a16="http://schemas.microsoft.com/office/drawing/2014/main" id="{06D037A6-A520-484C-BFA7-1D1C7C3BEF26}"/>
+                <a16:creationId xmlns:a16="http://schemas.microsoft.com/office/drawing/2014/main" xmlns="" id="{06D037A6-A520-484C-BFA7-1D1C7C3BEF26}"/>
               </a:ext>
             </a:extLst>
           </p:cNvPr>
@@ -4715,7 +4715,7 @@
           <p:cNvPr id="4" name="텍스트 개체 틀 3">
             <a:extLst>
               <a:ext uri="{FF2B5EF4-FFF2-40B4-BE49-F238E27FC236}">
-                <a16:creationId xmlns:a16="http://schemas.microsoft.com/office/drawing/2014/main" id="{3B5DE16B-03AA-489E-B200-65DCA87F1659}"/>
+                <a16:creationId xmlns:a16="http://schemas.microsoft.com/office/drawing/2014/main" xmlns="" id="{3B5DE16B-03AA-489E-B200-65DCA87F1659}"/>
               </a:ext>
             </a:extLst>
           </p:cNvPr>
@@ -4743,7 +4743,7 @@
           <p:cNvPr id="6" name="TextBox 5">
             <a:extLst>
               <a:ext uri="{FF2B5EF4-FFF2-40B4-BE49-F238E27FC236}">
-                <a16:creationId xmlns:a16="http://schemas.microsoft.com/office/drawing/2014/main" id="{BACB1C0D-ACB4-49FB-98B0-FA9E862CA5C4}"/>
+                <a16:creationId xmlns:a16="http://schemas.microsoft.com/office/drawing/2014/main" xmlns="" id="{BACB1C0D-ACB4-49FB-98B0-FA9E862CA5C4}"/>
               </a:ext>
             </a:extLst>
           </p:cNvPr>
@@ -4889,7 +4889,7 @@
           <p:cNvPr id="3" name="제목 2">
             <a:extLst>
               <a:ext uri="{FF2B5EF4-FFF2-40B4-BE49-F238E27FC236}">
-                <a16:creationId xmlns:a16="http://schemas.microsoft.com/office/drawing/2014/main" id="{06D037A6-A520-484C-BFA7-1D1C7C3BEF26}"/>
+                <a16:creationId xmlns:a16="http://schemas.microsoft.com/office/drawing/2014/main" xmlns="" id="{06D037A6-A520-484C-BFA7-1D1C7C3BEF26}"/>
               </a:ext>
             </a:extLst>
           </p:cNvPr>
@@ -4929,7 +4929,7 @@
           <p:cNvPr id="4" name="텍스트 개체 틀 3">
             <a:extLst>
               <a:ext uri="{FF2B5EF4-FFF2-40B4-BE49-F238E27FC236}">
-                <a16:creationId xmlns:a16="http://schemas.microsoft.com/office/drawing/2014/main" id="{3B5DE16B-03AA-489E-B200-65DCA87F1659}"/>
+                <a16:creationId xmlns:a16="http://schemas.microsoft.com/office/drawing/2014/main" xmlns="" id="{3B5DE16B-03AA-489E-B200-65DCA87F1659}"/>
               </a:ext>
             </a:extLst>
           </p:cNvPr>
@@ -4957,7 +4957,7 @@
           <p:cNvPr id="5" name="그림 4">
             <a:extLst>
               <a:ext uri="{FF2B5EF4-FFF2-40B4-BE49-F238E27FC236}">
-                <a16:creationId xmlns:a16="http://schemas.microsoft.com/office/drawing/2014/main" id="{68538838-EB53-4106-AF38-5759350C0976}"/>
+                <a16:creationId xmlns:a16="http://schemas.microsoft.com/office/drawing/2014/main" xmlns="" id="{68538838-EB53-4106-AF38-5759350C0976}"/>
               </a:ext>
             </a:extLst>
           </p:cNvPr>
@@ -4967,7 +4967,7 @@
           <p:nvPr/>
         </p:nvPicPr>
         <p:blipFill rotWithShape="1">
-          <a:blip r:embed="rId2">
+          <a:blip r:embed="rId2" cstate="print">
             <a:extLst>
               <a:ext uri="{28A0092B-C50C-407E-A947-70E740481C1C}">
                 <a14:useLocalDpi xmlns:a14="http://schemas.microsoft.com/office/drawing/2010/main" val="0"/>
@@ -4992,7 +4992,7 @@
           <p:cNvPr id="7" name="그림 6">
             <a:extLst>
               <a:ext uri="{FF2B5EF4-FFF2-40B4-BE49-F238E27FC236}">
-                <a16:creationId xmlns:a16="http://schemas.microsoft.com/office/drawing/2014/main" id="{65100F8F-2C21-4A0E-8E44-10ED2F299E6C}"/>
+                <a16:creationId xmlns:a16="http://schemas.microsoft.com/office/drawing/2014/main" xmlns="" id="{65100F8F-2C21-4A0E-8E44-10ED2F299E6C}"/>
               </a:ext>
             </a:extLst>
           </p:cNvPr>
@@ -5002,7 +5002,7 @@
           <p:nvPr/>
         </p:nvPicPr>
         <p:blipFill rotWithShape="1">
-          <a:blip r:embed="rId3">
+          <a:blip r:embed="rId3" cstate="print">
             <a:extLst>
               <a:ext uri="{28A0092B-C50C-407E-A947-70E740481C1C}">
                 <a14:useLocalDpi xmlns:a14="http://schemas.microsoft.com/office/drawing/2010/main" val="0"/>
@@ -5027,7 +5027,7 @@
           <p:cNvPr id="8" name="그림 7">
             <a:extLst>
               <a:ext uri="{FF2B5EF4-FFF2-40B4-BE49-F238E27FC236}">
-                <a16:creationId xmlns:a16="http://schemas.microsoft.com/office/drawing/2014/main" id="{43CDFC20-DCDB-4149-BAD9-0A396EC6AF7B}"/>
+                <a16:creationId xmlns:a16="http://schemas.microsoft.com/office/drawing/2014/main" xmlns="" id="{43CDFC20-DCDB-4149-BAD9-0A396EC6AF7B}"/>
               </a:ext>
             </a:extLst>
           </p:cNvPr>
@@ -5037,7 +5037,7 @@
           <p:nvPr/>
         </p:nvPicPr>
         <p:blipFill>
-          <a:blip r:embed="rId4">
+          <a:blip r:embed="rId4" cstate="print">
             <a:extLst>
               <a:ext uri="{28A0092B-C50C-407E-A947-70E740481C1C}">
                 <a14:useLocalDpi xmlns:a14="http://schemas.microsoft.com/office/drawing/2010/main" val="0"/>
@@ -5063,7 +5063,7 @@
           <p:cNvPr id="9" name="그림 8">
             <a:extLst>
               <a:ext uri="{FF2B5EF4-FFF2-40B4-BE49-F238E27FC236}">
-                <a16:creationId xmlns:a16="http://schemas.microsoft.com/office/drawing/2014/main" id="{63B4F3EA-327D-4566-8393-629842BE2FC0}"/>
+                <a16:creationId xmlns:a16="http://schemas.microsoft.com/office/drawing/2014/main" xmlns="" id="{63B4F3EA-327D-4566-8393-629842BE2FC0}"/>
               </a:ext>
             </a:extLst>
           </p:cNvPr>
@@ -5073,7 +5073,7 @@
           <p:nvPr/>
         </p:nvPicPr>
         <p:blipFill>
-          <a:blip r:embed="rId4">
+          <a:blip r:embed="rId4" cstate="print">
             <a:extLst>
               <a:ext uri="{28A0092B-C50C-407E-A947-70E740481C1C}">
                 <a14:useLocalDpi xmlns:a14="http://schemas.microsoft.com/office/drawing/2010/main" val="0"/>
@@ -5099,7 +5099,7 @@
           <p:cNvPr id="10" name="직선 화살표 연결선 9">
             <a:extLst>
               <a:ext uri="{FF2B5EF4-FFF2-40B4-BE49-F238E27FC236}">
-                <a16:creationId xmlns:a16="http://schemas.microsoft.com/office/drawing/2014/main" id="{338CE7C3-F978-4748-A87B-C91B0FF533D2}"/>
+                <a16:creationId xmlns:a16="http://schemas.microsoft.com/office/drawing/2014/main" xmlns="" id="{338CE7C3-F978-4748-A87B-C91B0FF533D2}"/>
               </a:ext>
             </a:extLst>
           </p:cNvPr>
@@ -5143,7 +5143,7 @@
           <p:cNvPr id="12" name="그림 11">
             <a:extLst>
               <a:ext uri="{FF2B5EF4-FFF2-40B4-BE49-F238E27FC236}">
-                <a16:creationId xmlns:a16="http://schemas.microsoft.com/office/drawing/2014/main" id="{8B75EC86-F5AA-4241-9C2E-9153DC39FE17}"/>
+                <a16:creationId xmlns:a16="http://schemas.microsoft.com/office/drawing/2014/main" xmlns="" id="{8B75EC86-F5AA-4241-9C2E-9153DC39FE17}"/>
               </a:ext>
             </a:extLst>
           </p:cNvPr>
@@ -5153,7 +5153,7 @@
           <p:nvPr/>
         </p:nvPicPr>
         <p:blipFill rotWithShape="1">
-          <a:blip r:embed="rId3">
+          <a:blip r:embed="rId3" cstate="print">
             <a:extLst>
               <a:ext uri="{28A0092B-C50C-407E-A947-70E740481C1C}">
                 <a14:useLocalDpi xmlns:a14="http://schemas.microsoft.com/office/drawing/2010/main" val="0"/>
@@ -5178,7 +5178,7 @@
           <p:cNvPr id="13" name="직선 화살표 연결선 12">
             <a:extLst>
               <a:ext uri="{FF2B5EF4-FFF2-40B4-BE49-F238E27FC236}">
-                <a16:creationId xmlns:a16="http://schemas.microsoft.com/office/drawing/2014/main" id="{6E6E060E-F446-4491-9F4E-75FF5BD66D9D}"/>
+                <a16:creationId xmlns:a16="http://schemas.microsoft.com/office/drawing/2014/main" xmlns="" id="{6E6E060E-F446-4491-9F4E-75FF5BD66D9D}"/>
               </a:ext>
             </a:extLst>
           </p:cNvPr>
@@ -5223,7 +5223,7 @@
           <p:cNvPr id="16" name="연결선: 구부러짐 15">
             <a:extLst>
               <a:ext uri="{FF2B5EF4-FFF2-40B4-BE49-F238E27FC236}">
-                <a16:creationId xmlns:a16="http://schemas.microsoft.com/office/drawing/2014/main" id="{E6AFCC33-F261-4CD6-B041-1FB92D22561D}"/>
+                <a16:creationId xmlns:a16="http://schemas.microsoft.com/office/drawing/2014/main" xmlns="" id="{E6AFCC33-F261-4CD6-B041-1FB92D22561D}"/>
               </a:ext>
             </a:extLst>
           </p:cNvPr>
@@ -5271,7 +5271,7 @@
           <p:cNvPr id="20" name="그림 19">
             <a:extLst>
               <a:ext uri="{FF2B5EF4-FFF2-40B4-BE49-F238E27FC236}">
-                <a16:creationId xmlns:a16="http://schemas.microsoft.com/office/drawing/2014/main" id="{C79A4DD2-BF58-4B4D-9D62-FD15B213F99C}"/>
+                <a16:creationId xmlns:a16="http://schemas.microsoft.com/office/drawing/2014/main" xmlns="" id="{C79A4DD2-BF58-4B4D-9D62-FD15B213F99C}"/>
               </a:ext>
             </a:extLst>
           </p:cNvPr>
@@ -5281,7 +5281,7 @@
           <p:nvPr/>
         </p:nvPicPr>
         <p:blipFill rotWithShape="1">
-          <a:blip r:embed="rId3">
+          <a:blip r:embed="rId3" cstate="print">
             <a:extLst>
               <a:ext uri="{28A0092B-C50C-407E-A947-70E740481C1C}">
                 <a14:useLocalDpi xmlns:a14="http://schemas.microsoft.com/office/drawing/2010/main" val="0"/>
@@ -5306,7 +5306,7 @@
           <p:cNvPr id="29" name="연결선: 구부러짐 28">
             <a:extLst>
               <a:ext uri="{FF2B5EF4-FFF2-40B4-BE49-F238E27FC236}">
-                <a16:creationId xmlns:a16="http://schemas.microsoft.com/office/drawing/2014/main" id="{358F99EA-A845-4BF3-AF46-8DBCA8FABFAE}"/>
+                <a16:creationId xmlns:a16="http://schemas.microsoft.com/office/drawing/2014/main" xmlns="" id="{358F99EA-A845-4BF3-AF46-8DBCA8FABFAE}"/>
               </a:ext>
             </a:extLst>
           </p:cNvPr>
@@ -5381,7 +5381,7 @@
           <p:cNvPr id="3" name="제목 2">
             <a:extLst>
               <a:ext uri="{FF2B5EF4-FFF2-40B4-BE49-F238E27FC236}">
-                <a16:creationId xmlns:a16="http://schemas.microsoft.com/office/drawing/2014/main" id="{06D037A6-A520-484C-BFA7-1D1C7C3BEF26}"/>
+                <a16:creationId xmlns:a16="http://schemas.microsoft.com/office/drawing/2014/main" xmlns="" id="{06D037A6-A520-484C-BFA7-1D1C7C3BEF26}"/>
               </a:ext>
             </a:extLst>
           </p:cNvPr>
@@ -5421,7 +5421,7 @@
           <p:cNvPr id="4" name="텍스트 개체 틀 3">
             <a:extLst>
               <a:ext uri="{FF2B5EF4-FFF2-40B4-BE49-F238E27FC236}">
-                <a16:creationId xmlns:a16="http://schemas.microsoft.com/office/drawing/2014/main" id="{3B5DE16B-03AA-489E-B200-65DCA87F1659}"/>
+                <a16:creationId xmlns:a16="http://schemas.microsoft.com/office/drawing/2014/main" xmlns="" id="{3B5DE16B-03AA-489E-B200-65DCA87F1659}"/>
               </a:ext>
             </a:extLst>
           </p:cNvPr>
@@ -5449,7 +5449,7 @@
           <p:cNvPr id="1026" name="Picture 2" descr="http://www.gokorea.kr/news/photo/201608/5512_5057_1011.jpg">
             <a:extLst>
               <a:ext uri="{FF2B5EF4-FFF2-40B4-BE49-F238E27FC236}">
-                <a16:creationId xmlns:a16="http://schemas.microsoft.com/office/drawing/2014/main" id="{C5D0A3B7-A0D1-4065-A804-09BD41F312C9}"/>
+                <a16:creationId xmlns:a16="http://schemas.microsoft.com/office/drawing/2014/main" xmlns="" id="{C5D0A3B7-A0D1-4065-A804-09BD41F312C9}"/>
               </a:ext>
             </a:extLst>
           </p:cNvPr>
@@ -5526,7 +5526,7 @@
           <p:cNvPr id="3" name="제목 2">
             <a:extLst>
               <a:ext uri="{FF2B5EF4-FFF2-40B4-BE49-F238E27FC236}">
-                <a16:creationId xmlns:a16="http://schemas.microsoft.com/office/drawing/2014/main" id="{06D037A6-A520-484C-BFA7-1D1C7C3BEF26}"/>
+                <a16:creationId xmlns:a16="http://schemas.microsoft.com/office/drawing/2014/main" xmlns="" id="{06D037A6-A520-484C-BFA7-1D1C7C3BEF26}"/>
               </a:ext>
             </a:extLst>
           </p:cNvPr>
@@ -5566,7 +5566,7 @@
           <p:cNvPr id="4" name="텍스트 개체 틀 3">
             <a:extLst>
               <a:ext uri="{FF2B5EF4-FFF2-40B4-BE49-F238E27FC236}">
-                <a16:creationId xmlns:a16="http://schemas.microsoft.com/office/drawing/2014/main" id="{3B5DE16B-03AA-489E-B200-65DCA87F1659}"/>
+                <a16:creationId xmlns:a16="http://schemas.microsoft.com/office/drawing/2014/main" xmlns="" id="{3B5DE16B-03AA-489E-B200-65DCA87F1659}"/>
               </a:ext>
             </a:extLst>
           </p:cNvPr>
@@ -5594,7 +5594,7 @@
           <p:cNvPr id="2" name="TextBox 1">
             <a:extLst>
               <a:ext uri="{FF2B5EF4-FFF2-40B4-BE49-F238E27FC236}">
-                <a16:creationId xmlns:a16="http://schemas.microsoft.com/office/drawing/2014/main" id="{1A674750-6289-41BD-ADB7-1936A5EA662B}"/>
+                <a16:creationId xmlns:a16="http://schemas.microsoft.com/office/drawing/2014/main" xmlns="" id="{1A674750-6289-41BD-ADB7-1936A5EA662B}"/>
               </a:ext>
             </a:extLst>
           </p:cNvPr>
@@ -5632,7 +5632,7 @@
           <p:cNvPr id="5" name="TextBox 4">
             <a:extLst>
               <a:ext uri="{FF2B5EF4-FFF2-40B4-BE49-F238E27FC236}">
-                <a16:creationId xmlns:a16="http://schemas.microsoft.com/office/drawing/2014/main" id="{B02C9649-22BE-4CAE-8B86-DE788C8D2814}"/>
+                <a16:creationId xmlns:a16="http://schemas.microsoft.com/office/drawing/2014/main" xmlns="" id="{B02C9649-22BE-4CAE-8B86-DE788C8D2814}"/>
               </a:ext>
             </a:extLst>
           </p:cNvPr>
@@ -5717,7 +5717,7 @@
           <p:cNvPr id="3" name="제목 2">
             <a:extLst>
               <a:ext uri="{FF2B5EF4-FFF2-40B4-BE49-F238E27FC236}">
-                <a16:creationId xmlns:a16="http://schemas.microsoft.com/office/drawing/2014/main" id="{06D037A6-A520-484C-BFA7-1D1C7C3BEF26}"/>
+                <a16:creationId xmlns:a16="http://schemas.microsoft.com/office/drawing/2014/main" xmlns="" id="{06D037A6-A520-484C-BFA7-1D1C7C3BEF26}"/>
               </a:ext>
             </a:extLst>
           </p:cNvPr>
@@ -5758,7 +5758,7 @@
           <p:cNvPr id="4" name="텍스트 개체 틀 3">
             <a:extLst>
               <a:ext uri="{FF2B5EF4-FFF2-40B4-BE49-F238E27FC236}">
-                <a16:creationId xmlns:a16="http://schemas.microsoft.com/office/drawing/2014/main" id="{3B5DE16B-03AA-489E-B200-65DCA87F1659}"/>
+                <a16:creationId xmlns:a16="http://schemas.microsoft.com/office/drawing/2014/main" xmlns="" id="{3B5DE16B-03AA-489E-B200-65DCA87F1659}"/>
               </a:ext>
             </a:extLst>
           </p:cNvPr>
@@ -5786,7 +5786,7 @@
           <p:cNvPr id="2" name="그림 1">
             <a:extLst>
               <a:ext uri="{FF2B5EF4-FFF2-40B4-BE49-F238E27FC236}">
-                <a16:creationId xmlns:a16="http://schemas.microsoft.com/office/drawing/2014/main" id="{0DD69E92-8647-4E42-A2A7-05E2B4BD9CC0}"/>
+                <a16:creationId xmlns:a16="http://schemas.microsoft.com/office/drawing/2014/main" xmlns="" id="{0DD69E92-8647-4E42-A2A7-05E2B4BD9CC0}"/>
               </a:ext>
             </a:extLst>
           </p:cNvPr>
@@ -5815,7 +5815,7 @@
           <p:cNvPr id="5" name="그림 4">
             <a:extLst>
               <a:ext uri="{FF2B5EF4-FFF2-40B4-BE49-F238E27FC236}">
-                <a16:creationId xmlns:a16="http://schemas.microsoft.com/office/drawing/2014/main" id="{D7DE8B06-20FA-49ED-84CB-A4797592B113}"/>
+                <a16:creationId xmlns:a16="http://schemas.microsoft.com/office/drawing/2014/main" xmlns="" id="{D7DE8B06-20FA-49ED-84CB-A4797592B113}"/>
               </a:ext>
             </a:extLst>
           </p:cNvPr>
@@ -5874,7 +5874,7 @@
           <p:cNvPr id="3" name="제목 2">
             <a:extLst>
               <a:ext uri="{FF2B5EF4-FFF2-40B4-BE49-F238E27FC236}">
-                <a16:creationId xmlns:a16="http://schemas.microsoft.com/office/drawing/2014/main" id="{06D037A6-A520-484C-BFA7-1D1C7C3BEF26}"/>
+                <a16:creationId xmlns:a16="http://schemas.microsoft.com/office/drawing/2014/main" xmlns="" id="{06D037A6-A520-484C-BFA7-1D1C7C3BEF26}"/>
               </a:ext>
             </a:extLst>
           </p:cNvPr>
@@ -5915,7 +5915,7 @@
           <p:cNvPr id="4" name="텍스트 개체 틀 3">
             <a:extLst>
               <a:ext uri="{FF2B5EF4-FFF2-40B4-BE49-F238E27FC236}">
-                <a16:creationId xmlns:a16="http://schemas.microsoft.com/office/drawing/2014/main" id="{3B5DE16B-03AA-489E-B200-65DCA87F1659}"/>
+                <a16:creationId xmlns:a16="http://schemas.microsoft.com/office/drawing/2014/main" xmlns="" id="{3B5DE16B-03AA-489E-B200-65DCA87F1659}"/>
               </a:ext>
             </a:extLst>
           </p:cNvPr>
@@ -5943,7 +5943,7 @@
           <p:cNvPr id="2" name="그림 1">
             <a:extLst>
               <a:ext uri="{FF2B5EF4-FFF2-40B4-BE49-F238E27FC236}">
-                <a16:creationId xmlns:a16="http://schemas.microsoft.com/office/drawing/2014/main" id="{479F1F9D-72A6-4B65-A9CB-E1BFDB94D6EE}"/>
+                <a16:creationId xmlns:a16="http://schemas.microsoft.com/office/drawing/2014/main" xmlns="" id="{479F1F9D-72A6-4B65-A9CB-E1BFDB94D6EE}"/>
               </a:ext>
             </a:extLst>
           </p:cNvPr>
@@ -5973,7 +5973,7 @@
           <p:cNvPr id="5" name="그림 4">
             <a:extLst>
               <a:ext uri="{FF2B5EF4-FFF2-40B4-BE49-F238E27FC236}">
-                <a16:creationId xmlns:a16="http://schemas.microsoft.com/office/drawing/2014/main" id="{F111F617-859B-4438-86EC-6DE6415EC444}"/>
+                <a16:creationId xmlns:a16="http://schemas.microsoft.com/office/drawing/2014/main" xmlns="" id="{F111F617-859B-4438-86EC-6DE6415EC444}"/>
               </a:ext>
             </a:extLst>
           </p:cNvPr>
